--- a/meetings/Präsentation_22.03.21.pptx
+++ b/meetings/Präsentation_22.03.21.pptx
@@ -1,35 +1,130 @@
 
 <file path=ppt/presentation.xml><?xml version="1.0" encoding="utf-8"?>
-<p:presentation xmlns:a="http://schemas.openxmlformats.org/drawingml/2006/main" xmlns:p="http://schemas.openxmlformats.org/presentationml/2006/main" xmlns:r="http://schemas.openxmlformats.org/officeDocument/2006/relationships" xmlns:p14="http://schemas.microsoft.com/office/powerpoint/2010/main" xmlns:p15="http://schemas.microsoft.com/office/powerpoint/2012/main" xmlns:mc="http://schemas.openxmlformats.org/markup-compatibility/2006">
+<p:presentation xmlns:a="http://schemas.openxmlformats.org/drawingml/2006/main" xmlns:r="http://schemas.openxmlformats.org/officeDocument/2006/relationships" xmlns:p="http://schemas.openxmlformats.org/presentationml/2006/main">
   <p:sldMasterIdLst>
-    <p:sldMasterId id="2147483648" r:id="rId2"/>
-    <p:sldMasterId id="2147483661" r:id="rId3"/>
-    <p:sldMasterId id="2147483674" r:id="rId4"/>
+    <p:sldMasterId id="2147483648" r:id="rId1"/>
+    <p:sldMasterId id="2147483661" r:id="rId2"/>
+    <p:sldMasterId id="2147483674" r:id="rId3"/>
   </p:sldMasterIdLst>
   <p:sldIdLst>
-    <p:sldId id="256" r:id="rId5"/>
-    <p:sldId id="257" r:id="rId6"/>
-    <p:sldId id="258" r:id="rId7"/>
-    <p:sldId id="259" r:id="rId8"/>
-    <p:sldId id="260" r:id="rId9"/>
-    <p:sldId id="261" r:id="rId10"/>
-    <p:sldId id="262" r:id="rId11"/>
-    <p:sldId id="263" r:id="rId12"/>
-    <p:sldId id="264" r:id="rId13"/>
-    <p:sldId id="265" r:id="rId14"/>
-    <p:sldId id="266" r:id="rId15"/>
-    <p:sldId id="267" r:id="rId16"/>
-    <p:sldId id="268" r:id="rId17"/>
-    <p:sldId id="269" r:id="rId18"/>
-    <p:sldId id="270" r:id="rId19"/>
+    <p:sldId id="256" r:id="rId4"/>
+    <p:sldId id="257" r:id="rId5"/>
+    <p:sldId id="258" r:id="rId6"/>
+    <p:sldId id="259" r:id="rId7"/>
+    <p:sldId id="260" r:id="rId8"/>
+    <p:sldId id="261" r:id="rId9"/>
+    <p:sldId id="262" r:id="rId10"/>
+    <p:sldId id="263" r:id="rId11"/>
+    <p:sldId id="264" r:id="rId12"/>
+    <p:sldId id="265" r:id="rId13"/>
+    <p:sldId id="266" r:id="rId14"/>
+    <p:sldId id="267" r:id="rId15"/>
+    <p:sldId id="268" r:id="rId16"/>
+    <p:sldId id="269" r:id="rId17"/>
+    <p:sldId id="270" r:id="rId18"/>
   </p:sldIdLst>
   <p:sldSz cx="12192000" cy="6858000"/>
-  <p:notesSz cx="7559675" cy="10691812"/>
+  <p:notesSz cx="7559675" cy="10691813"/>
+  <p:defaultTextStyle>
+    <a:defPPr>
+      <a:defRPr lang="de-DE"/>
+    </a:defPPr>
+    <a:lvl1pPr marL="0" algn="l" defTabSz="914400" rtl="0" eaLnBrk="1" latinLnBrk="0" hangingPunct="1">
+      <a:defRPr sz="1800" kern="1200">
+        <a:solidFill>
+          <a:schemeClr val="tx1"/>
+        </a:solidFill>
+        <a:latin typeface="+mn-lt"/>
+        <a:ea typeface="+mn-ea"/>
+        <a:cs typeface="+mn-cs"/>
+      </a:defRPr>
+    </a:lvl1pPr>
+    <a:lvl2pPr marL="457200" algn="l" defTabSz="914400" rtl="0" eaLnBrk="1" latinLnBrk="0" hangingPunct="1">
+      <a:defRPr sz="1800" kern="1200">
+        <a:solidFill>
+          <a:schemeClr val="tx1"/>
+        </a:solidFill>
+        <a:latin typeface="+mn-lt"/>
+        <a:ea typeface="+mn-ea"/>
+        <a:cs typeface="+mn-cs"/>
+      </a:defRPr>
+    </a:lvl2pPr>
+    <a:lvl3pPr marL="914400" algn="l" defTabSz="914400" rtl="0" eaLnBrk="1" latinLnBrk="0" hangingPunct="1">
+      <a:defRPr sz="1800" kern="1200">
+        <a:solidFill>
+          <a:schemeClr val="tx1"/>
+        </a:solidFill>
+        <a:latin typeface="+mn-lt"/>
+        <a:ea typeface="+mn-ea"/>
+        <a:cs typeface="+mn-cs"/>
+      </a:defRPr>
+    </a:lvl3pPr>
+    <a:lvl4pPr marL="1371600" algn="l" defTabSz="914400" rtl="0" eaLnBrk="1" latinLnBrk="0" hangingPunct="1">
+      <a:defRPr sz="1800" kern="1200">
+        <a:solidFill>
+          <a:schemeClr val="tx1"/>
+        </a:solidFill>
+        <a:latin typeface="+mn-lt"/>
+        <a:ea typeface="+mn-ea"/>
+        <a:cs typeface="+mn-cs"/>
+      </a:defRPr>
+    </a:lvl4pPr>
+    <a:lvl5pPr marL="1828800" algn="l" defTabSz="914400" rtl="0" eaLnBrk="1" latinLnBrk="0" hangingPunct="1">
+      <a:defRPr sz="1800" kern="1200">
+        <a:solidFill>
+          <a:schemeClr val="tx1"/>
+        </a:solidFill>
+        <a:latin typeface="+mn-lt"/>
+        <a:ea typeface="+mn-ea"/>
+        <a:cs typeface="+mn-cs"/>
+      </a:defRPr>
+    </a:lvl5pPr>
+    <a:lvl6pPr marL="2286000" algn="l" defTabSz="914400" rtl="0" eaLnBrk="1" latinLnBrk="0" hangingPunct="1">
+      <a:defRPr sz="1800" kern="1200">
+        <a:solidFill>
+          <a:schemeClr val="tx1"/>
+        </a:solidFill>
+        <a:latin typeface="+mn-lt"/>
+        <a:ea typeface="+mn-ea"/>
+        <a:cs typeface="+mn-cs"/>
+      </a:defRPr>
+    </a:lvl6pPr>
+    <a:lvl7pPr marL="2743200" algn="l" defTabSz="914400" rtl="0" eaLnBrk="1" latinLnBrk="0" hangingPunct="1">
+      <a:defRPr sz="1800" kern="1200">
+        <a:solidFill>
+          <a:schemeClr val="tx1"/>
+        </a:solidFill>
+        <a:latin typeface="+mn-lt"/>
+        <a:ea typeface="+mn-ea"/>
+        <a:cs typeface="+mn-cs"/>
+      </a:defRPr>
+    </a:lvl7pPr>
+    <a:lvl8pPr marL="3200400" algn="l" defTabSz="914400" rtl="0" eaLnBrk="1" latinLnBrk="0" hangingPunct="1">
+      <a:defRPr sz="1800" kern="1200">
+        <a:solidFill>
+          <a:schemeClr val="tx1"/>
+        </a:solidFill>
+        <a:latin typeface="+mn-lt"/>
+        <a:ea typeface="+mn-ea"/>
+        <a:cs typeface="+mn-cs"/>
+      </a:defRPr>
+    </a:lvl8pPr>
+    <a:lvl9pPr marL="3657600" algn="l" defTabSz="914400" rtl="0" eaLnBrk="1" latinLnBrk="0" hangingPunct="1">
+      <a:defRPr sz="1800" kern="1200">
+        <a:solidFill>
+          <a:schemeClr val="tx1"/>
+        </a:solidFill>
+        <a:latin typeface="+mn-lt"/>
+        <a:ea typeface="+mn-ea"/>
+        <a:cs typeface="+mn-cs"/>
+      </a:defRPr>
+    </a:lvl9pPr>
+  </p:defaultTextStyle>
 </p:presentation>
 </file>
 
 <file path=ppt/slideLayouts/slideLayout1.xml><?xml version="1.0" encoding="utf-8"?>
-<p:sldLayout xmlns:a="http://schemas.openxmlformats.org/drawingml/2006/main" xmlns:p="http://schemas.openxmlformats.org/presentationml/2006/main" xmlns:r="http://schemas.openxmlformats.org/officeDocument/2006/relationships" xmlns:p14="http://schemas.microsoft.com/office/powerpoint/2010/main" xmlns:p15="http://schemas.microsoft.com/office/powerpoint/2012/main" xmlns:mc="http://schemas.openxmlformats.org/markup-compatibility/2006" type="blank" preserve="1">
+<p:sldLayout xmlns:a="http://schemas.openxmlformats.org/drawingml/2006/main" xmlns:r="http://schemas.openxmlformats.org/officeDocument/2006/relationships" xmlns:p="http://schemas.openxmlformats.org/presentationml/2006/main" type="blank" preserve="1">
   <p:cSld name="Blank Slide">
     <p:spTree>
       <p:nvGrpSpPr>
@@ -47,11 +142,14 @@
       </p:grpSpPr>
     </p:spTree>
   </p:cSld>
+  <p:clrMapOvr>
+    <a:masterClrMapping/>
+  </p:clrMapOvr>
 </p:sldLayout>
 </file>
 
 <file path=ppt/slideLayouts/slideLayout10.xml><?xml version="1.0" encoding="utf-8"?>
-<p:sldLayout xmlns:a="http://schemas.openxmlformats.org/drawingml/2006/main" xmlns:p="http://schemas.openxmlformats.org/presentationml/2006/main" xmlns:r="http://schemas.openxmlformats.org/officeDocument/2006/relationships" xmlns:p14="http://schemas.microsoft.com/office/powerpoint/2010/main" xmlns:p15="http://schemas.microsoft.com/office/powerpoint/2012/main" xmlns:mc="http://schemas.openxmlformats.org/markup-compatibility/2006" type="objOverTx" preserve="1">
+<p:sldLayout xmlns:a="http://schemas.openxmlformats.org/drawingml/2006/main" xmlns:r="http://schemas.openxmlformats.org/officeDocument/2006/relationships" xmlns:p="http://schemas.openxmlformats.org/presentationml/2006/main" type="objOverTx" preserve="1">
   <p:cSld name="Title, Content over Content">
     <p:spTree>
       <p:nvGrpSpPr>
@@ -87,11 +185,12 @@
           </a:prstGeom>
         </p:spPr>
         <p:txBody>
-          <a:bodyPr lIns="0" rIns="0" tIns="0" bIns="0" anchor="ctr">
+          <a:bodyPr lIns="0" tIns="0" rIns="0" bIns="0" anchor="ctr">
             <a:noAutofit/>
           </a:bodyPr>
-          <a:p>
-            <a:endParaRPr b="0" lang="de-DE" sz="1800" spc="-1" strike="noStrike">
+          <a:lstStyle/>
+          <a:p>
+            <a:endParaRPr lang="de-DE" sz="1800" b="0" strike="noStrike" spc="-1">
               <a:solidFill>
                 <a:srgbClr val="000000"/>
               </a:solidFill>
@@ -120,11 +219,12 @@
           </a:prstGeom>
         </p:spPr>
         <p:txBody>
-          <a:bodyPr lIns="0" rIns="0" tIns="0" bIns="0">
+          <a:bodyPr lIns="0" tIns="0" rIns="0" bIns="0">
             <a:normAutofit/>
           </a:bodyPr>
-          <a:p>
-            <a:endParaRPr b="0" lang="de-DE" sz="2800" spc="-1" strike="noStrike">
+          <a:lstStyle/>
+          <a:p>
+            <a:endParaRPr lang="de-DE" sz="2800" b="0" strike="noStrike" spc="-1">
               <a:solidFill>
                 <a:srgbClr val="000000"/>
               </a:solidFill>
@@ -153,11 +253,12 @@
           </a:prstGeom>
         </p:spPr>
         <p:txBody>
-          <a:bodyPr lIns="0" rIns="0" tIns="0" bIns="0">
+          <a:bodyPr lIns="0" tIns="0" rIns="0" bIns="0">
             <a:normAutofit/>
           </a:bodyPr>
-          <a:p>
-            <a:endParaRPr b="0" lang="de-DE" sz="2800" spc="-1" strike="noStrike">
+          <a:lstStyle/>
+          <a:p>
+            <a:endParaRPr lang="de-DE" sz="2800" b="0" strike="noStrike" spc="-1">
               <a:solidFill>
                 <a:srgbClr val="000000"/>
               </a:solidFill>
@@ -168,11 +269,14 @@
       </p:sp>
     </p:spTree>
   </p:cSld>
+  <p:clrMapOvr>
+    <a:masterClrMapping/>
+  </p:clrMapOvr>
 </p:sldLayout>
 </file>
 
 <file path=ppt/slideLayouts/slideLayout11.xml><?xml version="1.0" encoding="utf-8"?>
-<p:sldLayout xmlns:a="http://schemas.openxmlformats.org/drawingml/2006/main" xmlns:p="http://schemas.openxmlformats.org/presentationml/2006/main" xmlns:r="http://schemas.openxmlformats.org/officeDocument/2006/relationships" xmlns:p14="http://schemas.microsoft.com/office/powerpoint/2010/main" xmlns:p15="http://schemas.microsoft.com/office/powerpoint/2012/main" xmlns:mc="http://schemas.openxmlformats.org/markup-compatibility/2006" type="fourObj" preserve="1">
+<p:sldLayout xmlns:a="http://schemas.openxmlformats.org/drawingml/2006/main" xmlns:r="http://schemas.openxmlformats.org/officeDocument/2006/relationships" xmlns:p="http://schemas.openxmlformats.org/presentationml/2006/main" type="fourObj" preserve="1">
   <p:cSld name="Title, 4 Content">
     <p:spTree>
       <p:nvGrpSpPr>
@@ -208,11 +312,12 @@
           </a:prstGeom>
         </p:spPr>
         <p:txBody>
-          <a:bodyPr lIns="0" rIns="0" tIns="0" bIns="0" anchor="ctr">
+          <a:bodyPr lIns="0" tIns="0" rIns="0" bIns="0" anchor="ctr">
             <a:noAutofit/>
           </a:bodyPr>
-          <a:p>
-            <a:endParaRPr b="0" lang="de-DE" sz="1800" spc="-1" strike="noStrike">
+          <a:lstStyle/>
+          <a:p>
+            <a:endParaRPr lang="de-DE" sz="1800" b="0" strike="noStrike" spc="-1">
               <a:solidFill>
                 <a:srgbClr val="000000"/>
               </a:solidFill>
@@ -241,11 +346,12 @@
           </a:prstGeom>
         </p:spPr>
         <p:txBody>
-          <a:bodyPr lIns="0" rIns="0" tIns="0" bIns="0">
+          <a:bodyPr lIns="0" tIns="0" rIns="0" bIns="0">
             <a:normAutofit/>
           </a:bodyPr>
-          <a:p>
-            <a:endParaRPr b="0" lang="de-DE" sz="2800" spc="-1" strike="noStrike">
+          <a:lstStyle/>
+          <a:p>
+            <a:endParaRPr lang="de-DE" sz="2800" b="0" strike="noStrike" spc="-1">
               <a:solidFill>
                 <a:srgbClr val="000000"/>
               </a:solidFill>
@@ -274,11 +380,12 @@
           </a:prstGeom>
         </p:spPr>
         <p:txBody>
-          <a:bodyPr lIns="0" rIns="0" tIns="0" bIns="0">
+          <a:bodyPr lIns="0" tIns="0" rIns="0" bIns="0">
             <a:normAutofit/>
           </a:bodyPr>
-          <a:p>
-            <a:endParaRPr b="0" lang="de-DE" sz="2800" spc="-1" strike="noStrike">
+          <a:lstStyle/>
+          <a:p>
+            <a:endParaRPr lang="de-DE" sz="2800" b="0" strike="noStrike" spc="-1">
               <a:solidFill>
                 <a:srgbClr val="000000"/>
               </a:solidFill>
@@ -307,11 +414,12 @@
           </a:prstGeom>
         </p:spPr>
         <p:txBody>
-          <a:bodyPr lIns="0" rIns="0" tIns="0" bIns="0">
+          <a:bodyPr lIns="0" tIns="0" rIns="0" bIns="0">
             <a:normAutofit/>
           </a:bodyPr>
-          <a:p>
-            <a:endParaRPr b="0" lang="de-DE" sz="2800" spc="-1" strike="noStrike">
+          <a:lstStyle/>
+          <a:p>
+            <a:endParaRPr lang="de-DE" sz="2800" b="0" strike="noStrike" spc="-1">
               <a:solidFill>
                 <a:srgbClr val="000000"/>
               </a:solidFill>
@@ -340,11 +448,12 @@
           </a:prstGeom>
         </p:spPr>
         <p:txBody>
-          <a:bodyPr lIns="0" rIns="0" tIns="0" bIns="0">
+          <a:bodyPr lIns="0" tIns="0" rIns="0" bIns="0">
             <a:normAutofit/>
           </a:bodyPr>
-          <a:p>
-            <a:endParaRPr b="0" lang="de-DE" sz="2800" spc="-1" strike="noStrike">
+          <a:lstStyle/>
+          <a:p>
+            <a:endParaRPr lang="de-DE" sz="2800" b="0" strike="noStrike" spc="-1">
               <a:solidFill>
                 <a:srgbClr val="000000"/>
               </a:solidFill>
@@ -355,11 +464,14 @@
       </p:sp>
     </p:spTree>
   </p:cSld>
+  <p:clrMapOvr>
+    <a:masterClrMapping/>
+  </p:clrMapOvr>
 </p:sldLayout>
 </file>
 
 <file path=ppt/slideLayouts/slideLayout12.xml><?xml version="1.0" encoding="utf-8"?>
-<p:sldLayout xmlns:a="http://schemas.openxmlformats.org/drawingml/2006/main" xmlns:p="http://schemas.openxmlformats.org/presentationml/2006/main" xmlns:r="http://schemas.openxmlformats.org/officeDocument/2006/relationships" xmlns:p14="http://schemas.microsoft.com/office/powerpoint/2010/main" xmlns:p15="http://schemas.microsoft.com/office/powerpoint/2012/main" xmlns:mc="http://schemas.openxmlformats.org/markup-compatibility/2006" type="blank" preserve="1">
+<p:sldLayout xmlns:a="http://schemas.openxmlformats.org/drawingml/2006/main" xmlns:r="http://schemas.openxmlformats.org/officeDocument/2006/relationships" xmlns:p="http://schemas.openxmlformats.org/presentationml/2006/main" type="blank" preserve="1">
   <p:cSld name="Title, 6 Content">
     <p:spTree>
       <p:nvGrpSpPr>
@@ -395,11 +507,12 @@
           </a:prstGeom>
         </p:spPr>
         <p:txBody>
-          <a:bodyPr lIns="0" rIns="0" tIns="0" bIns="0" anchor="ctr">
+          <a:bodyPr lIns="0" tIns="0" rIns="0" bIns="0" anchor="ctr">
             <a:noAutofit/>
           </a:bodyPr>
-          <a:p>
-            <a:endParaRPr b="0" lang="de-DE" sz="1800" spc="-1" strike="noStrike">
+          <a:lstStyle/>
+          <a:p>
+            <a:endParaRPr lang="de-DE" sz="1800" b="0" strike="noStrike" spc="-1">
               <a:solidFill>
                 <a:srgbClr val="000000"/>
               </a:solidFill>
@@ -428,11 +541,12 @@
           </a:prstGeom>
         </p:spPr>
         <p:txBody>
-          <a:bodyPr lIns="0" rIns="0" tIns="0" bIns="0">
+          <a:bodyPr lIns="0" tIns="0" rIns="0" bIns="0">
             <a:normAutofit/>
           </a:bodyPr>
-          <a:p>
-            <a:endParaRPr b="0" lang="de-DE" sz="2800" spc="-1" strike="noStrike">
+          <a:lstStyle/>
+          <a:p>
+            <a:endParaRPr lang="de-DE" sz="2800" b="0" strike="noStrike" spc="-1">
               <a:solidFill>
                 <a:srgbClr val="000000"/>
               </a:solidFill>
@@ -461,11 +575,12 @@
           </a:prstGeom>
         </p:spPr>
         <p:txBody>
-          <a:bodyPr lIns="0" rIns="0" tIns="0" bIns="0">
+          <a:bodyPr lIns="0" tIns="0" rIns="0" bIns="0">
             <a:normAutofit/>
           </a:bodyPr>
-          <a:p>
-            <a:endParaRPr b="0" lang="de-DE" sz="2800" spc="-1" strike="noStrike">
+          <a:lstStyle/>
+          <a:p>
+            <a:endParaRPr lang="de-DE" sz="2800" b="0" strike="noStrike" spc="-1">
               <a:solidFill>
                 <a:srgbClr val="000000"/>
               </a:solidFill>
@@ -494,11 +609,12 @@
           </a:prstGeom>
         </p:spPr>
         <p:txBody>
-          <a:bodyPr lIns="0" rIns="0" tIns="0" bIns="0">
+          <a:bodyPr lIns="0" tIns="0" rIns="0" bIns="0">
             <a:normAutofit/>
           </a:bodyPr>
-          <a:p>
-            <a:endParaRPr b="0" lang="de-DE" sz="2800" spc="-1" strike="noStrike">
+          <a:lstStyle/>
+          <a:p>
+            <a:endParaRPr lang="de-DE" sz="2800" b="0" strike="noStrike" spc="-1">
               <a:solidFill>
                 <a:srgbClr val="000000"/>
               </a:solidFill>
@@ -527,11 +643,12 @@
           </a:prstGeom>
         </p:spPr>
         <p:txBody>
-          <a:bodyPr lIns="0" rIns="0" tIns="0" bIns="0">
+          <a:bodyPr lIns="0" tIns="0" rIns="0" bIns="0">
             <a:normAutofit/>
           </a:bodyPr>
-          <a:p>
-            <a:endParaRPr b="0" lang="de-DE" sz="2800" spc="-1" strike="noStrike">
+          <a:lstStyle/>
+          <a:p>
+            <a:endParaRPr lang="de-DE" sz="2800" b="0" strike="noStrike" spc="-1">
               <a:solidFill>
                 <a:srgbClr val="000000"/>
               </a:solidFill>
@@ -560,11 +677,12 @@
           </a:prstGeom>
         </p:spPr>
         <p:txBody>
-          <a:bodyPr lIns="0" rIns="0" tIns="0" bIns="0">
+          <a:bodyPr lIns="0" tIns="0" rIns="0" bIns="0">
             <a:normAutofit/>
           </a:bodyPr>
-          <a:p>
-            <a:endParaRPr b="0" lang="de-DE" sz="2800" spc="-1" strike="noStrike">
+          <a:lstStyle/>
+          <a:p>
+            <a:endParaRPr lang="de-DE" sz="2800" b="0" strike="noStrike" spc="-1">
               <a:solidFill>
                 <a:srgbClr val="000000"/>
               </a:solidFill>
@@ -593,11 +711,12 @@
           </a:prstGeom>
         </p:spPr>
         <p:txBody>
-          <a:bodyPr lIns="0" rIns="0" tIns="0" bIns="0">
+          <a:bodyPr lIns="0" tIns="0" rIns="0" bIns="0">
             <a:normAutofit/>
           </a:bodyPr>
-          <a:p>
-            <a:endParaRPr b="0" lang="de-DE" sz="2800" spc="-1" strike="noStrike">
+          <a:lstStyle/>
+          <a:p>
+            <a:endParaRPr lang="de-DE" sz="2800" b="0" strike="noStrike" spc="-1">
               <a:solidFill>
                 <a:srgbClr val="000000"/>
               </a:solidFill>
@@ -608,11 +727,14 @@
       </p:sp>
     </p:spTree>
   </p:cSld>
+  <p:clrMapOvr>
+    <a:masterClrMapping/>
+  </p:clrMapOvr>
 </p:sldLayout>
 </file>
 
 <file path=ppt/slideLayouts/slideLayout13.xml><?xml version="1.0" encoding="utf-8"?>
-<p:sldLayout xmlns:a="http://schemas.openxmlformats.org/drawingml/2006/main" xmlns:p="http://schemas.openxmlformats.org/presentationml/2006/main" xmlns:r="http://schemas.openxmlformats.org/officeDocument/2006/relationships" xmlns:p14="http://schemas.microsoft.com/office/powerpoint/2010/main" xmlns:p15="http://schemas.microsoft.com/office/powerpoint/2012/main" xmlns:mc="http://schemas.openxmlformats.org/markup-compatibility/2006" type="blank" preserve="1">
+<p:sldLayout xmlns:a="http://schemas.openxmlformats.org/drawingml/2006/main" xmlns:r="http://schemas.openxmlformats.org/officeDocument/2006/relationships" xmlns:p="http://schemas.openxmlformats.org/presentationml/2006/main" type="blank" preserve="1">
   <p:cSld name="Blank Slide">
     <p:spTree>
       <p:nvGrpSpPr>
@@ -630,11 +752,14 @@
       </p:grpSpPr>
     </p:spTree>
   </p:cSld>
+  <p:clrMapOvr>
+    <a:masterClrMapping/>
+  </p:clrMapOvr>
 </p:sldLayout>
 </file>
 
 <file path=ppt/slideLayouts/slideLayout14.xml><?xml version="1.0" encoding="utf-8"?>
-<p:sldLayout xmlns:a="http://schemas.openxmlformats.org/drawingml/2006/main" xmlns:p="http://schemas.openxmlformats.org/presentationml/2006/main" xmlns:r="http://schemas.openxmlformats.org/officeDocument/2006/relationships" xmlns:p14="http://schemas.microsoft.com/office/powerpoint/2010/main" xmlns:p15="http://schemas.microsoft.com/office/powerpoint/2012/main" xmlns:mc="http://schemas.openxmlformats.org/markup-compatibility/2006" type="tx" preserve="1">
+<p:sldLayout xmlns:a="http://schemas.openxmlformats.org/drawingml/2006/main" xmlns:r="http://schemas.openxmlformats.org/officeDocument/2006/relationships" xmlns:p="http://schemas.openxmlformats.org/presentationml/2006/main" type="tx" preserve="1">
   <p:cSld name="Title Slide">
     <p:spTree>
       <p:nvGrpSpPr>
@@ -670,11 +795,12 @@
           </a:prstGeom>
         </p:spPr>
         <p:txBody>
-          <a:bodyPr lIns="0" rIns="0" tIns="0" bIns="0" anchor="ctr">
+          <a:bodyPr lIns="0" tIns="0" rIns="0" bIns="0" anchor="ctr">
             <a:noAutofit/>
           </a:bodyPr>
-          <a:p>
-            <a:endParaRPr b="0" lang="de-DE" sz="1800" spc="-1" strike="noStrike">
+          <a:lstStyle/>
+          <a:p>
+            <a:endParaRPr lang="de-DE" sz="1800" b="0" strike="noStrike" spc="-1">
               <a:solidFill>
                 <a:srgbClr val="000000"/>
               </a:solidFill>
@@ -703,12 +829,13 @@
           </a:prstGeom>
         </p:spPr>
         <p:txBody>
-          <a:bodyPr lIns="0" rIns="0" tIns="0" bIns="0" anchor="ctr">
+          <a:bodyPr lIns="0" tIns="0" rIns="0" bIns="0" anchor="ctr">
             <a:noAutofit/>
           </a:bodyPr>
+          <a:lstStyle/>
           <a:p>
             <a:pPr algn="ctr"/>
-            <a:endParaRPr b="0" lang="de-CH" sz="3200" spc="-1" strike="noStrike">
+            <a:endParaRPr lang="de-CH" sz="3200" b="0" strike="noStrike" spc="-1">
               <a:latin typeface="Arial"/>
             </a:endParaRPr>
           </a:p>
@@ -716,11 +843,14 @@
       </p:sp>
     </p:spTree>
   </p:cSld>
+  <p:clrMapOvr>
+    <a:masterClrMapping/>
+  </p:clrMapOvr>
 </p:sldLayout>
 </file>
 
 <file path=ppt/slideLayouts/slideLayout15.xml><?xml version="1.0" encoding="utf-8"?>
-<p:sldLayout xmlns:a="http://schemas.openxmlformats.org/drawingml/2006/main" xmlns:p="http://schemas.openxmlformats.org/presentationml/2006/main" xmlns:r="http://schemas.openxmlformats.org/officeDocument/2006/relationships" xmlns:p14="http://schemas.microsoft.com/office/powerpoint/2010/main" xmlns:p15="http://schemas.microsoft.com/office/powerpoint/2012/main" xmlns:mc="http://schemas.openxmlformats.org/markup-compatibility/2006" type="obj" preserve="1">
+<p:sldLayout xmlns:a="http://schemas.openxmlformats.org/drawingml/2006/main" xmlns:r="http://schemas.openxmlformats.org/officeDocument/2006/relationships" xmlns:p="http://schemas.openxmlformats.org/presentationml/2006/main" type="obj" preserve="1">
   <p:cSld name="Title, Content">
     <p:spTree>
       <p:nvGrpSpPr>
@@ -756,11 +886,12 @@
           </a:prstGeom>
         </p:spPr>
         <p:txBody>
-          <a:bodyPr lIns="0" rIns="0" tIns="0" bIns="0" anchor="ctr">
+          <a:bodyPr lIns="0" tIns="0" rIns="0" bIns="0" anchor="ctr">
             <a:noAutofit/>
           </a:bodyPr>
-          <a:p>
-            <a:endParaRPr b="0" lang="de-DE" sz="1800" spc="-1" strike="noStrike">
+          <a:lstStyle/>
+          <a:p>
+            <a:endParaRPr lang="de-DE" sz="1800" b="0" strike="noStrike" spc="-1">
               <a:solidFill>
                 <a:srgbClr val="000000"/>
               </a:solidFill>
@@ -789,11 +920,12 @@
           </a:prstGeom>
         </p:spPr>
         <p:txBody>
-          <a:bodyPr lIns="0" rIns="0" tIns="0" bIns="0">
+          <a:bodyPr lIns="0" tIns="0" rIns="0" bIns="0">
             <a:normAutofit/>
           </a:bodyPr>
-          <a:p>
-            <a:endParaRPr b="0" lang="de-DE" sz="2800" spc="-1" strike="noStrike">
+          <a:lstStyle/>
+          <a:p>
+            <a:endParaRPr lang="de-DE" sz="2800" b="0" strike="noStrike" spc="-1">
               <a:solidFill>
                 <a:srgbClr val="000000"/>
               </a:solidFill>
@@ -804,11 +936,14 @@
       </p:sp>
     </p:spTree>
   </p:cSld>
+  <p:clrMapOvr>
+    <a:masterClrMapping/>
+  </p:clrMapOvr>
 </p:sldLayout>
 </file>
 
 <file path=ppt/slideLayouts/slideLayout16.xml><?xml version="1.0" encoding="utf-8"?>
-<p:sldLayout xmlns:a="http://schemas.openxmlformats.org/drawingml/2006/main" xmlns:p="http://schemas.openxmlformats.org/presentationml/2006/main" xmlns:r="http://schemas.openxmlformats.org/officeDocument/2006/relationships" xmlns:p14="http://schemas.microsoft.com/office/powerpoint/2010/main" xmlns:p15="http://schemas.microsoft.com/office/powerpoint/2012/main" xmlns:mc="http://schemas.openxmlformats.org/markup-compatibility/2006" type="twoObj" preserve="1">
+<p:sldLayout xmlns:a="http://schemas.openxmlformats.org/drawingml/2006/main" xmlns:r="http://schemas.openxmlformats.org/officeDocument/2006/relationships" xmlns:p="http://schemas.openxmlformats.org/presentationml/2006/main" type="twoObj" preserve="1">
   <p:cSld name="Title, 2 Content">
     <p:spTree>
       <p:nvGrpSpPr>
@@ -844,11 +979,12 @@
           </a:prstGeom>
         </p:spPr>
         <p:txBody>
-          <a:bodyPr lIns="0" rIns="0" tIns="0" bIns="0" anchor="ctr">
+          <a:bodyPr lIns="0" tIns="0" rIns="0" bIns="0" anchor="ctr">
             <a:noAutofit/>
           </a:bodyPr>
-          <a:p>
-            <a:endParaRPr b="0" lang="de-DE" sz="1800" spc="-1" strike="noStrike">
+          <a:lstStyle/>
+          <a:p>
+            <a:endParaRPr lang="de-DE" sz="1800" b="0" strike="noStrike" spc="-1">
               <a:solidFill>
                 <a:srgbClr val="000000"/>
               </a:solidFill>
@@ -877,11 +1013,12 @@
           </a:prstGeom>
         </p:spPr>
         <p:txBody>
-          <a:bodyPr lIns="0" rIns="0" tIns="0" bIns="0">
+          <a:bodyPr lIns="0" tIns="0" rIns="0" bIns="0">
             <a:normAutofit/>
           </a:bodyPr>
-          <a:p>
-            <a:endParaRPr b="0" lang="de-DE" sz="2800" spc="-1" strike="noStrike">
+          <a:lstStyle/>
+          <a:p>
+            <a:endParaRPr lang="de-DE" sz="2800" b="0" strike="noStrike" spc="-1">
               <a:solidFill>
                 <a:srgbClr val="000000"/>
               </a:solidFill>
@@ -910,11 +1047,12 @@
           </a:prstGeom>
         </p:spPr>
         <p:txBody>
-          <a:bodyPr lIns="0" rIns="0" tIns="0" bIns="0">
+          <a:bodyPr lIns="0" tIns="0" rIns="0" bIns="0">
             <a:normAutofit/>
           </a:bodyPr>
-          <a:p>
-            <a:endParaRPr b="0" lang="de-DE" sz="2800" spc="-1" strike="noStrike">
+          <a:lstStyle/>
+          <a:p>
+            <a:endParaRPr lang="de-DE" sz="2800" b="0" strike="noStrike" spc="-1">
               <a:solidFill>
                 <a:srgbClr val="000000"/>
               </a:solidFill>
@@ -925,11 +1063,14 @@
       </p:sp>
     </p:spTree>
   </p:cSld>
+  <p:clrMapOvr>
+    <a:masterClrMapping/>
+  </p:clrMapOvr>
 </p:sldLayout>
 </file>
 
 <file path=ppt/slideLayouts/slideLayout17.xml><?xml version="1.0" encoding="utf-8"?>
-<p:sldLayout xmlns:a="http://schemas.openxmlformats.org/drawingml/2006/main" xmlns:p="http://schemas.openxmlformats.org/presentationml/2006/main" xmlns:r="http://schemas.openxmlformats.org/officeDocument/2006/relationships" xmlns:p14="http://schemas.microsoft.com/office/powerpoint/2010/main" xmlns:p15="http://schemas.microsoft.com/office/powerpoint/2012/main" xmlns:mc="http://schemas.openxmlformats.org/markup-compatibility/2006" type="titleOnly" preserve="1">
+<p:sldLayout xmlns:a="http://schemas.openxmlformats.org/drawingml/2006/main" xmlns:r="http://schemas.openxmlformats.org/officeDocument/2006/relationships" xmlns:p="http://schemas.openxmlformats.org/presentationml/2006/main" type="titleOnly" preserve="1">
   <p:cSld name="Title Only">
     <p:spTree>
       <p:nvGrpSpPr>
@@ -965,11 +1106,12 @@
           </a:prstGeom>
         </p:spPr>
         <p:txBody>
-          <a:bodyPr lIns="0" rIns="0" tIns="0" bIns="0" anchor="ctr">
+          <a:bodyPr lIns="0" tIns="0" rIns="0" bIns="0" anchor="ctr">
             <a:noAutofit/>
           </a:bodyPr>
-          <a:p>
-            <a:endParaRPr b="0" lang="de-DE" sz="1800" spc="-1" strike="noStrike">
+          <a:lstStyle/>
+          <a:p>
+            <a:endParaRPr lang="de-DE" sz="1800" b="0" strike="noStrike" spc="-1">
               <a:solidFill>
                 <a:srgbClr val="000000"/>
               </a:solidFill>
@@ -980,11 +1122,14 @@
       </p:sp>
     </p:spTree>
   </p:cSld>
+  <p:clrMapOvr>
+    <a:masterClrMapping/>
+  </p:clrMapOvr>
 </p:sldLayout>
 </file>
 
 <file path=ppt/slideLayouts/slideLayout18.xml><?xml version="1.0" encoding="utf-8"?>
-<p:sldLayout xmlns:a="http://schemas.openxmlformats.org/drawingml/2006/main" xmlns:p="http://schemas.openxmlformats.org/presentationml/2006/main" xmlns:r="http://schemas.openxmlformats.org/officeDocument/2006/relationships" xmlns:p14="http://schemas.microsoft.com/office/powerpoint/2010/main" xmlns:p15="http://schemas.microsoft.com/office/powerpoint/2012/main" xmlns:mc="http://schemas.openxmlformats.org/markup-compatibility/2006" type="objOnly" preserve="1">
+<p:sldLayout xmlns:a="http://schemas.openxmlformats.org/drawingml/2006/main" xmlns:r="http://schemas.openxmlformats.org/officeDocument/2006/relationships" xmlns:p="http://schemas.openxmlformats.org/presentationml/2006/main" type="objOnly" preserve="1">
   <p:cSld name="Centered Text">
     <p:spTree>
       <p:nvGrpSpPr>
@@ -1020,12 +1165,13 @@
           </a:prstGeom>
         </p:spPr>
         <p:txBody>
-          <a:bodyPr lIns="0" rIns="0" tIns="0" bIns="0" anchor="ctr">
+          <a:bodyPr lIns="0" tIns="0" rIns="0" bIns="0" anchor="ctr">
             <a:noAutofit/>
           </a:bodyPr>
+          <a:lstStyle/>
           <a:p>
             <a:pPr algn="ctr"/>
-            <a:endParaRPr b="0" lang="de-CH" sz="3200" spc="-1" strike="noStrike">
+            <a:endParaRPr lang="de-CH" sz="3200" b="0" strike="noStrike" spc="-1">
               <a:latin typeface="Arial"/>
             </a:endParaRPr>
           </a:p>
@@ -1033,11 +1179,14 @@
       </p:sp>
     </p:spTree>
   </p:cSld>
+  <p:clrMapOvr>
+    <a:masterClrMapping/>
+  </p:clrMapOvr>
 </p:sldLayout>
 </file>
 
 <file path=ppt/slideLayouts/slideLayout19.xml><?xml version="1.0" encoding="utf-8"?>
-<p:sldLayout xmlns:a="http://schemas.openxmlformats.org/drawingml/2006/main" xmlns:p="http://schemas.openxmlformats.org/presentationml/2006/main" xmlns:r="http://schemas.openxmlformats.org/officeDocument/2006/relationships" xmlns:p14="http://schemas.microsoft.com/office/powerpoint/2010/main" xmlns:p15="http://schemas.microsoft.com/office/powerpoint/2012/main" xmlns:mc="http://schemas.openxmlformats.org/markup-compatibility/2006" type="twoObjAndObj" preserve="1">
+<p:sldLayout xmlns:a="http://schemas.openxmlformats.org/drawingml/2006/main" xmlns:r="http://schemas.openxmlformats.org/officeDocument/2006/relationships" xmlns:p="http://schemas.openxmlformats.org/presentationml/2006/main" type="twoObjAndObj" preserve="1">
   <p:cSld name="Title, 2 Content and Content">
     <p:spTree>
       <p:nvGrpSpPr>
@@ -1073,11 +1222,12 @@
           </a:prstGeom>
         </p:spPr>
         <p:txBody>
-          <a:bodyPr lIns="0" rIns="0" tIns="0" bIns="0" anchor="ctr">
+          <a:bodyPr lIns="0" tIns="0" rIns="0" bIns="0" anchor="ctr">
             <a:noAutofit/>
           </a:bodyPr>
-          <a:p>
-            <a:endParaRPr b="0" lang="de-DE" sz="1800" spc="-1" strike="noStrike">
+          <a:lstStyle/>
+          <a:p>
+            <a:endParaRPr lang="de-DE" sz="1800" b="0" strike="noStrike" spc="-1">
               <a:solidFill>
                 <a:srgbClr val="000000"/>
               </a:solidFill>
@@ -1106,11 +1256,12 @@
           </a:prstGeom>
         </p:spPr>
         <p:txBody>
-          <a:bodyPr lIns="0" rIns="0" tIns="0" bIns="0">
+          <a:bodyPr lIns="0" tIns="0" rIns="0" bIns="0">
             <a:normAutofit/>
           </a:bodyPr>
-          <a:p>
-            <a:endParaRPr b="0" lang="de-DE" sz="2800" spc="-1" strike="noStrike">
+          <a:lstStyle/>
+          <a:p>
+            <a:endParaRPr lang="de-DE" sz="2800" b="0" strike="noStrike" spc="-1">
               <a:solidFill>
                 <a:srgbClr val="000000"/>
               </a:solidFill>
@@ -1139,11 +1290,12 @@
           </a:prstGeom>
         </p:spPr>
         <p:txBody>
-          <a:bodyPr lIns="0" rIns="0" tIns="0" bIns="0">
+          <a:bodyPr lIns="0" tIns="0" rIns="0" bIns="0">
             <a:normAutofit/>
           </a:bodyPr>
-          <a:p>
-            <a:endParaRPr b="0" lang="de-DE" sz="2800" spc="-1" strike="noStrike">
+          <a:lstStyle/>
+          <a:p>
+            <a:endParaRPr lang="de-DE" sz="2800" b="0" strike="noStrike" spc="-1">
               <a:solidFill>
                 <a:srgbClr val="000000"/>
               </a:solidFill>
@@ -1172,11 +1324,12 @@
           </a:prstGeom>
         </p:spPr>
         <p:txBody>
-          <a:bodyPr lIns="0" rIns="0" tIns="0" bIns="0">
+          <a:bodyPr lIns="0" tIns="0" rIns="0" bIns="0">
             <a:normAutofit/>
           </a:bodyPr>
-          <a:p>
-            <a:endParaRPr b="0" lang="de-DE" sz="2800" spc="-1" strike="noStrike">
+          <a:lstStyle/>
+          <a:p>
+            <a:endParaRPr lang="de-DE" sz="2800" b="0" strike="noStrike" spc="-1">
               <a:solidFill>
                 <a:srgbClr val="000000"/>
               </a:solidFill>
@@ -1187,11 +1340,14 @@
       </p:sp>
     </p:spTree>
   </p:cSld>
+  <p:clrMapOvr>
+    <a:masterClrMapping/>
+  </p:clrMapOvr>
 </p:sldLayout>
 </file>
 
 <file path=ppt/slideLayouts/slideLayout2.xml><?xml version="1.0" encoding="utf-8"?>
-<p:sldLayout xmlns:a="http://schemas.openxmlformats.org/drawingml/2006/main" xmlns:p="http://schemas.openxmlformats.org/presentationml/2006/main" xmlns:r="http://schemas.openxmlformats.org/officeDocument/2006/relationships" xmlns:p14="http://schemas.microsoft.com/office/powerpoint/2010/main" xmlns:p15="http://schemas.microsoft.com/office/powerpoint/2012/main" xmlns:mc="http://schemas.openxmlformats.org/markup-compatibility/2006" type="tx" preserve="1">
+<p:sldLayout xmlns:a="http://schemas.openxmlformats.org/drawingml/2006/main" xmlns:r="http://schemas.openxmlformats.org/officeDocument/2006/relationships" xmlns:p="http://schemas.openxmlformats.org/presentationml/2006/main" type="tx" preserve="1">
   <p:cSld name="Title Slide">
     <p:spTree>
       <p:nvGrpSpPr>
@@ -1227,11 +1383,12 @@
           </a:prstGeom>
         </p:spPr>
         <p:txBody>
-          <a:bodyPr lIns="0" rIns="0" tIns="0" bIns="0" anchor="ctr">
+          <a:bodyPr lIns="0" tIns="0" rIns="0" bIns="0" anchor="ctr">
             <a:noAutofit/>
           </a:bodyPr>
-          <a:p>
-            <a:endParaRPr b="0" lang="de-DE" sz="1800" spc="-1" strike="noStrike">
+          <a:lstStyle/>
+          <a:p>
+            <a:endParaRPr lang="de-DE" sz="1800" b="0" strike="noStrike" spc="-1">
               <a:solidFill>
                 <a:srgbClr val="000000"/>
               </a:solidFill>
@@ -1260,12 +1417,13 @@
           </a:prstGeom>
         </p:spPr>
         <p:txBody>
-          <a:bodyPr lIns="0" rIns="0" tIns="0" bIns="0" anchor="ctr">
+          <a:bodyPr lIns="0" tIns="0" rIns="0" bIns="0" anchor="ctr">
             <a:noAutofit/>
           </a:bodyPr>
+          <a:lstStyle/>
           <a:p>
             <a:pPr algn="ctr"/>
-            <a:endParaRPr b="0" lang="de-CH" sz="3200" spc="-1" strike="noStrike">
+            <a:endParaRPr lang="de-CH" sz="3200" b="0" strike="noStrike" spc="-1">
               <a:latin typeface="Arial"/>
             </a:endParaRPr>
           </a:p>
@@ -1273,11 +1431,14 @@
       </p:sp>
     </p:spTree>
   </p:cSld>
+  <p:clrMapOvr>
+    <a:masterClrMapping/>
+  </p:clrMapOvr>
 </p:sldLayout>
 </file>
 
 <file path=ppt/slideLayouts/slideLayout20.xml><?xml version="1.0" encoding="utf-8"?>
-<p:sldLayout xmlns:a="http://schemas.openxmlformats.org/drawingml/2006/main" xmlns:p="http://schemas.openxmlformats.org/presentationml/2006/main" xmlns:r="http://schemas.openxmlformats.org/officeDocument/2006/relationships" xmlns:p14="http://schemas.microsoft.com/office/powerpoint/2010/main" xmlns:p15="http://schemas.microsoft.com/office/powerpoint/2012/main" xmlns:mc="http://schemas.openxmlformats.org/markup-compatibility/2006" type="objAndTwoObj" preserve="1">
+<p:sldLayout xmlns:a="http://schemas.openxmlformats.org/drawingml/2006/main" xmlns:r="http://schemas.openxmlformats.org/officeDocument/2006/relationships" xmlns:p="http://schemas.openxmlformats.org/presentationml/2006/main" type="objAndTwoObj" preserve="1">
   <p:cSld name="Title Content and 2 Content">
     <p:spTree>
       <p:nvGrpSpPr>
@@ -1313,11 +1474,12 @@
           </a:prstGeom>
         </p:spPr>
         <p:txBody>
-          <a:bodyPr lIns="0" rIns="0" tIns="0" bIns="0" anchor="ctr">
+          <a:bodyPr lIns="0" tIns="0" rIns="0" bIns="0" anchor="ctr">
             <a:noAutofit/>
           </a:bodyPr>
-          <a:p>
-            <a:endParaRPr b="0" lang="de-DE" sz="1800" spc="-1" strike="noStrike">
+          <a:lstStyle/>
+          <a:p>
+            <a:endParaRPr lang="de-DE" sz="1800" b="0" strike="noStrike" spc="-1">
               <a:solidFill>
                 <a:srgbClr val="000000"/>
               </a:solidFill>
@@ -1346,11 +1508,12 @@
           </a:prstGeom>
         </p:spPr>
         <p:txBody>
-          <a:bodyPr lIns="0" rIns="0" tIns="0" bIns="0">
+          <a:bodyPr lIns="0" tIns="0" rIns="0" bIns="0">
             <a:normAutofit/>
           </a:bodyPr>
-          <a:p>
-            <a:endParaRPr b="0" lang="de-DE" sz="2800" spc="-1" strike="noStrike">
+          <a:lstStyle/>
+          <a:p>
+            <a:endParaRPr lang="de-DE" sz="2800" b="0" strike="noStrike" spc="-1">
               <a:solidFill>
                 <a:srgbClr val="000000"/>
               </a:solidFill>
@@ -1379,11 +1542,12 @@
           </a:prstGeom>
         </p:spPr>
         <p:txBody>
-          <a:bodyPr lIns="0" rIns="0" tIns="0" bIns="0">
+          <a:bodyPr lIns="0" tIns="0" rIns="0" bIns="0">
             <a:normAutofit/>
           </a:bodyPr>
-          <a:p>
-            <a:endParaRPr b="0" lang="de-DE" sz="2800" spc="-1" strike="noStrike">
+          <a:lstStyle/>
+          <a:p>
+            <a:endParaRPr lang="de-DE" sz="2800" b="0" strike="noStrike" spc="-1">
               <a:solidFill>
                 <a:srgbClr val="000000"/>
               </a:solidFill>
@@ -1412,11 +1576,12 @@
           </a:prstGeom>
         </p:spPr>
         <p:txBody>
-          <a:bodyPr lIns="0" rIns="0" tIns="0" bIns="0">
+          <a:bodyPr lIns="0" tIns="0" rIns="0" bIns="0">
             <a:normAutofit/>
           </a:bodyPr>
-          <a:p>
-            <a:endParaRPr b="0" lang="de-DE" sz="2800" spc="-1" strike="noStrike">
+          <a:lstStyle/>
+          <a:p>
+            <a:endParaRPr lang="de-DE" sz="2800" b="0" strike="noStrike" spc="-1">
               <a:solidFill>
                 <a:srgbClr val="000000"/>
               </a:solidFill>
@@ -1427,11 +1592,14 @@
       </p:sp>
     </p:spTree>
   </p:cSld>
+  <p:clrMapOvr>
+    <a:masterClrMapping/>
+  </p:clrMapOvr>
 </p:sldLayout>
 </file>
 
 <file path=ppt/slideLayouts/slideLayout21.xml><?xml version="1.0" encoding="utf-8"?>
-<p:sldLayout xmlns:a="http://schemas.openxmlformats.org/drawingml/2006/main" xmlns:p="http://schemas.openxmlformats.org/presentationml/2006/main" xmlns:r="http://schemas.openxmlformats.org/officeDocument/2006/relationships" xmlns:p14="http://schemas.microsoft.com/office/powerpoint/2010/main" xmlns:p15="http://schemas.microsoft.com/office/powerpoint/2012/main" xmlns:mc="http://schemas.openxmlformats.org/markup-compatibility/2006" type="twoObjOverTx" preserve="1">
+<p:sldLayout xmlns:a="http://schemas.openxmlformats.org/drawingml/2006/main" xmlns:r="http://schemas.openxmlformats.org/officeDocument/2006/relationships" xmlns:p="http://schemas.openxmlformats.org/presentationml/2006/main" type="twoObjOverTx" preserve="1">
   <p:cSld name="Title, 2 Content over Content">
     <p:spTree>
       <p:nvGrpSpPr>
@@ -1467,11 +1635,12 @@
           </a:prstGeom>
         </p:spPr>
         <p:txBody>
-          <a:bodyPr lIns="0" rIns="0" tIns="0" bIns="0" anchor="ctr">
+          <a:bodyPr lIns="0" tIns="0" rIns="0" bIns="0" anchor="ctr">
             <a:noAutofit/>
           </a:bodyPr>
-          <a:p>
-            <a:endParaRPr b="0" lang="de-DE" sz="1800" spc="-1" strike="noStrike">
+          <a:lstStyle/>
+          <a:p>
+            <a:endParaRPr lang="de-DE" sz="1800" b="0" strike="noStrike" spc="-1">
               <a:solidFill>
                 <a:srgbClr val="000000"/>
               </a:solidFill>
@@ -1500,11 +1669,12 @@
           </a:prstGeom>
         </p:spPr>
         <p:txBody>
-          <a:bodyPr lIns="0" rIns="0" tIns="0" bIns="0">
+          <a:bodyPr lIns="0" tIns="0" rIns="0" bIns="0">
             <a:normAutofit/>
           </a:bodyPr>
-          <a:p>
-            <a:endParaRPr b="0" lang="de-DE" sz="2800" spc="-1" strike="noStrike">
+          <a:lstStyle/>
+          <a:p>
+            <a:endParaRPr lang="de-DE" sz="2800" b="0" strike="noStrike" spc="-1">
               <a:solidFill>
                 <a:srgbClr val="000000"/>
               </a:solidFill>
@@ -1533,11 +1703,12 @@
           </a:prstGeom>
         </p:spPr>
         <p:txBody>
-          <a:bodyPr lIns="0" rIns="0" tIns="0" bIns="0">
+          <a:bodyPr lIns="0" tIns="0" rIns="0" bIns="0">
             <a:normAutofit/>
           </a:bodyPr>
-          <a:p>
-            <a:endParaRPr b="0" lang="de-DE" sz="2800" spc="-1" strike="noStrike">
+          <a:lstStyle/>
+          <a:p>
+            <a:endParaRPr lang="de-DE" sz="2800" b="0" strike="noStrike" spc="-1">
               <a:solidFill>
                 <a:srgbClr val="000000"/>
               </a:solidFill>
@@ -1566,11 +1737,12 @@
           </a:prstGeom>
         </p:spPr>
         <p:txBody>
-          <a:bodyPr lIns="0" rIns="0" tIns="0" bIns="0">
+          <a:bodyPr lIns="0" tIns="0" rIns="0" bIns="0">
             <a:normAutofit/>
           </a:bodyPr>
-          <a:p>
-            <a:endParaRPr b="0" lang="de-DE" sz="2800" spc="-1" strike="noStrike">
+          <a:lstStyle/>
+          <a:p>
+            <a:endParaRPr lang="de-DE" sz="2800" b="0" strike="noStrike" spc="-1">
               <a:solidFill>
                 <a:srgbClr val="000000"/>
               </a:solidFill>
@@ -1581,11 +1753,14 @@
       </p:sp>
     </p:spTree>
   </p:cSld>
+  <p:clrMapOvr>
+    <a:masterClrMapping/>
+  </p:clrMapOvr>
 </p:sldLayout>
 </file>
 
 <file path=ppt/slideLayouts/slideLayout22.xml><?xml version="1.0" encoding="utf-8"?>
-<p:sldLayout xmlns:a="http://schemas.openxmlformats.org/drawingml/2006/main" xmlns:p="http://schemas.openxmlformats.org/presentationml/2006/main" xmlns:r="http://schemas.openxmlformats.org/officeDocument/2006/relationships" xmlns:p14="http://schemas.microsoft.com/office/powerpoint/2010/main" xmlns:p15="http://schemas.microsoft.com/office/powerpoint/2012/main" xmlns:mc="http://schemas.openxmlformats.org/markup-compatibility/2006" type="objOverTx" preserve="1">
+<p:sldLayout xmlns:a="http://schemas.openxmlformats.org/drawingml/2006/main" xmlns:r="http://schemas.openxmlformats.org/officeDocument/2006/relationships" xmlns:p="http://schemas.openxmlformats.org/presentationml/2006/main" type="objOverTx" preserve="1">
   <p:cSld name="Title, Content over Content">
     <p:spTree>
       <p:nvGrpSpPr>
@@ -1621,11 +1796,12 @@
           </a:prstGeom>
         </p:spPr>
         <p:txBody>
-          <a:bodyPr lIns="0" rIns="0" tIns="0" bIns="0" anchor="ctr">
+          <a:bodyPr lIns="0" tIns="0" rIns="0" bIns="0" anchor="ctr">
             <a:noAutofit/>
           </a:bodyPr>
-          <a:p>
-            <a:endParaRPr b="0" lang="de-DE" sz="1800" spc="-1" strike="noStrike">
+          <a:lstStyle/>
+          <a:p>
+            <a:endParaRPr lang="de-DE" sz="1800" b="0" strike="noStrike" spc="-1">
               <a:solidFill>
                 <a:srgbClr val="000000"/>
               </a:solidFill>
@@ -1654,11 +1830,12 @@
           </a:prstGeom>
         </p:spPr>
         <p:txBody>
-          <a:bodyPr lIns="0" rIns="0" tIns="0" bIns="0">
+          <a:bodyPr lIns="0" tIns="0" rIns="0" bIns="0">
             <a:normAutofit/>
           </a:bodyPr>
-          <a:p>
-            <a:endParaRPr b="0" lang="de-DE" sz="2800" spc="-1" strike="noStrike">
+          <a:lstStyle/>
+          <a:p>
+            <a:endParaRPr lang="de-DE" sz="2800" b="0" strike="noStrike" spc="-1">
               <a:solidFill>
                 <a:srgbClr val="000000"/>
               </a:solidFill>
@@ -1687,11 +1864,12 @@
           </a:prstGeom>
         </p:spPr>
         <p:txBody>
-          <a:bodyPr lIns="0" rIns="0" tIns="0" bIns="0">
+          <a:bodyPr lIns="0" tIns="0" rIns="0" bIns="0">
             <a:normAutofit/>
           </a:bodyPr>
-          <a:p>
-            <a:endParaRPr b="0" lang="de-DE" sz="2800" spc="-1" strike="noStrike">
+          <a:lstStyle/>
+          <a:p>
+            <a:endParaRPr lang="de-DE" sz="2800" b="0" strike="noStrike" spc="-1">
               <a:solidFill>
                 <a:srgbClr val="000000"/>
               </a:solidFill>
@@ -1702,11 +1880,14 @@
       </p:sp>
     </p:spTree>
   </p:cSld>
+  <p:clrMapOvr>
+    <a:masterClrMapping/>
+  </p:clrMapOvr>
 </p:sldLayout>
 </file>
 
 <file path=ppt/slideLayouts/slideLayout23.xml><?xml version="1.0" encoding="utf-8"?>
-<p:sldLayout xmlns:a="http://schemas.openxmlformats.org/drawingml/2006/main" xmlns:p="http://schemas.openxmlformats.org/presentationml/2006/main" xmlns:r="http://schemas.openxmlformats.org/officeDocument/2006/relationships" xmlns:p14="http://schemas.microsoft.com/office/powerpoint/2010/main" xmlns:p15="http://schemas.microsoft.com/office/powerpoint/2012/main" xmlns:mc="http://schemas.openxmlformats.org/markup-compatibility/2006" type="fourObj" preserve="1">
+<p:sldLayout xmlns:a="http://schemas.openxmlformats.org/drawingml/2006/main" xmlns:r="http://schemas.openxmlformats.org/officeDocument/2006/relationships" xmlns:p="http://schemas.openxmlformats.org/presentationml/2006/main" type="fourObj" preserve="1">
   <p:cSld name="Title, 4 Content">
     <p:spTree>
       <p:nvGrpSpPr>
@@ -1742,11 +1923,12 @@
           </a:prstGeom>
         </p:spPr>
         <p:txBody>
-          <a:bodyPr lIns="0" rIns="0" tIns="0" bIns="0" anchor="ctr">
+          <a:bodyPr lIns="0" tIns="0" rIns="0" bIns="0" anchor="ctr">
             <a:noAutofit/>
           </a:bodyPr>
-          <a:p>
-            <a:endParaRPr b="0" lang="de-DE" sz="1800" spc="-1" strike="noStrike">
+          <a:lstStyle/>
+          <a:p>
+            <a:endParaRPr lang="de-DE" sz="1800" b="0" strike="noStrike" spc="-1">
               <a:solidFill>
                 <a:srgbClr val="000000"/>
               </a:solidFill>
@@ -1775,11 +1957,12 @@
           </a:prstGeom>
         </p:spPr>
         <p:txBody>
-          <a:bodyPr lIns="0" rIns="0" tIns="0" bIns="0">
+          <a:bodyPr lIns="0" tIns="0" rIns="0" bIns="0">
             <a:normAutofit/>
           </a:bodyPr>
-          <a:p>
-            <a:endParaRPr b="0" lang="de-DE" sz="2800" spc="-1" strike="noStrike">
+          <a:lstStyle/>
+          <a:p>
+            <a:endParaRPr lang="de-DE" sz="2800" b="0" strike="noStrike" spc="-1">
               <a:solidFill>
                 <a:srgbClr val="000000"/>
               </a:solidFill>
@@ -1808,11 +1991,12 @@
           </a:prstGeom>
         </p:spPr>
         <p:txBody>
-          <a:bodyPr lIns="0" rIns="0" tIns="0" bIns="0">
+          <a:bodyPr lIns="0" tIns="0" rIns="0" bIns="0">
             <a:normAutofit/>
           </a:bodyPr>
-          <a:p>
-            <a:endParaRPr b="0" lang="de-DE" sz="2800" spc="-1" strike="noStrike">
+          <a:lstStyle/>
+          <a:p>
+            <a:endParaRPr lang="de-DE" sz="2800" b="0" strike="noStrike" spc="-1">
               <a:solidFill>
                 <a:srgbClr val="000000"/>
               </a:solidFill>
@@ -1841,11 +2025,12 @@
           </a:prstGeom>
         </p:spPr>
         <p:txBody>
-          <a:bodyPr lIns="0" rIns="0" tIns="0" bIns="0">
+          <a:bodyPr lIns="0" tIns="0" rIns="0" bIns="0">
             <a:normAutofit/>
           </a:bodyPr>
-          <a:p>
-            <a:endParaRPr b="0" lang="de-DE" sz="2800" spc="-1" strike="noStrike">
+          <a:lstStyle/>
+          <a:p>
+            <a:endParaRPr lang="de-DE" sz="2800" b="0" strike="noStrike" spc="-1">
               <a:solidFill>
                 <a:srgbClr val="000000"/>
               </a:solidFill>
@@ -1874,11 +2059,12 @@
           </a:prstGeom>
         </p:spPr>
         <p:txBody>
-          <a:bodyPr lIns="0" rIns="0" tIns="0" bIns="0">
+          <a:bodyPr lIns="0" tIns="0" rIns="0" bIns="0">
             <a:normAutofit/>
           </a:bodyPr>
-          <a:p>
-            <a:endParaRPr b="0" lang="de-DE" sz="2800" spc="-1" strike="noStrike">
+          <a:lstStyle/>
+          <a:p>
+            <a:endParaRPr lang="de-DE" sz="2800" b="0" strike="noStrike" spc="-1">
               <a:solidFill>
                 <a:srgbClr val="000000"/>
               </a:solidFill>
@@ -1889,11 +2075,14 @@
       </p:sp>
     </p:spTree>
   </p:cSld>
+  <p:clrMapOvr>
+    <a:masterClrMapping/>
+  </p:clrMapOvr>
 </p:sldLayout>
 </file>
 
 <file path=ppt/slideLayouts/slideLayout24.xml><?xml version="1.0" encoding="utf-8"?>
-<p:sldLayout xmlns:a="http://schemas.openxmlformats.org/drawingml/2006/main" xmlns:p="http://schemas.openxmlformats.org/presentationml/2006/main" xmlns:r="http://schemas.openxmlformats.org/officeDocument/2006/relationships" xmlns:p14="http://schemas.microsoft.com/office/powerpoint/2010/main" xmlns:p15="http://schemas.microsoft.com/office/powerpoint/2012/main" xmlns:mc="http://schemas.openxmlformats.org/markup-compatibility/2006" type="blank" preserve="1">
+<p:sldLayout xmlns:a="http://schemas.openxmlformats.org/drawingml/2006/main" xmlns:r="http://schemas.openxmlformats.org/officeDocument/2006/relationships" xmlns:p="http://schemas.openxmlformats.org/presentationml/2006/main" type="blank" preserve="1">
   <p:cSld name="Title, 6 Content">
     <p:spTree>
       <p:nvGrpSpPr>
@@ -1929,11 +2118,12 @@
           </a:prstGeom>
         </p:spPr>
         <p:txBody>
-          <a:bodyPr lIns="0" rIns="0" tIns="0" bIns="0" anchor="ctr">
+          <a:bodyPr lIns="0" tIns="0" rIns="0" bIns="0" anchor="ctr">
             <a:noAutofit/>
           </a:bodyPr>
-          <a:p>
-            <a:endParaRPr b="0" lang="de-DE" sz="1800" spc="-1" strike="noStrike">
+          <a:lstStyle/>
+          <a:p>
+            <a:endParaRPr lang="de-DE" sz="1800" b="0" strike="noStrike" spc="-1">
               <a:solidFill>
                 <a:srgbClr val="000000"/>
               </a:solidFill>
@@ -1962,11 +2152,12 @@
           </a:prstGeom>
         </p:spPr>
         <p:txBody>
-          <a:bodyPr lIns="0" rIns="0" tIns="0" bIns="0">
+          <a:bodyPr lIns="0" tIns="0" rIns="0" bIns="0">
             <a:normAutofit/>
           </a:bodyPr>
-          <a:p>
-            <a:endParaRPr b="0" lang="de-DE" sz="2800" spc="-1" strike="noStrike">
+          <a:lstStyle/>
+          <a:p>
+            <a:endParaRPr lang="de-DE" sz="2800" b="0" strike="noStrike" spc="-1">
               <a:solidFill>
                 <a:srgbClr val="000000"/>
               </a:solidFill>
@@ -1995,11 +2186,12 @@
           </a:prstGeom>
         </p:spPr>
         <p:txBody>
-          <a:bodyPr lIns="0" rIns="0" tIns="0" bIns="0">
+          <a:bodyPr lIns="0" tIns="0" rIns="0" bIns="0">
             <a:normAutofit/>
           </a:bodyPr>
-          <a:p>
-            <a:endParaRPr b="0" lang="de-DE" sz="2800" spc="-1" strike="noStrike">
+          <a:lstStyle/>
+          <a:p>
+            <a:endParaRPr lang="de-DE" sz="2800" b="0" strike="noStrike" spc="-1">
               <a:solidFill>
                 <a:srgbClr val="000000"/>
               </a:solidFill>
@@ -2028,11 +2220,12 @@
           </a:prstGeom>
         </p:spPr>
         <p:txBody>
-          <a:bodyPr lIns="0" rIns="0" tIns="0" bIns="0">
+          <a:bodyPr lIns="0" tIns="0" rIns="0" bIns="0">
             <a:normAutofit/>
           </a:bodyPr>
-          <a:p>
-            <a:endParaRPr b="0" lang="de-DE" sz="2800" spc="-1" strike="noStrike">
+          <a:lstStyle/>
+          <a:p>
+            <a:endParaRPr lang="de-DE" sz="2800" b="0" strike="noStrike" spc="-1">
               <a:solidFill>
                 <a:srgbClr val="000000"/>
               </a:solidFill>
@@ -2061,11 +2254,12 @@
           </a:prstGeom>
         </p:spPr>
         <p:txBody>
-          <a:bodyPr lIns="0" rIns="0" tIns="0" bIns="0">
+          <a:bodyPr lIns="0" tIns="0" rIns="0" bIns="0">
             <a:normAutofit/>
           </a:bodyPr>
-          <a:p>
-            <a:endParaRPr b="0" lang="de-DE" sz="2800" spc="-1" strike="noStrike">
+          <a:lstStyle/>
+          <a:p>
+            <a:endParaRPr lang="de-DE" sz="2800" b="0" strike="noStrike" spc="-1">
               <a:solidFill>
                 <a:srgbClr val="000000"/>
               </a:solidFill>
@@ -2094,11 +2288,12 @@
           </a:prstGeom>
         </p:spPr>
         <p:txBody>
-          <a:bodyPr lIns="0" rIns="0" tIns="0" bIns="0">
+          <a:bodyPr lIns="0" tIns="0" rIns="0" bIns="0">
             <a:normAutofit/>
           </a:bodyPr>
-          <a:p>
-            <a:endParaRPr b="0" lang="de-DE" sz="2800" spc="-1" strike="noStrike">
+          <a:lstStyle/>
+          <a:p>
+            <a:endParaRPr lang="de-DE" sz="2800" b="0" strike="noStrike" spc="-1">
               <a:solidFill>
                 <a:srgbClr val="000000"/>
               </a:solidFill>
@@ -2127,11 +2322,12 @@
           </a:prstGeom>
         </p:spPr>
         <p:txBody>
-          <a:bodyPr lIns="0" rIns="0" tIns="0" bIns="0">
+          <a:bodyPr lIns="0" tIns="0" rIns="0" bIns="0">
             <a:normAutofit/>
           </a:bodyPr>
-          <a:p>
-            <a:endParaRPr b="0" lang="de-DE" sz="2800" spc="-1" strike="noStrike">
+          <a:lstStyle/>
+          <a:p>
+            <a:endParaRPr lang="de-DE" sz="2800" b="0" strike="noStrike" spc="-1">
               <a:solidFill>
                 <a:srgbClr val="000000"/>
               </a:solidFill>
@@ -2142,11 +2338,14 @@
       </p:sp>
     </p:spTree>
   </p:cSld>
+  <p:clrMapOvr>
+    <a:masterClrMapping/>
+  </p:clrMapOvr>
 </p:sldLayout>
 </file>
 
 <file path=ppt/slideLayouts/slideLayout25.xml><?xml version="1.0" encoding="utf-8"?>
-<p:sldLayout xmlns:a="http://schemas.openxmlformats.org/drawingml/2006/main" xmlns:p="http://schemas.openxmlformats.org/presentationml/2006/main" xmlns:r="http://schemas.openxmlformats.org/officeDocument/2006/relationships" xmlns:p14="http://schemas.microsoft.com/office/powerpoint/2010/main" xmlns:p15="http://schemas.microsoft.com/office/powerpoint/2012/main" xmlns:mc="http://schemas.openxmlformats.org/markup-compatibility/2006" type="blank" preserve="1">
+<p:sldLayout xmlns:a="http://schemas.openxmlformats.org/drawingml/2006/main" xmlns:r="http://schemas.openxmlformats.org/officeDocument/2006/relationships" xmlns:p="http://schemas.openxmlformats.org/presentationml/2006/main" type="blank" preserve="1">
   <p:cSld name="Blank Slide">
     <p:spTree>
       <p:nvGrpSpPr>
@@ -2164,11 +2363,14 @@
       </p:grpSpPr>
     </p:spTree>
   </p:cSld>
+  <p:clrMapOvr>
+    <a:masterClrMapping/>
+  </p:clrMapOvr>
 </p:sldLayout>
 </file>
 
 <file path=ppt/slideLayouts/slideLayout26.xml><?xml version="1.0" encoding="utf-8"?>
-<p:sldLayout xmlns:a="http://schemas.openxmlformats.org/drawingml/2006/main" xmlns:p="http://schemas.openxmlformats.org/presentationml/2006/main" xmlns:r="http://schemas.openxmlformats.org/officeDocument/2006/relationships" xmlns:p14="http://schemas.microsoft.com/office/powerpoint/2010/main" xmlns:p15="http://schemas.microsoft.com/office/powerpoint/2012/main" xmlns:mc="http://schemas.openxmlformats.org/markup-compatibility/2006" type="tx" preserve="1">
+<p:sldLayout xmlns:a="http://schemas.openxmlformats.org/drawingml/2006/main" xmlns:r="http://schemas.openxmlformats.org/officeDocument/2006/relationships" xmlns:p="http://schemas.openxmlformats.org/presentationml/2006/main" type="tx" preserve="1">
   <p:cSld name="Title Slide">
     <p:spTree>
       <p:nvGrpSpPr>
@@ -2204,11 +2406,12 @@
           </a:prstGeom>
         </p:spPr>
         <p:txBody>
-          <a:bodyPr lIns="0" rIns="0" tIns="0" bIns="0" anchor="ctr">
+          <a:bodyPr lIns="0" tIns="0" rIns="0" bIns="0" anchor="ctr">
             <a:noAutofit/>
           </a:bodyPr>
-          <a:p>
-            <a:endParaRPr b="0" lang="de-DE" sz="1800" spc="-1" strike="noStrike">
+          <a:lstStyle/>
+          <a:p>
+            <a:endParaRPr lang="de-DE" sz="1800" b="0" strike="noStrike" spc="-1">
               <a:solidFill>
                 <a:srgbClr val="000000"/>
               </a:solidFill>
@@ -2237,12 +2440,13 @@
           </a:prstGeom>
         </p:spPr>
         <p:txBody>
-          <a:bodyPr lIns="0" rIns="0" tIns="0" bIns="0" anchor="ctr">
+          <a:bodyPr lIns="0" tIns="0" rIns="0" bIns="0" anchor="ctr">
             <a:noAutofit/>
           </a:bodyPr>
+          <a:lstStyle/>
           <a:p>
             <a:pPr algn="ctr"/>
-            <a:endParaRPr b="0" lang="de-CH" sz="3200" spc="-1" strike="noStrike">
+            <a:endParaRPr lang="de-CH" sz="3200" b="0" strike="noStrike" spc="-1">
               <a:latin typeface="Arial"/>
             </a:endParaRPr>
           </a:p>
@@ -2250,11 +2454,14 @@
       </p:sp>
     </p:spTree>
   </p:cSld>
+  <p:clrMapOvr>
+    <a:masterClrMapping/>
+  </p:clrMapOvr>
 </p:sldLayout>
 </file>
 
 <file path=ppt/slideLayouts/slideLayout27.xml><?xml version="1.0" encoding="utf-8"?>
-<p:sldLayout xmlns:a="http://schemas.openxmlformats.org/drawingml/2006/main" xmlns:p="http://schemas.openxmlformats.org/presentationml/2006/main" xmlns:r="http://schemas.openxmlformats.org/officeDocument/2006/relationships" xmlns:p14="http://schemas.microsoft.com/office/powerpoint/2010/main" xmlns:p15="http://schemas.microsoft.com/office/powerpoint/2012/main" xmlns:mc="http://schemas.openxmlformats.org/markup-compatibility/2006" type="obj" preserve="1">
+<p:sldLayout xmlns:a="http://schemas.openxmlformats.org/drawingml/2006/main" xmlns:r="http://schemas.openxmlformats.org/officeDocument/2006/relationships" xmlns:p="http://schemas.openxmlformats.org/presentationml/2006/main" type="obj" preserve="1">
   <p:cSld name="Title, Content">
     <p:spTree>
       <p:nvGrpSpPr>
@@ -2290,11 +2497,12 @@
           </a:prstGeom>
         </p:spPr>
         <p:txBody>
-          <a:bodyPr lIns="0" rIns="0" tIns="0" bIns="0" anchor="ctr">
+          <a:bodyPr lIns="0" tIns="0" rIns="0" bIns="0" anchor="ctr">
             <a:noAutofit/>
           </a:bodyPr>
-          <a:p>
-            <a:endParaRPr b="0" lang="de-DE" sz="1800" spc="-1" strike="noStrike">
+          <a:lstStyle/>
+          <a:p>
+            <a:endParaRPr lang="de-DE" sz="1800" b="0" strike="noStrike" spc="-1">
               <a:solidFill>
                 <a:srgbClr val="000000"/>
               </a:solidFill>
@@ -2323,11 +2531,12 @@
           </a:prstGeom>
         </p:spPr>
         <p:txBody>
-          <a:bodyPr lIns="0" rIns="0" tIns="0" bIns="0">
+          <a:bodyPr lIns="0" tIns="0" rIns="0" bIns="0">
             <a:normAutofit/>
           </a:bodyPr>
-          <a:p>
-            <a:endParaRPr b="0" lang="de-DE" sz="2800" spc="-1" strike="noStrike">
+          <a:lstStyle/>
+          <a:p>
+            <a:endParaRPr lang="de-DE" sz="2800" b="0" strike="noStrike" spc="-1">
               <a:solidFill>
                 <a:srgbClr val="000000"/>
               </a:solidFill>
@@ -2338,11 +2547,14 @@
       </p:sp>
     </p:spTree>
   </p:cSld>
+  <p:clrMapOvr>
+    <a:masterClrMapping/>
+  </p:clrMapOvr>
 </p:sldLayout>
 </file>
 
 <file path=ppt/slideLayouts/slideLayout28.xml><?xml version="1.0" encoding="utf-8"?>
-<p:sldLayout xmlns:a="http://schemas.openxmlformats.org/drawingml/2006/main" xmlns:p="http://schemas.openxmlformats.org/presentationml/2006/main" xmlns:r="http://schemas.openxmlformats.org/officeDocument/2006/relationships" xmlns:p14="http://schemas.microsoft.com/office/powerpoint/2010/main" xmlns:p15="http://schemas.microsoft.com/office/powerpoint/2012/main" xmlns:mc="http://schemas.openxmlformats.org/markup-compatibility/2006" type="twoObj" preserve="1">
+<p:sldLayout xmlns:a="http://schemas.openxmlformats.org/drawingml/2006/main" xmlns:r="http://schemas.openxmlformats.org/officeDocument/2006/relationships" xmlns:p="http://schemas.openxmlformats.org/presentationml/2006/main" type="twoObj" preserve="1">
   <p:cSld name="Title, 2 Content">
     <p:spTree>
       <p:nvGrpSpPr>
@@ -2378,11 +2590,12 @@
           </a:prstGeom>
         </p:spPr>
         <p:txBody>
-          <a:bodyPr lIns="0" rIns="0" tIns="0" bIns="0" anchor="ctr">
+          <a:bodyPr lIns="0" tIns="0" rIns="0" bIns="0" anchor="ctr">
             <a:noAutofit/>
           </a:bodyPr>
-          <a:p>
-            <a:endParaRPr b="0" lang="de-DE" sz="1800" spc="-1" strike="noStrike">
+          <a:lstStyle/>
+          <a:p>
+            <a:endParaRPr lang="de-DE" sz="1800" b="0" strike="noStrike" spc="-1">
               <a:solidFill>
                 <a:srgbClr val="000000"/>
               </a:solidFill>
@@ -2411,11 +2624,12 @@
           </a:prstGeom>
         </p:spPr>
         <p:txBody>
-          <a:bodyPr lIns="0" rIns="0" tIns="0" bIns="0">
+          <a:bodyPr lIns="0" tIns="0" rIns="0" bIns="0">
             <a:normAutofit/>
           </a:bodyPr>
-          <a:p>
-            <a:endParaRPr b="0" lang="de-DE" sz="2800" spc="-1" strike="noStrike">
+          <a:lstStyle/>
+          <a:p>
+            <a:endParaRPr lang="de-DE" sz="2800" b="0" strike="noStrike" spc="-1">
               <a:solidFill>
                 <a:srgbClr val="000000"/>
               </a:solidFill>
@@ -2444,11 +2658,12 @@
           </a:prstGeom>
         </p:spPr>
         <p:txBody>
-          <a:bodyPr lIns="0" rIns="0" tIns="0" bIns="0">
+          <a:bodyPr lIns="0" tIns="0" rIns="0" bIns="0">
             <a:normAutofit/>
           </a:bodyPr>
-          <a:p>
-            <a:endParaRPr b="0" lang="de-DE" sz="2800" spc="-1" strike="noStrike">
+          <a:lstStyle/>
+          <a:p>
+            <a:endParaRPr lang="de-DE" sz="2800" b="0" strike="noStrike" spc="-1">
               <a:solidFill>
                 <a:srgbClr val="000000"/>
               </a:solidFill>
@@ -2459,11 +2674,14 @@
       </p:sp>
     </p:spTree>
   </p:cSld>
+  <p:clrMapOvr>
+    <a:masterClrMapping/>
+  </p:clrMapOvr>
 </p:sldLayout>
 </file>
 
 <file path=ppt/slideLayouts/slideLayout29.xml><?xml version="1.0" encoding="utf-8"?>
-<p:sldLayout xmlns:a="http://schemas.openxmlformats.org/drawingml/2006/main" xmlns:p="http://schemas.openxmlformats.org/presentationml/2006/main" xmlns:r="http://schemas.openxmlformats.org/officeDocument/2006/relationships" xmlns:p14="http://schemas.microsoft.com/office/powerpoint/2010/main" xmlns:p15="http://schemas.microsoft.com/office/powerpoint/2012/main" xmlns:mc="http://schemas.openxmlformats.org/markup-compatibility/2006" type="titleOnly" preserve="1">
+<p:sldLayout xmlns:a="http://schemas.openxmlformats.org/drawingml/2006/main" xmlns:r="http://schemas.openxmlformats.org/officeDocument/2006/relationships" xmlns:p="http://schemas.openxmlformats.org/presentationml/2006/main" type="titleOnly" preserve="1">
   <p:cSld name="Title Only">
     <p:spTree>
       <p:nvGrpSpPr>
@@ -2499,11 +2717,12 @@
           </a:prstGeom>
         </p:spPr>
         <p:txBody>
-          <a:bodyPr lIns="0" rIns="0" tIns="0" bIns="0" anchor="ctr">
+          <a:bodyPr lIns="0" tIns="0" rIns="0" bIns="0" anchor="ctr">
             <a:noAutofit/>
           </a:bodyPr>
-          <a:p>
-            <a:endParaRPr b="0" lang="de-DE" sz="1800" spc="-1" strike="noStrike">
+          <a:lstStyle/>
+          <a:p>
+            <a:endParaRPr lang="de-DE" sz="1800" b="0" strike="noStrike" spc="-1">
               <a:solidFill>
                 <a:srgbClr val="000000"/>
               </a:solidFill>
@@ -2514,11 +2733,14 @@
       </p:sp>
     </p:spTree>
   </p:cSld>
+  <p:clrMapOvr>
+    <a:masterClrMapping/>
+  </p:clrMapOvr>
 </p:sldLayout>
 </file>
 
 <file path=ppt/slideLayouts/slideLayout3.xml><?xml version="1.0" encoding="utf-8"?>
-<p:sldLayout xmlns:a="http://schemas.openxmlformats.org/drawingml/2006/main" xmlns:p="http://schemas.openxmlformats.org/presentationml/2006/main" xmlns:r="http://schemas.openxmlformats.org/officeDocument/2006/relationships" xmlns:p14="http://schemas.microsoft.com/office/powerpoint/2010/main" xmlns:p15="http://schemas.microsoft.com/office/powerpoint/2012/main" xmlns:mc="http://schemas.openxmlformats.org/markup-compatibility/2006" type="obj" preserve="1">
+<p:sldLayout xmlns:a="http://schemas.openxmlformats.org/drawingml/2006/main" xmlns:r="http://schemas.openxmlformats.org/officeDocument/2006/relationships" xmlns:p="http://schemas.openxmlformats.org/presentationml/2006/main" type="obj" preserve="1">
   <p:cSld name="Title, Content">
     <p:spTree>
       <p:nvGrpSpPr>
@@ -2554,11 +2776,12 @@
           </a:prstGeom>
         </p:spPr>
         <p:txBody>
-          <a:bodyPr lIns="0" rIns="0" tIns="0" bIns="0" anchor="ctr">
+          <a:bodyPr lIns="0" tIns="0" rIns="0" bIns="0" anchor="ctr">
             <a:noAutofit/>
           </a:bodyPr>
-          <a:p>
-            <a:endParaRPr b="0" lang="de-DE" sz="1800" spc="-1" strike="noStrike">
+          <a:lstStyle/>
+          <a:p>
+            <a:endParaRPr lang="de-DE" sz="1800" b="0" strike="noStrike" spc="-1">
               <a:solidFill>
                 <a:srgbClr val="000000"/>
               </a:solidFill>
@@ -2587,11 +2810,12 @@
           </a:prstGeom>
         </p:spPr>
         <p:txBody>
-          <a:bodyPr lIns="0" rIns="0" tIns="0" bIns="0">
+          <a:bodyPr lIns="0" tIns="0" rIns="0" bIns="0">
             <a:normAutofit/>
           </a:bodyPr>
-          <a:p>
-            <a:endParaRPr b="0" lang="de-DE" sz="2800" spc="-1" strike="noStrike">
+          <a:lstStyle/>
+          <a:p>
+            <a:endParaRPr lang="de-DE" sz="2800" b="0" strike="noStrike" spc="-1">
               <a:solidFill>
                 <a:srgbClr val="000000"/>
               </a:solidFill>
@@ -2602,11 +2826,14 @@
       </p:sp>
     </p:spTree>
   </p:cSld>
+  <p:clrMapOvr>
+    <a:masterClrMapping/>
+  </p:clrMapOvr>
 </p:sldLayout>
 </file>
 
 <file path=ppt/slideLayouts/slideLayout30.xml><?xml version="1.0" encoding="utf-8"?>
-<p:sldLayout xmlns:a="http://schemas.openxmlformats.org/drawingml/2006/main" xmlns:p="http://schemas.openxmlformats.org/presentationml/2006/main" xmlns:r="http://schemas.openxmlformats.org/officeDocument/2006/relationships" xmlns:p14="http://schemas.microsoft.com/office/powerpoint/2010/main" xmlns:p15="http://schemas.microsoft.com/office/powerpoint/2012/main" xmlns:mc="http://schemas.openxmlformats.org/markup-compatibility/2006" type="objOnly" preserve="1">
+<p:sldLayout xmlns:a="http://schemas.openxmlformats.org/drawingml/2006/main" xmlns:r="http://schemas.openxmlformats.org/officeDocument/2006/relationships" xmlns:p="http://schemas.openxmlformats.org/presentationml/2006/main" type="objOnly" preserve="1">
   <p:cSld name="Centered Text">
     <p:spTree>
       <p:nvGrpSpPr>
@@ -2642,12 +2869,13 @@
           </a:prstGeom>
         </p:spPr>
         <p:txBody>
-          <a:bodyPr lIns="0" rIns="0" tIns="0" bIns="0" anchor="ctr">
+          <a:bodyPr lIns="0" tIns="0" rIns="0" bIns="0" anchor="ctr">
             <a:noAutofit/>
           </a:bodyPr>
+          <a:lstStyle/>
           <a:p>
             <a:pPr algn="ctr"/>
-            <a:endParaRPr b="0" lang="de-CH" sz="3200" spc="-1" strike="noStrike">
+            <a:endParaRPr lang="de-CH" sz="3200" b="0" strike="noStrike" spc="-1">
               <a:latin typeface="Arial"/>
             </a:endParaRPr>
           </a:p>
@@ -2655,11 +2883,14 @@
       </p:sp>
     </p:spTree>
   </p:cSld>
+  <p:clrMapOvr>
+    <a:masterClrMapping/>
+  </p:clrMapOvr>
 </p:sldLayout>
 </file>
 
 <file path=ppt/slideLayouts/slideLayout31.xml><?xml version="1.0" encoding="utf-8"?>
-<p:sldLayout xmlns:a="http://schemas.openxmlformats.org/drawingml/2006/main" xmlns:p="http://schemas.openxmlformats.org/presentationml/2006/main" xmlns:r="http://schemas.openxmlformats.org/officeDocument/2006/relationships" xmlns:p14="http://schemas.microsoft.com/office/powerpoint/2010/main" xmlns:p15="http://schemas.microsoft.com/office/powerpoint/2012/main" xmlns:mc="http://schemas.openxmlformats.org/markup-compatibility/2006" type="twoObjAndObj" preserve="1">
+<p:sldLayout xmlns:a="http://schemas.openxmlformats.org/drawingml/2006/main" xmlns:r="http://schemas.openxmlformats.org/officeDocument/2006/relationships" xmlns:p="http://schemas.openxmlformats.org/presentationml/2006/main" type="twoObjAndObj" preserve="1">
   <p:cSld name="Title, 2 Content and Content">
     <p:spTree>
       <p:nvGrpSpPr>
@@ -2695,11 +2926,12 @@
           </a:prstGeom>
         </p:spPr>
         <p:txBody>
-          <a:bodyPr lIns="0" rIns="0" tIns="0" bIns="0" anchor="ctr">
+          <a:bodyPr lIns="0" tIns="0" rIns="0" bIns="0" anchor="ctr">
             <a:noAutofit/>
           </a:bodyPr>
-          <a:p>
-            <a:endParaRPr b="0" lang="de-DE" sz="1800" spc="-1" strike="noStrike">
+          <a:lstStyle/>
+          <a:p>
+            <a:endParaRPr lang="de-DE" sz="1800" b="0" strike="noStrike" spc="-1">
               <a:solidFill>
                 <a:srgbClr val="000000"/>
               </a:solidFill>
@@ -2728,11 +2960,12 @@
           </a:prstGeom>
         </p:spPr>
         <p:txBody>
-          <a:bodyPr lIns="0" rIns="0" tIns="0" bIns="0">
+          <a:bodyPr lIns="0" tIns="0" rIns="0" bIns="0">
             <a:normAutofit/>
           </a:bodyPr>
-          <a:p>
-            <a:endParaRPr b="0" lang="de-DE" sz="2800" spc="-1" strike="noStrike">
+          <a:lstStyle/>
+          <a:p>
+            <a:endParaRPr lang="de-DE" sz="2800" b="0" strike="noStrike" spc="-1">
               <a:solidFill>
                 <a:srgbClr val="000000"/>
               </a:solidFill>
@@ -2761,11 +2994,12 @@
           </a:prstGeom>
         </p:spPr>
         <p:txBody>
-          <a:bodyPr lIns="0" rIns="0" tIns="0" bIns="0">
+          <a:bodyPr lIns="0" tIns="0" rIns="0" bIns="0">
             <a:normAutofit/>
           </a:bodyPr>
-          <a:p>
-            <a:endParaRPr b="0" lang="de-DE" sz="2800" spc="-1" strike="noStrike">
+          <a:lstStyle/>
+          <a:p>
+            <a:endParaRPr lang="de-DE" sz="2800" b="0" strike="noStrike" spc="-1">
               <a:solidFill>
                 <a:srgbClr val="000000"/>
               </a:solidFill>
@@ -2794,11 +3028,12 @@
           </a:prstGeom>
         </p:spPr>
         <p:txBody>
-          <a:bodyPr lIns="0" rIns="0" tIns="0" bIns="0">
+          <a:bodyPr lIns="0" tIns="0" rIns="0" bIns="0">
             <a:normAutofit/>
           </a:bodyPr>
-          <a:p>
-            <a:endParaRPr b="0" lang="de-DE" sz="2800" spc="-1" strike="noStrike">
+          <a:lstStyle/>
+          <a:p>
+            <a:endParaRPr lang="de-DE" sz="2800" b="0" strike="noStrike" spc="-1">
               <a:solidFill>
                 <a:srgbClr val="000000"/>
               </a:solidFill>
@@ -2809,11 +3044,14 @@
       </p:sp>
     </p:spTree>
   </p:cSld>
+  <p:clrMapOvr>
+    <a:masterClrMapping/>
+  </p:clrMapOvr>
 </p:sldLayout>
 </file>
 
 <file path=ppt/slideLayouts/slideLayout32.xml><?xml version="1.0" encoding="utf-8"?>
-<p:sldLayout xmlns:a="http://schemas.openxmlformats.org/drawingml/2006/main" xmlns:p="http://schemas.openxmlformats.org/presentationml/2006/main" xmlns:r="http://schemas.openxmlformats.org/officeDocument/2006/relationships" xmlns:p14="http://schemas.microsoft.com/office/powerpoint/2010/main" xmlns:p15="http://schemas.microsoft.com/office/powerpoint/2012/main" xmlns:mc="http://schemas.openxmlformats.org/markup-compatibility/2006" type="objAndTwoObj" preserve="1">
+<p:sldLayout xmlns:a="http://schemas.openxmlformats.org/drawingml/2006/main" xmlns:r="http://schemas.openxmlformats.org/officeDocument/2006/relationships" xmlns:p="http://schemas.openxmlformats.org/presentationml/2006/main" type="objAndTwoObj" preserve="1">
   <p:cSld name="Title Content and 2 Content">
     <p:spTree>
       <p:nvGrpSpPr>
@@ -2849,11 +3087,12 @@
           </a:prstGeom>
         </p:spPr>
         <p:txBody>
-          <a:bodyPr lIns="0" rIns="0" tIns="0" bIns="0" anchor="ctr">
+          <a:bodyPr lIns="0" tIns="0" rIns="0" bIns="0" anchor="ctr">
             <a:noAutofit/>
           </a:bodyPr>
-          <a:p>
-            <a:endParaRPr b="0" lang="de-DE" sz="1800" spc="-1" strike="noStrike">
+          <a:lstStyle/>
+          <a:p>
+            <a:endParaRPr lang="de-DE" sz="1800" b="0" strike="noStrike" spc="-1">
               <a:solidFill>
                 <a:srgbClr val="000000"/>
               </a:solidFill>
@@ -2882,11 +3121,12 @@
           </a:prstGeom>
         </p:spPr>
         <p:txBody>
-          <a:bodyPr lIns="0" rIns="0" tIns="0" bIns="0">
+          <a:bodyPr lIns="0" tIns="0" rIns="0" bIns="0">
             <a:normAutofit/>
           </a:bodyPr>
-          <a:p>
-            <a:endParaRPr b="0" lang="de-DE" sz="2800" spc="-1" strike="noStrike">
+          <a:lstStyle/>
+          <a:p>
+            <a:endParaRPr lang="de-DE" sz="2800" b="0" strike="noStrike" spc="-1">
               <a:solidFill>
                 <a:srgbClr val="000000"/>
               </a:solidFill>
@@ -2915,11 +3155,12 @@
           </a:prstGeom>
         </p:spPr>
         <p:txBody>
-          <a:bodyPr lIns="0" rIns="0" tIns="0" bIns="0">
+          <a:bodyPr lIns="0" tIns="0" rIns="0" bIns="0">
             <a:normAutofit/>
           </a:bodyPr>
-          <a:p>
-            <a:endParaRPr b="0" lang="de-DE" sz="2800" spc="-1" strike="noStrike">
+          <a:lstStyle/>
+          <a:p>
+            <a:endParaRPr lang="de-DE" sz="2800" b="0" strike="noStrike" spc="-1">
               <a:solidFill>
                 <a:srgbClr val="000000"/>
               </a:solidFill>
@@ -2948,11 +3189,12 @@
           </a:prstGeom>
         </p:spPr>
         <p:txBody>
-          <a:bodyPr lIns="0" rIns="0" tIns="0" bIns="0">
+          <a:bodyPr lIns="0" tIns="0" rIns="0" bIns="0">
             <a:normAutofit/>
           </a:bodyPr>
-          <a:p>
-            <a:endParaRPr b="0" lang="de-DE" sz="2800" spc="-1" strike="noStrike">
+          <a:lstStyle/>
+          <a:p>
+            <a:endParaRPr lang="de-DE" sz="2800" b="0" strike="noStrike" spc="-1">
               <a:solidFill>
                 <a:srgbClr val="000000"/>
               </a:solidFill>
@@ -2963,11 +3205,14 @@
       </p:sp>
     </p:spTree>
   </p:cSld>
+  <p:clrMapOvr>
+    <a:masterClrMapping/>
+  </p:clrMapOvr>
 </p:sldLayout>
 </file>
 
 <file path=ppt/slideLayouts/slideLayout33.xml><?xml version="1.0" encoding="utf-8"?>
-<p:sldLayout xmlns:a="http://schemas.openxmlformats.org/drawingml/2006/main" xmlns:p="http://schemas.openxmlformats.org/presentationml/2006/main" xmlns:r="http://schemas.openxmlformats.org/officeDocument/2006/relationships" xmlns:p14="http://schemas.microsoft.com/office/powerpoint/2010/main" xmlns:p15="http://schemas.microsoft.com/office/powerpoint/2012/main" xmlns:mc="http://schemas.openxmlformats.org/markup-compatibility/2006" type="twoObjOverTx" preserve="1">
+<p:sldLayout xmlns:a="http://schemas.openxmlformats.org/drawingml/2006/main" xmlns:r="http://schemas.openxmlformats.org/officeDocument/2006/relationships" xmlns:p="http://schemas.openxmlformats.org/presentationml/2006/main" type="twoObjOverTx" preserve="1">
   <p:cSld name="Title, 2 Content over Content">
     <p:spTree>
       <p:nvGrpSpPr>
@@ -3003,11 +3248,12 @@
           </a:prstGeom>
         </p:spPr>
         <p:txBody>
-          <a:bodyPr lIns="0" rIns="0" tIns="0" bIns="0" anchor="ctr">
+          <a:bodyPr lIns="0" tIns="0" rIns="0" bIns="0" anchor="ctr">
             <a:noAutofit/>
           </a:bodyPr>
-          <a:p>
-            <a:endParaRPr b="0" lang="de-DE" sz="1800" spc="-1" strike="noStrike">
+          <a:lstStyle/>
+          <a:p>
+            <a:endParaRPr lang="de-DE" sz="1800" b="0" strike="noStrike" spc="-1">
               <a:solidFill>
                 <a:srgbClr val="000000"/>
               </a:solidFill>
@@ -3036,11 +3282,12 @@
           </a:prstGeom>
         </p:spPr>
         <p:txBody>
-          <a:bodyPr lIns="0" rIns="0" tIns="0" bIns="0">
+          <a:bodyPr lIns="0" tIns="0" rIns="0" bIns="0">
             <a:normAutofit/>
           </a:bodyPr>
-          <a:p>
-            <a:endParaRPr b="0" lang="de-DE" sz="2800" spc="-1" strike="noStrike">
+          <a:lstStyle/>
+          <a:p>
+            <a:endParaRPr lang="de-DE" sz="2800" b="0" strike="noStrike" spc="-1">
               <a:solidFill>
                 <a:srgbClr val="000000"/>
               </a:solidFill>
@@ -3069,11 +3316,12 @@
           </a:prstGeom>
         </p:spPr>
         <p:txBody>
-          <a:bodyPr lIns="0" rIns="0" tIns="0" bIns="0">
+          <a:bodyPr lIns="0" tIns="0" rIns="0" bIns="0">
             <a:normAutofit/>
           </a:bodyPr>
-          <a:p>
-            <a:endParaRPr b="0" lang="de-DE" sz="2800" spc="-1" strike="noStrike">
+          <a:lstStyle/>
+          <a:p>
+            <a:endParaRPr lang="de-DE" sz="2800" b="0" strike="noStrike" spc="-1">
               <a:solidFill>
                 <a:srgbClr val="000000"/>
               </a:solidFill>
@@ -3102,11 +3350,12 @@
           </a:prstGeom>
         </p:spPr>
         <p:txBody>
-          <a:bodyPr lIns="0" rIns="0" tIns="0" bIns="0">
+          <a:bodyPr lIns="0" tIns="0" rIns="0" bIns="0">
             <a:normAutofit/>
           </a:bodyPr>
-          <a:p>
-            <a:endParaRPr b="0" lang="de-DE" sz="2800" spc="-1" strike="noStrike">
+          <a:lstStyle/>
+          <a:p>
+            <a:endParaRPr lang="de-DE" sz="2800" b="0" strike="noStrike" spc="-1">
               <a:solidFill>
                 <a:srgbClr val="000000"/>
               </a:solidFill>
@@ -3117,11 +3366,14 @@
       </p:sp>
     </p:spTree>
   </p:cSld>
+  <p:clrMapOvr>
+    <a:masterClrMapping/>
+  </p:clrMapOvr>
 </p:sldLayout>
 </file>
 
 <file path=ppt/slideLayouts/slideLayout34.xml><?xml version="1.0" encoding="utf-8"?>
-<p:sldLayout xmlns:a="http://schemas.openxmlformats.org/drawingml/2006/main" xmlns:p="http://schemas.openxmlformats.org/presentationml/2006/main" xmlns:r="http://schemas.openxmlformats.org/officeDocument/2006/relationships" xmlns:p14="http://schemas.microsoft.com/office/powerpoint/2010/main" xmlns:p15="http://schemas.microsoft.com/office/powerpoint/2012/main" xmlns:mc="http://schemas.openxmlformats.org/markup-compatibility/2006" type="objOverTx" preserve="1">
+<p:sldLayout xmlns:a="http://schemas.openxmlformats.org/drawingml/2006/main" xmlns:r="http://schemas.openxmlformats.org/officeDocument/2006/relationships" xmlns:p="http://schemas.openxmlformats.org/presentationml/2006/main" type="objOverTx" preserve="1">
   <p:cSld name="Title, Content over Content">
     <p:spTree>
       <p:nvGrpSpPr>
@@ -3157,11 +3409,12 @@
           </a:prstGeom>
         </p:spPr>
         <p:txBody>
-          <a:bodyPr lIns="0" rIns="0" tIns="0" bIns="0" anchor="ctr">
+          <a:bodyPr lIns="0" tIns="0" rIns="0" bIns="0" anchor="ctr">
             <a:noAutofit/>
           </a:bodyPr>
-          <a:p>
-            <a:endParaRPr b="0" lang="de-DE" sz="1800" spc="-1" strike="noStrike">
+          <a:lstStyle/>
+          <a:p>
+            <a:endParaRPr lang="de-DE" sz="1800" b="0" strike="noStrike" spc="-1">
               <a:solidFill>
                 <a:srgbClr val="000000"/>
               </a:solidFill>
@@ -3190,11 +3443,12 @@
           </a:prstGeom>
         </p:spPr>
         <p:txBody>
-          <a:bodyPr lIns="0" rIns="0" tIns="0" bIns="0">
+          <a:bodyPr lIns="0" tIns="0" rIns="0" bIns="0">
             <a:normAutofit/>
           </a:bodyPr>
-          <a:p>
-            <a:endParaRPr b="0" lang="de-DE" sz="2800" spc="-1" strike="noStrike">
+          <a:lstStyle/>
+          <a:p>
+            <a:endParaRPr lang="de-DE" sz="2800" b="0" strike="noStrike" spc="-1">
               <a:solidFill>
                 <a:srgbClr val="000000"/>
               </a:solidFill>
@@ -3223,11 +3477,12 @@
           </a:prstGeom>
         </p:spPr>
         <p:txBody>
-          <a:bodyPr lIns="0" rIns="0" tIns="0" bIns="0">
+          <a:bodyPr lIns="0" tIns="0" rIns="0" bIns="0">
             <a:normAutofit/>
           </a:bodyPr>
-          <a:p>
-            <a:endParaRPr b="0" lang="de-DE" sz="2800" spc="-1" strike="noStrike">
+          <a:lstStyle/>
+          <a:p>
+            <a:endParaRPr lang="de-DE" sz="2800" b="0" strike="noStrike" spc="-1">
               <a:solidFill>
                 <a:srgbClr val="000000"/>
               </a:solidFill>
@@ -3238,11 +3493,14 @@
       </p:sp>
     </p:spTree>
   </p:cSld>
+  <p:clrMapOvr>
+    <a:masterClrMapping/>
+  </p:clrMapOvr>
 </p:sldLayout>
 </file>
 
 <file path=ppt/slideLayouts/slideLayout35.xml><?xml version="1.0" encoding="utf-8"?>
-<p:sldLayout xmlns:a="http://schemas.openxmlformats.org/drawingml/2006/main" xmlns:p="http://schemas.openxmlformats.org/presentationml/2006/main" xmlns:r="http://schemas.openxmlformats.org/officeDocument/2006/relationships" xmlns:p14="http://schemas.microsoft.com/office/powerpoint/2010/main" xmlns:p15="http://schemas.microsoft.com/office/powerpoint/2012/main" xmlns:mc="http://schemas.openxmlformats.org/markup-compatibility/2006" type="fourObj" preserve="1">
+<p:sldLayout xmlns:a="http://schemas.openxmlformats.org/drawingml/2006/main" xmlns:r="http://schemas.openxmlformats.org/officeDocument/2006/relationships" xmlns:p="http://schemas.openxmlformats.org/presentationml/2006/main" type="fourObj" preserve="1">
   <p:cSld name="Title, 4 Content">
     <p:spTree>
       <p:nvGrpSpPr>
@@ -3278,11 +3536,12 @@
           </a:prstGeom>
         </p:spPr>
         <p:txBody>
-          <a:bodyPr lIns="0" rIns="0" tIns="0" bIns="0" anchor="ctr">
+          <a:bodyPr lIns="0" tIns="0" rIns="0" bIns="0" anchor="ctr">
             <a:noAutofit/>
           </a:bodyPr>
-          <a:p>
-            <a:endParaRPr b="0" lang="de-DE" sz="1800" spc="-1" strike="noStrike">
+          <a:lstStyle/>
+          <a:p>
+            <a:endParaRPr lang="de-DE" sz="1800" b="0" strike="noStrike" spc="-1">
               <a:solidFill>
                 <a:srgbClr val="000000"/>
               </a:solidFill>
@@ -3311,11 +3570,12 @@
           </a:prstGeom>
         </p:spPr>
         <p:txBody>
-          <a:bodyPr lIns="0" rIns="0" tIns="0" bIns="0">
+          <a:bodyPr lIns="0" tIns="0" rIns="0" bIns="0">
             <a:normAutofit/>
           </a:bodyPr>
-          <a:p>
-            <a:endParaRPr b="0" lang="de-DE" sz="2800" spc="-1" strike="noStrike">
+          <a:lstStyle/>
+          <a:p>
+            <a:endParaRPr lang="de-DE" sz="2800" b="0" strike="noStrike" spc="-1">
               <a:solidFill>
                 <a:srgbClr val="000000"/>
               </a:solidFill>
@@ -3344,11 +3604,12 @@
           </a:prstGeom>
         </p:spPr>
         <p:txBody>
-          <a:bodyPr lIns="0" rIns="0" tIns="0" bIns="0">
+          <a:bodyPr lIns="0" tIns="0" rIns="0" bIns="0">
             <a:normAutofit/>
           </a:bodyPr>
-          <a:p>
-            <a:endParaRPr b="0" lang="de-DE" sz="2800" spc="-1" strike="noStrike">
+          <a:lstStyle/>
+          <a:p>
+            <a:endParaRPr lang="de-DE" sz="2800" b="0" strike="noStrike" spc="-1">
               <a:solidFill>
                 <a:srgbClr val="000000"/>
               </a:solidFill>
@@ -3377,11 +3638,12 @@
           </a:prstGeom>
         </p:spPr>
         <p:txBody>
-          <a:bodyPr lIns="0" rIns="0" tIns="0" bIns="0">
+          <a:bodyPr lIns="0" tIns="0" rIns="0" bIns="0">
             <a:normAutofit/>
           </a:bodyPr>
-          <a:p>
-            <a:endParaRPr b="0" lang="de-DE" sz="2800" spc="-1" strike="noStrike">
+          <a:lstStyle/>
+          <a:p>
+            <a:endParaRPr lang="de-DE" sz="2800" b="0" strike="noStrike" spc="-1">
               <a:solidFill>
                 <a:srgbClr val="000000"/>
               </a:solidFill>
@@ -3410,11 +3672,12 @@
           </a:prstGeom>
         </p:spPr>
         <p:txBody>
-          <a:bodyPr lIns="0" rIns="0" tIns="0" bIns="0">
+          <a:bodyPr lIns="0" tIns="0" rIns="0" bIns="0">
             <a:normAutofit/>
           </a:bodyPr>
-          <a:p>
-            <a:endParaRPr b="0" lang="de-DE" sz="2800" spc="-1" strike="noStrike">
+          <a:lstStyle/>
+          <a:p>
+            <a:endParaRPr lang="de-DE" sz="2800" b="0" strike="noStrike" spc="-1">
               <a:solidFill>
                 <a:srgbClr val="000000"/>
               </a:solidFill>
@@ -3425,11 +3688,14 @@
       </p:sp>
     </p:spTree>
   </p:cSld>
+  <p:clrMapOvr>
+    <a:masterClrMapping/>
+  </p:clrMapOvr>
 </p:sldLayout>
 </file>
 
 <file path=ppt/slideLayouts/slideLayout36.xml><?xml version="1.0" encoding="utf-8"?>
-<p:sldLayout xmlns:a="http://schemas.openxmlformats.org/drawingml/2006/main" xmlns:p="http://schemas.openxmlformats.org/presentationml/2006/main" xmlns:r="http://schemas.openxmlformats.org/officeDocument/2006/relationships" xmlns:p14="http://schemas.microsoft.com/office/powerpoint/2010/main" xmlns:p15="http://schemas.microsoft.com/office/powerpoint/2012/main" xmlns:mc="http://schemas.openxmlformats.org/markup-compatibility/2006" type="blank" preserve="1">
+<p:sldLayout xmlns:a="http://schemas.openxmlformats.org/drawingml/2006/main" xmlns:r="http://schemas.openxmlformats.org/officeDocument/2006/relationships" xmlns:p="http://schemas.openxmlformats.org/presentationml/2006/main" type="blank" preserve="1">
   <p:cSld name="Title, 6 Content">
     <p:spTree>
       <p:nvGrpSpPr>
@@ -3465,11 +3731,12 @@
           </a:prstGeom>
         </p:spPr>
         <p:txBody>
-          <a:bodyPr lIns="0" rIns="0" tIns="0" bIns="0" anchor="ctr">
+          <a:bodyPr lIns="0" tIns="0" rIns="0" bIns="0" anchor="ctr">
             <a:noAutofit/>
           </a:bodyPr>
-          <a:p>
-            <a:endParaRPr b="0" lang="de-DE" sz="1800" spc="-1" strike="noStrike">
+          <a:lstStyle/>
+          <a:p>
+            <a:endParaRPr lang="de-DE" sz="1800" b="0" strike="noStrike" spc="-1">
               <a:solidFill>
                 <a:srgbClr val="000000"/>
               </a:solidFill>
@@ -3498,11 +3765,12 @@
           </a:prstGeom>
         </p:spPr>
         <p:txBody>
-          <a:bodyPr lIns="0" rIns="0" tIns="0" bIns="0">
+          <a:bodyPr lIns="0" tIns="0" rIns="0" bIns="0">
             <a:normAutofit/>
           </a:bodyPr>
-          <a:p>
-            <a:endParaRPr b="0" lang="de-DE" sz="2800" spc="-1" strike="noStrike">
+          <a:lstStyle/>
+          <a:p>
+            <a:endParaRPr lang="de-DE" sz="2800" b="0" strike="noStrike" spc="-1">
               <a:solidFill>
                 <a:srgbClr val="000000"/>
               </a:solidFill>
@@ -3531,11 +3799,12 @@
           </a:prstGeom>
         </p:spPr>
         <p:txBody>
-          <a:bodyPr lIns="0" rIns="0" tIns="0" bIns="0">
+          <a:bodyPr lIns="0" tIns="0" rIns="0" bIns="0">
             <a:normAutofit/>
           </a:bodyPr>
-          <a:p>
-            <a:endParaRPr b="0" lang="de-DE" sz="2800" spc="-1" strike="noStrike">
+          <a:lstStyle/>
+          <a:p>
+            <a:endParaRPr lang="de-DE" sz="2800" b="0" strike="noStrike" spc="-1">
               <a:solidFill>
                 <a:srgbClr val="000000"/>
               </a:solidFill>
@@ -3564,11 +3833,12 @@
           </a:prstGeom>
         </p:spPr>
         <p:txBody>
-          <a:bodyPr lIns="0" rIns="0" tIns="0" bIns="0">
+          <a:bodyPr lIns="0" tIns="0" rIns="0" bIns="0">
             <a:normAutofit/>
           </a:bodyPr>
-          <a:p>
-            <a:endParaRPr b="0" lang="de-DE" sz="2800" spc="-1" strike="noStrike">
+          <a:lstStyle/>
+          <a:p>
+            <a:endParaRPr lang="de-DE" sz="2800" b="0" strike="noStrike" spc="-1">
               <a:solidFill>
                 <a:srgbClr val="000000"/>
               </a:solidFill>
@@ -3597,11 +3867,12 @@
           </a:prstGeom>
         </p:spPr>
         <p:txBody>
-          <a:bodyPr lIns="0" rIns="0" tIns="0" bIns="0">
+          <a:bodyPr lIns="0" tIns="0" rIns="0" bIns="0">
             <a:normAutofit/>
           </a:bodyPr>
-          <a:p>
-            <a:endParaRPr b="0" lang="de-DE" sz="2800" spc="-1" strike="noStrike">
+          <a:lstStyle/>
+          <a:p>
+            <a:endParaRPr lang="de-DE" sz="2800" b="0" strike="noStrike" spc="-1">
               <a:solidFill>
                 <a:srgbClr val="000000"/>
               </a:solidFill>
@@ -3630,11 +3901,12 @@
           </a:prstGeom>
         </p:spPr>
         <p:txBody>
-          <a:bodyPr lIns="0" rIns="0" tIns="0" bIns="0">
+          <a:bodyPr lIns="0" tIns="0" rIns="0" bIns="0">
             <a:normAutofit/>
           </a:bodyPr>
-          <a:p>
-            <a:endParaRPr b="0" lang="de-DE" sz="2800" spc="-1" strike="noStrike">
+          <a:lstStyle/>
+          <a:p>
+            <a:endParaRPr lang="de-DE" sz="2800" b="0" strike="noStrike" spc="-1">
               <a:solidFill>
                 <a:srgbClr val="000000"/>
               </a:solidFill>
@@ -3663,11 +3935,12 @@
           </a:prstGeom>
         </p:spPr>
         <p:txBody>
-          <a:bodyPr lIns="0" rIns="0" tIns="0" bIns="0">
+          <a:bodyPr lIns="0" tIns="0" rIns="0" bIns="0">
             <a:normAutofit/>
           </a:bodyPr>
-          <a:p>
-            <a:endParaRPr b="0" lang="de-DE" sz="2800" spc="-1" strike="noStrike">
+          <a:lstStyle/>
+          <a:p>
+            <a:endParaRPr lang="de-DE" sz="2800" b="0" strike="noStrike" spc="-1">
               <a:solidFill>
                 <a:srgbClr val="000000"/>
               </a:solidFill>
@@ -3678,11 +3951,14 @@
       </p:sp>
     </p:spTree>
   </p:cSld>
+  <p:clrMapOvr>
+    <a:masterClrMapping/>
+  </p:clrMapOvr>
 </p:sldLayout>
 </file>
 
 <file path=ppt/slideLayouts/slideLayout4.xml><?xml version="1.0" encoding="utf-8"?>
-<p:sldLayout xmlns:a="http://schemas.openxmlformats.org/drawingml/2006/main" xmlns:p="http://schemas.openxmlformats.org/presentationml/2006/main" xmlns:r="http://schemas.openxmlformats.org/officeDocument/2006/relationships" xmlns:p14="http://schemas.microsoft.com/office/powerpoint/2010/main" xmlns:p15="http://schemas.microsoft.com/office/powerpoint/2012/main" xmlns:mc="http://schemas.openxmlformats.org/markup-compatibility/2006" type="twoObj" preserve="1">
+<p:sldLayout xmlns:a="http://schemas.openxmlformats.org/drawingml/2006/main" xmlns:r="http://schemas.openxmlformats.org/officeDocument/2006/relationships" xmlns:p="http://schemas.openxmlformats.org/presentationml/2006/main" type="twoObj" preserve="1">
   <p:cSld name="Title, 2 Content">
     <p:spTree>
       <p:nvGrpSpPr>
@@ -3718,11 +3994,12 @@
           </a:prstGeom>
         </p:spPr>
         <p:txBody>
-          <a:bodyPr lIns="0" rIns="0" tIns="0" bIns="0" anchor="ctr">
+          <a:bodyPr lIns="0" tIns="0" rIns="0" bIns="0" anchor="ctr">
             <a:noAutofit/>
           </a:bodyPr>
-          <a:p>
-            <a:endParaRPr b="0" lang="de-DE" sz="1800" spc="-1" strike="noStrike">
+          <a:lstStyle/>
+          <a:p>
+            <a:endParaRPr lang="de-DE" sz="1800" b="0" strike="noStrike" spc="-1">
               <a:solidFill>
                 <a:srgbClr val="000000"/>
               </a:solidFill>
@@ -3751,11 +4028,12 @@
           </a:prstGeom>
         </p:spPr>
         <p:txBody>
-          <a:bodyPr lIns="0" rIns="0" tIns="0" bIns="0">
+          <a:bodyPr lIns="0" tIns="0" rIns="0" bIns="0">
             <a:normAutofit/>
           </a:bodyPr>
-          <a:p>
-            <a:endParaRPr b="0" lang="de-DE" sz="2800" spc="-1" strike="noStrike">
+          <a:lstStyle/>
+          <a:p>
+            <a:endParaRPr lang="de-DE" sz="2800" b="0" strike="noStrike" spc="-1">
               <a:solidFill>
                 <a:srgbClr val="000000"/>
               </a:solidFill>
@@ -3784,11 +4062,12 @@
           </a:prstGeom>
         </p:spPr>
         <p:txBody>
-          <a:bodyPr lIns="0" rIns="0" tIns="0" bIns="0">
+          <a:bodyPr lIns="0" tIns="0" rIns="0" bIns="0">
             <a:normAutofit/>
           </a:bodyPr>
-          <a:p>
-            <a:endParaRPr b="0" lang="de-DE" sz="2800" spc="-1" strike="noStrike">
+          <a:lstStyle/>
+          <a:p>
+            <a:endParaRPr lang="de-DE" sz="2800" b="0" strike="noStrike" spc="-1">
               <a:solidFill>
                 <a:srgbClr val="000000"/>
               </a:solidFill>
@@ -3799,11 +4078,14 @@
       </p:sp>
     </p:spTree>
   </p:cSld>
+  <p:clrMapOvr>
+    <a:masterClrMapping/>
+  </p:clrMapOvr>
 </p:sldLayout>
 </file>
 
 <file path=ppt/slideLayouts/slideLayout5.xml><?xml version="1.0" encoding="utf-8"?>
-<p:sldLayout xmlns:a="http://schemas.openxmlformats.org/drawingml/2006/main" xmlns:p="http://schemas.openxmlformats.org/presentationml/2006/main" xmlns:r="http://schemas.openxmlformats.org/officeDocument/2006/relationships" xmlns:p14="http://schemas.microsoft.com/office/powerpoint/2010/main" xmlns:p15="http://schemas.microsoft.com/office/powerpoint/2012/main" xmlns:mc="http://schemas.openxmlformats.org/markup-compatibility/2006" type="titleOnly" preserve="1">
+<p:sldLayout xmlns:a="http://schemas.openxmlformats.org/drawingml/2006/main" xmlns:r="http://schemas.openxmlformats.org/officeDocument/2006/relationships" xmlns:p="http://schemas.openxmlformats.org/presentationml/2006/main" type="titleOnly" preserve="1">
   <p:cSld name="Title Only">
     <p:spTree>
       <p:nvGrpSpPr>
@@ -3839,11 +4121,12 @@
           </a:prstGeom>
         </p:spPr>
         <p:txBody>
-          <a:bodyPr lIns="0" rIns="0" tIns="0" bIns="0" anchor="ctr">
+          <a:bodyPr lIns="0" tIns="0" rIns="0" bIns="0" anchor="ctr">
             <a:noAutofit/>
           </a:bodyPr>
-          <a:p>
-            <a:endParaRPr b="0" lang="de-DE" sz="1800" spc="-1" strike="noStrike">
+          <a:lstStyle/>
+          <a:p>
+            <a:endParaRPr lang="de-DE" sz="1800" b="0" strike="noStrike" spc="-1">
               <a:solidFill>
                 <a:srgbClr val="000000"/>
               </a:solidFill>
@@ -3854,11 +4137,14 @@
       </p:sp>
     </p:spTree>
   </p:cSld>
+  <p:clrMapOvr>
+    <a:masterClrMapping/>
+  </p:clrMapOvr>
 </p:sldLayout>
 </file>
 
 <file path=ppt/slideLayouts/slideLayout6.xml><?xml version="1.0" encoding="utf-8"?>
-<p:sldLayout xmlns:a="http://schemas.openxmlformats.org/drawingml/2006/main" xmlns:p="http://schemas.openxmlformats.org/presentationml/2006/main" xmlns:r="http://schemas.openxmlformats.org/officeDocument/2006/relationships" xmlns:p14="http://schemas.microsoft.com/office/powerpoint/2010/main" xmlns:p15="http://schemas.microsoft.com/office/powerpoint/2012/main" xmlns:mc="http://schemas.openxmlformats.org/markup-compatibility/2006" type="objOnly" preserve="1">
+<p:sldLayout xmlns:a="http://schemas.openxmlformats.org/drawingml/2006/main" xmlns:r="http://schemas.openxmlformats.org/officeDocument/2006/relationships" xmlns:p="http://schemas.openxmlformats.org/presentationml/2006/main" type="objOnly" preserve="1">
   <p:cSld name="Centered Text">
     <p:spTree>
       <p:nvGrpSpPr>
@@ -3894,12 +4180,13 @@
           </a:prstGeom>
         </p:spPr>
         <p:txBody>
-          <a:bodyPr lIns="0" rIns="0" tIns="0" bIns="0" anchor="ctr">
+          <a:bodyPr lIns="0" tIns="0" rIns="0" bIns="0" anchor="ctr">
             <a:noAutofit/>
           </a:bodyPr>
+          <a:lstStyle/>
           <a:p>
             <a:pPr algn="ctr"/>
-            <a:endParaRPr b="0" lang="de-CH" sz="3200" spc="-1" strike="noStrike">
+            <a:endParaRPr lang="de-CH" sz="3200" b="0" strike="noStrike" spc="-1">
               <a:latin typeface="Arial"/>
             </a:endParaRPr>
           </a:p>
@@ -3907,11 +4194,14 @@
       </p:sp>
     </p:spTree>
   </p:cSld>
+  <p:clrMapOvr>
+    <a:masterClrMapping/>
+  </p:clrMapOvr>
 </p:sldLayout>
 </file>
 
 <file path=ppt/slideLayouts/slideLayout7.xml><?xml version="1.0" encoding="utf-8"?>
-<p:sldLayout xmlns:a="http://schemas.openxmlformats.org/drawingml/2006/main" xmlns:p="http://schemas.openxmlformats.org/presentationml/2006/main" xmlns:r="http://schemas.openxmlformats.org/officeDocument/2006/relationships" xmlns:p14="http://schemas.microsoft.com/office/powerpoint/2010/main" xmlns:p15="http://schemas.microsoft.com/office/powerpoint/2012/main" xmlns:mc="http://schemas.openxmlformats.org/markup-compatibility/2006" type="twoObjAndObj" preserve="1">
+<p:sldLayout xmlns:a="http://schemas.openxmlformats.org/drawingml/2006/main" xmlns:r="http://schemas.openxmlformats.org/officeDocument/2006/relationships" xmlns:p="http://schemas.openxmlformats.org/presentationml/2006/main" type="twoObjAndObj" preserve="1">
   <p:cSld name="Title, 2 Content and Content">
     <p:spTree>
       <p:nvGrpSpPr>
@@ -3947,11 +4237,12 @@
           </a:prstGeom>
         </p:spPr>
         <p:txBody>
-          <a:bodyPr lIns="0" rIns="0" tIns="0" bIns="0" anchor="ctr">
+          <a:bodyPr lIns="0" tIns="0" rIns="0" bIns="0" anchor="ctr">
             <a:noAutofit/>
           </a:bodyPr>
-          <a:p>
-            <a:endParaRPr b="0" lang="de-DE" sz="1800" spc="-1" strike="noStrike">
+          <a:lstStyle/>
+          <a:p>
+            <a:endParaRPr lang="de-DE" sz="1800" b="0" strike="noStrike" spc="-1">
               <a:solidFill>
                 <a:srgbClr val="000000"/>
               </a:solidFill>
@@ -3980,11 +4271,12 @@
           </a:prstGeom>
         </p:spPr>
         <p:txBody>
-          <a:bodyPr lIns="0" rIns="0" tIns="0" bIns="0">
+          <a:bodyPr lIns="0" tIns="0" rIns="0" bIns="0">
             <a:normAutofit/>
           </a:bodyPr>
-          <a:p>
-            <a:endParaRPr b="0" lang="de-DE" sz="2800" spc="-1" strike="noStrike">
+          <a:lstStyle/>
+          <a:p>
+            <a:endParaRPr lang="de-DE" sz="2800" b="0" strike="noStrike" spc="-1">
               <a:solidFill>
                 <a:srgbClr val="000000"/>
               </a:solidFill>
@@ -4013,11 +4305,12 @@
           </a:prstGeom>
         </p:spPr>
         <p:txBody>
-          <a:bodyPr lIns="0" rIns="0" tIns="0" bIns="0">
+          <a:bodyPr lIns="0" tIns="0" rIns="0" bIns="0">
             <a:normAutofit/>
           </a:bodyPr>
-          <a:p>
-            <a:endParaRPr b="0" lang="de-DE" sz="2800" spc="-1" strike="noStrike">
+          <a:lstStyle/>
+          <a:p>
+            <a:endParaRPr lang="de-DE" sz="2800" b="0" strike="noStrike" spc="-1">
               <a:solidFill>
                 <a:srgbClr val="000000"/>
               </a:solidFill>
@@ -4046,11 +4339,12 @@
           </a:prstGeom>
         </p:spPr>
         <p:txBody>
-          <a:bodyPr lIns="0" rIns="0" tIns="0" bIns="0">
+          <a:bodyPr lIns="0" tIns="0" rIns="0" bIns="0">
             <a:normAutofit/>
           </a:bodyPr>
-          <a:p>
-            <a:endParaRPr b="0" lang="de-DE" sz="2800" spc="-1" strike="noStrike">
+          <a:lstStyle/>
+          <a:p>
+            <a:endParaRPr lang="de-DE" sz="2800" b="0" strike="noStrike" spc="-1">
               <a:solidFill>
                 <a:srgbClr val="000000"/>
               </a:solidFill>
@@ -4061,11 +4355,14 @@
       </p:sp>
     </p:spTree>
   </p:cSld>
+  <p:clrMapOvr>
+    <a:masterClrMapping/>
+  </p:clrMapOvr>
 </p:sldLayout>
 </file>
 
 <file path=ppt/slideLayouts/slideLayout8.xml><?xml version="1.0" encoding="utf-8"?>
-<p:sldLayout xmlns:a="http://schemas.openxmlformats.org/drawingml/2006/main" xmlns:p="http://schemas.openxmlformats.org/presentationml/2006/main" xmlns:r="http://schemas.openxmlformats.org/officeDocument/2006/relationships" xmlns:p14="http://schemas.microsoft.com/office/powerpoint/2010/main" xmlns:p15="http://schemas.microsoft.com/office/powerpoint/2012/main" xmlns:mc="http://schemas.openxmlformats.org/markup-compatibility/2006" type="objAndTwoObj" preserve="1">
+<p:sldLayout xmlns:a="http://schemas.openxmlformats.org/drawingml/2006/main" xmlns:r="http://schemas.openxmlformats.org/officeDocument/2006/relationships" xmlns:p="http://schemas.openxmlformats.org/presentationml/2006/main" type="objAndTwoObj" preserve="1">
   <p:cSld name="Title Content and 2 Content">
     <p:spTree>
       <p:nvGrpSpPr>
@@ -4101,11 +4398,12 @@
           </a:prstGeom>
         </p:spPr>
         <p:txBody>
-          <a:bodyPr lIns="0" rIns="0" tIns="0" bIns="0" anchor="ctr">
+          <a:bodyPr lIns="0" tIns="0" rIns="0" bIns="0" anchor="ctr">
             <a:noAutofit/>
           </a:bodyPr>
-          <a:p>
-            <a:endParaRPr b="0" lang="de-DE" sz="1800" spc="-1" strike="noStrike">
+          <a:lstStyle/>
+          <a:p>
+            <a:endParaRPr lang="de-DE" sz="1800" b="0" strike="noStrike" spc="-1">
               <a:solidFill>
                 <a:srgbClr val="000000"/>
               </a:solidFill>
@@ -4134,11 +4432,12 @@
           </a:prstGeom>
         </p:spPr>
         <p:txBody>
-          <a:bodyPr lIns="0" rIns="0" tIns="0" bIns="0">
+          <a:bodyPr lIns="0" tIns="0" rIns="0" bIns="0">
             <a:normAutofit/>
           </a:bodyPr>
-          <a:p>
-            <a:endParaRPr b="0" lang="de-DE" sz="2800" spc="-1" strike="noStrike">
+          <a:lstStyle/>
+          <a:p>
+            <a:endParaRPr lang="de-DE" sz="2800" b="0" strike="noStrike" spc="-1">
               <a:solidFill>
                 <a:srgbClr val="000000"/>
               </a:solidFill>
@@ -4167,11 +4466,12 @@
           </a:prstGeom>
         </p:spPr>
         <p:txBody>
-          <a:bodyPr lIns="0" rIns="0" tIns="0" bIns="0">
+          <a:bodyPr lIns="0" tIns="0" rIns="0" bIns="0">
             <a:normAutofit/>
           </a:bodyPr>
-          <a:p>
-            <a:endParaRPr b="0" lang="de-DE" sz="2800" spc="-1" strike="noStrike">
+          <a:lstStyle/>
+          <a:p>
+            <a:endParaRPr lang="de-DE" sz="2800" b="0" strike="noStrike" spc="-1">
               <a:solidFill>
                 <a:srgbClr val="000000"/>
               </a:solidFill>
@@ -4200,11 +4500,12 @@
           </a:prstGeom>
         </p:spPr>
         <p:txBody>
-          <a:bodyPr lIns="0" rIns="0" tIns="0" bIns="0">
+          <a:bodyPr lIns="0" tIns="0" rIns="0" bIns="0">
             <a:normAutofit/>
           </a:bodyPr>
-          <a:p>
-            <a:endParaRPr b="0" lang="de-DE" sz="2800" spc="-1" strike="noStrike">
+          <a:lstStyle/>
+          <a:p>
+            <a:endParaRPr lang="de-DE" sz="2800" b="0" strike="noStrike" spc="-1">
               <a:solidFill>
                 <a:srgbClr val="000000"/>
               </a:solidFill>
@@ -4215,11 +4516,14 @@
       </p:sp>
     </p:spTree>
   </p:cSld>
+  <p:clrMapOvr>
+    <a:masterClrMapping/>
+  </p:clrMapOvr>
 </p:sldLayout>
 </file>
 
 <file path=ppt/slideLayouts/slideLayout9.xml><?xml version="1.0" encoding="utf-8"?>
-<p:sldLayout xmlns:a="http://schemas.openxmlformats.org/drawingml/2006/main" xmlns:p="http://schemas.openxmlformats.org/presentationml/2006/main" xmlns:r="http://schemas.openxmlformats.org/officeDocument/2006/relationships" xmlns:p14="http://schemas.microsoft.com/office/powerpoint/2010/main" xmlns:p15="http://schemas.microsoft.com/office/powerpoint/2012/main" xmlns:mc="http://schemas.openxmlformats.org/markup-compatibility/2006" type="twoObjOverTx" preserve="1">
+<p:sldLayout xmlns:a="http://schemas.openxmlformats.org/drawingml/2006/main" xmlns:r="http://schemas.openxmlformats.org/officeDocument/2006/relationships" xmlns:p="http://schemas.openxmlformats.org/presentationml/2006/main" type="twoObjOverTx" preserve="1">
   <p:cSld name="Title, 2 Content over Content">
     <p:spTree>
       <p:nvGrpSpPr>
@@ -4255,11 +4559,12 @@
           </a:prstGeom>
         </p:spPr>
         <p:txBody>
-          <a:bodyPr lIns="0" rIns="0" tIns="0" bIns="0" anchor="ctr">
+          <a:bodyPr lIns="0" tIns="0" rIns="0" bIns="0" anchor="ctr">
             <a:noAutofit/>
           </a:bodyPr>
-          <a:p>
-            <a:endParaRPr b="0" lang="de-DE" sz="1800" spc="-1" strike="noStrike">
+          <a:lstStyle/>
+          <a:p>
+            <a:endParaRPr lang="de-DE" sz="1800" b="0" strike="noStrike" spc="-1">
               <a:solidFill>
                 <a:srgbClr val="000000"/>
               </a:solidFill>
@@ -4288,11 +4593,12 @@
           </a:prstGeom>
         </p:spPr>
         <p:txBody>
-          <a:bodyPr lIns="0" rIns="0" tIns="0" bIns="0">
+          <a:bodyPr lIns="0" tIns="0" rIns="0" bIns="0">
             <a:normAutofit/>
           </a:bodyPr>
-          <a:p>
-            <a:endParaRPr b="0" lang="de-DE" sz="2800" spc="-1" strike="noStrike">
+          <a:lstStyle/>
+          <a:p>
+            <a:endParaRPr lang="de-DE" sz="2800" b="0" strike="noStrike" spc="-1">
               <a:solidFill>
                 <a:srgbClr val="000000"/>
               </a:solidFill>
@@ -4321,11 +4627,12 @@
           </a:prstGeom>
         </p:spPr>
         <p:txBody>
-          <a:bodyPr lIns="0" rIns="0" tIns="0" bIns="0">
+          <a:bodyPr lIns="0" tIns="0" rIns="0" bIns="0">
             <a:normAutofit/>
           </a:bodyPr>
-          <a:p>
-            <a:endParaRPr b="0" lang="de-DE" sz="2800" spc="-1" strike="noStrike">
+          <a:lstStyle/>
+          <a:p>
+            <a:endParaRPr lang="de-DE" sz="2800" b="0" strike="noStrike" spc="-1">
               <a:solidFill>
                 <a:srgbClr val="000000"/>
               </a:solidFill>
@@ -4354,11 +4661,12 @@
           </a:prstGeom>
         </p:spPr>
         <p:txBody>
-          <a:bodyPr lIns="0" rIns="0" tIns="0" bIns="0">
+          <a:bodyPr lIns="0" tIns="0" rIns="0" bIns="0">
             <a:normAutofit/>
           </a:bodyPr>
-          <a:p>
-            <a:endParaRPr b="0" lang="de-DE" sz="2800" spc="-1" strike="noStrike">
+          <a:lstStyle/>
+          <a:p>
+            <a:endParaRPr lang="de-DE" sz="2800" b="0" strike="noStrike" spc="-1">
               <a:solidFill>
                 <a:srgbClr val="000000"/>
               </a:solidFill>
@@ -4369,17 +4677,21 @@
       </p:sp>
     </p:spTree>
   </p:cSld>
+  <p:clrMapOvr>
+    <a:masterClrMapping/>
+  </p:clrMapOvr>
 </p:sldLayout>
 </file>
 
 <file path=ppt/slideMasters/slideMaster1.xml><?xml version="1.0" encoding="utf-8"?>
-<p:sldMaster xmlns:a="http://schemas.openxmlformats.org/drawingml/2006/main" xmlns:p="http://schemas.openxmlformats.org/presentationml/2006/main" xmlns:r="http://schemas.openxmlformats.org/officeDocument/2006/relationships" xmlns:p14="http://schemas.microsoft.com/office/powerpoint/2010/main" xmlns:p15="http://schemas.microsoft.com/office/powerpoint/2012/main" xmlns:mc="http://schemas.openxmlformats.org/markup-compatibility/2006">
+<p:sldMaster xmlns:a="http://schemas.openxmlformats.org/drawingml/2006/main" xmlns:r="http://schemas.openxmlformats.org/officeDocument/2006/relationships" xmlns:p="http://schemas.openxmlformats.org/presentationml/2006/main">
   <p:cSld>
     <p:bg>
       <p:bgPr>
         <a:solidFill>
-          <a:srgbClr val="ffffff"/>
+          <a:srgbClr val="FFFFFF"/>
         </a:solidFill>
+        <a:effectLst/>
       </p:bgPr>
     </p:bg>
     <p:spTree>
@@ -4398,7 +4710,7 @@
       </p:grpSpPr>
       <p:sp>
         <p:nvSpPr>
-          <p:cNvPr id="0" name="Google Shape;19;p4"/>
+          <p:cNvPr id="6" name="Google Shape;19;p4"/>
           <p:cNvSpPr/>
           <p:nvPr/>
         </p:nvSpPr>
@@ -4411,25 +4723,31 @@
             <a:avLst/>
           </a:prstGeom>
           <a:solidFill>
-            <a:srgbClr val="dce9f8"/>
+            <a:srgbClr val="DCE9F8"/>
           </a:solidFill>
           <a:ln w="9525">
             <a:solidFill>
-              <a:srgbClr val="dce9f8"/>
+              <a:srgbClr val="DCE9F8"/>
             </a:solidFill>
             <a:round/>
           </a:ln>
         </p:spPr>
         <p:style>
-          <a:lnRef idx="0"/>
-          <a:fillRef idx="0"/>
-          <a:effectRef idx="0"/>
+          <a:lnRef idx="0">
+            <a:scrgbClr r="0" g="0" b="0"/>
+          </a:lnRef>
+          <a:fillRef idx="0">
+            <a:scrgbClr r="0" g="0" b="0"/>
+          </a:fillRef>
+          <a:effectRef idx="0">
+            <a:scrgbClr r="0" g="0" b="0"/>
+          </a:effectRef>
           <a:fontRef idx="minor"/>
         </p:style>
       </p:sp>
       <p:sp>
         <p:nvSpPr>
-          <p:cNvPr id="1" name="PlaceHolder 1"/>
+          <p:cNvPr id="7" name="PlaceHolder 1"/>
           <p:cNvSpPr>
             <a:spLocks noGrp="1"/>
           </p:cNvSpPr>
@@ -4450,6 +4768,7 @@
           <a:bodyPr anchor="b">
             <a:noAutofit/>
           </a:bodyPr>
+          <a:lstStyle/>
           <a:p>
             <a:pPr algn="ctr">
               <a:lnSpc>
@@ -4457,24 +4776,15 @@
               </a:lnSpc>
             </a:pPr>
             <a:r>
-              <a:rPr b="0" lang="de-DE" sz="6000" spc="-1" strike="noStrike">
+              <a:rPr lang="de-DE" sz="6000" b="0" strike="noStrike" spc="-1">
                 <a:solidFill>
                   <a:srgbClr val="000000"/>
                 </a:solidFill>
                 <a:latin typeface="Calibri Light"/>
               </a:rPr>
-              <a:t>Mastertitelformat </a:t>
+              <a:t>Mastertitelformat bearbeiten</a:t>
             </a:r>
-            <a:r>
-              <a:rPr b="0" lang="de-DE" sz="6000" spc="-1" strike="noStrike">
-                <a:solidFill>
-                  <a:srgbClr val="000000"/>
-                </a:solidFill>
-                <a:latin typeface="Calibri Light"/>
-              </a:rPr>
-              <a:t>bearbeiten</a:t>
-            </a:r>
-            <a:endParaRPr b="0" lang="de-DE" sz="6000" spc="-1" strike="noStrike">
+            <a:endParaRPr lang="de-DE" sz="6000" b="0" strike="noStrike" spc="-1">
               <a:solidFill>
                 <a:srgbClr val="000000"/>
               </a:solidFill>
@@ -4506,6 +4816,7 @@
           <a:bodyPr anchor="ctr">
             <a:noAutofit/>
           </a:bodyPr>
+          <a:lstStyle/>
           <a:p>
             <a:pPr>
               <a:lnSpc>
@@ -4513,15 +4824,15 @@
               </a:lnSpc>
             </a:pPr>
             <a:fld id="{B226DA95-5E6B-4DF9-9F82-6AE82104BBCA}" type="datetime">
-              <a:rPr b="0" lang="de-DE" sz="1200" spc="-1" strike="noStrike">
+              <a:rPr lang="de-DE" sz="1200" b="0" strike="noStrike" spc="-1">
                 <a:solidFill>
-                  <a:srgbClr val="8b8b8b"/>
+                  <a:srgbClr val="8B8B8B"/>
                 </a:solidFill>
                 <a:latin typeface="Calibri"/>
               </a:rPr>
-              <a:t>22.03.21</a:t>
+              <a:t>11.04.21</a:t>
             </a:fld>
-            <a:endParaRPr b="0" lang="de-CH" sz="1200" spc="-1" strike="noStrike">
+            <a:endParaRPr lang="de-CH" sz="1200" b="0" strike="noStrike" spc="-1">
               <a:latin typeface="Times New Roman"/>
             </a:endParaRPr>
           </a:p>
@@ -4550,8 +4861,9 @@
           <a:bodyPr anchor="ctr">
             <a:noAutofit/>
           </a:bodyPr>
-          <a:p>
-            <a:endParaRPr b="0" lang="de-CH" sz="2400" spc="-1" strike="noStrike">
+          <a:lstStyle/>
+          <a:p>
+            <a:endParaRPr lang="de-CH" sz="2400" b="0" strike="noStrike" spc="-1">
               <a:latin typeface="Times New Roman"/>
             </a:endParaRPr>
           </a:p>
@@ -4580,6 +4892,7 @@
           <a:bodyPr anchor="ctr">
             <a:noAutofit/>
           </a:bodyPr>
+          <a:lstStyle/>
           <a:p>
             <a:pPr algn="r">
               <a:lnSpc>
@@ -4587,15 +4900,15 @@
               </a:lnSpc>
             </a:pPr>
             <a:fld id="{BC6BCDB7-FADA-43A3-AA9C-986B8B9AFB94}" type="slidenum">
-              <a:rPr b="0" lang="de-DE" sz="1200" spc="-1" strike="noStrike">
+              <a:rPr lang="de-DE" sz="1200" b="0" strike="noStrike" spc="-1">
                 <a:solidFill>
-                  <a:srgbClr val="8b8b8b"/>
+                  <a:srgbClr val="8B8B8B"/>
                 </a:solidFill>
                 <a:latin typeface="Calibri"/>
               </a:rPr>
-              <a:t>15</a:t>
+              <a:t>‹Nr.›</a:t>
             </a:fld>
-            <a:endParaRPr b="0" lang="de-CH" sz="1200" spc="-1" strike="noStrike">
+            <a:endParaRPr lang="de-CH" sz="1200" b="0" strike="noStrike" spc="-1">
               <a:latin typeface="Times New Roman"/>
             </a:endParaRPr>
           </a:p>
@@ -4621,9 +4934,10 @@
           </a:prstGeom>
         </p:spPr>
         <p:txBody>
-          <a:bodyPr lIns="0" rIns="0" tIns="0" bIns="0">
+          <a:bodyPr lIns="0" tIns="0" rIns="0" bIns="0">
             <a:normAutofit/>
           </a:bodyPr>
+          <a:lstStyle/>
           <a:p>
             <a:pPr marL="432000" indent="-324000">
               <a:spcBef>
@@ -4637,7 +4951,7 @@
               <a:buChar char=""/>
             </a:pPr>
             <a:r>
-              <a:rPr b="0" lang="de-DE" sz="2800" spc="-1" strike="noStrike">
+              <a:rPr lang="de-DE" sz="2800" b="0" strike="noStrike" spc="-1">
                 <a:solidFill>
                   <a:srgbClr val="000000"/>
                 </a:solidFill>
@@ -4645,15 +4959,9 @@
               </a:rPr>
               <a:t>Click to edit the outline text format</a:t>
             </a:r>
-            <a:endParaRPr b="0" lang="de-DE" sz="2800" spc="-1" strike="noStrike">
-              <a:solidFill>
-                <a:srgbClr val="000000"/>
-              </a:solidFill>
-              <a:latin typeface="Calibri"/>
-            </a:endParaRPr>
-          </a:p>
-          <a:p>
-            <a:pPr lvl="1" marL="864000" indent="-324000">
+          </a:p>
+          <a:p>
+            <a:pPr marL="864000" lvl="1" indent="-324000">
               <a:spcBef>
                 <a:spcPts val="1134"/>
               </a:spcBef>
@@ -4665,7 +4973,7 @@
               <a:buChar char=""/>
             </a:pPr>
             <a:r>
-              <a:rPr b="0" lang="de-DE" sz="2000" spc="-1" strike="noStrike">
+              <a:rPr lang="de-DE" sz="2000" b="0" strike="noStrike" spc="-1">
                 <a:solidFill>
                   <a:srgbClr val="000000"/>
                 </a:solidFill>
@@ -4673,15 +4981,9 @@
               </a:rPr>
               <a:t>Second Outline Level</a:t>
             </a:r>
-            <a:endParaRPr b="0" lang="de-DE" sz="2000" spc="-1" strike="noStrike">
-              <a:solidFill>
-                <a:srgbClr val="000000"/>
-              </a:solidFill>
-              <a:latin typeface="Calibri"/>
-            </a:endParaRPr>
-          </a:p>
-          <a:p>
-            <a:pPr lvl="2" marL="1296000" indent="-288000">
+          </a:p>
+          <a:p>
+            <a:pPr marL="1296000" lvl="2" indent="-288000">
               <a:spcBef>
                 <a:spcPts val="850"/>
               </a:spcBef>
@@ -4693,7 +4995,7 @@
               <a:buChar char=""/>
             </a:pPr>
             <a:r>
-              <a:rPr b="0" lang="de-DE" sz="1800" spc="-1" strike="noStrike">
+              <a:rPr lang="de-DE" sz="1800" b="0" strike="noStrike" spc="-1">
                 <a:solidFill>
                   <a:srgbClr val="000000"/>
                 </a:solidFill>
@@ -4701,15 +5003,9 @@
               </a:rPr>
               <a:t>Third Outline Level</a:t>
             </a:r>
-            <a:endParaRPr b="0" lang="de-DE" sz="1800" spc="-1" strike="noStrike">
-              <a:solidFill>
-                <a:srgbClr val="000000"/>
-              </a:solidFill>
-              <a:latin typeface="Calibri"/>
-            </a:endParaRPr>
-          </a:p>
-          <a:p>
-            <a:pPr lvl="3" marL="1728000" indent="-216000">
+          </a:p>
+          <a:p>
+            <a:pPr marL="1728000" lvl="3" indent="-216000">
               <a:spcBef>
                 <a:spcPts val="567"/>
               </a:spcBef>
@@ -4721,7 +5017,7 @@
               <a:buChar char=""/>
             </a:pPr>
             <a:r>
-              <a:rPr b="0" lang="de-DE" sz="1800" spc="-1" strike="noStrike">
+              <a:rPr lang="de-DE" sz="1800" b="0" strike="noStrike" spc="-1">
                 <a:solidFill>
                   <a:srgbClr val="000000"/>
                 </a:solidFill>
@@ -4729,15 +5025,9 @@
               </a:rPr>
               <a:t>Fourth Outline Level</a:t>
             </a:r>
-            <a:endParaRPr b="0" lang="de-DE" sz="1800" spc="-1" strike="noStrike">
-              <a:solidFill>
-                <a:srgbClr val="000000"/>
-              </a:solidFill>
-              <a:latin typeface="Calibri"/>
-            </a:endParaRPr>
-          </a:p>
-          <a:p>
-            <a:pPr lvl="4" marL="2160000" indent="-216000">
+          </a:p>
+          <a:p>
+            <a:pPr marL="2160000" lvl="4" indent="-216000">
               <a:spcBef>
                 <a:spcPts val="283"/>
               </a:spcBef>
@@ -4749,7 +5039,7 @@
               <a:buChar char=""/>
             </a:pPr>
             <a:r>
-              <a:rPr b="0" lang="de-DE" sz="2000" spc="-1" strike="noStrike">
+              <a:rPr lang="de-DE" sz="2000" b="0" strike="noStrike" spc="-1">
                 <a:solidFill>
                   <a:srgbClr val="000000"/>
                 </a:solidFill>
@@ -4757,15 +5047,9 @@
               </a:rPr>
               <a:t>Fifth Outline Level</a:t>
             </a:r>
-            <a:endParaRPr b="0" lang="de-DE" sz="2000" spc="-1" strike="noStrike">
-              <a:solidFill>
-                <a:srgbClr val="000000"/>
-              </a:solidFill>
-              <a:latin typeface="Calibri"/>
-            </a:endParaRPr>
-          </a:p>
-          <a:p>
-            <a:pPr lvl="5" marL="2592000" indent="-216000">
+          </a:p>
+          <a:p>
+            <a:pPr marL="2592000" lvl="5" indent="-216000">
               <a:spcBef>
                 <a:spcPts val="283"/>
               </a:spcBef>
@@ -4777,7 +5061,7 @@
               <a:buChar char=""/>
             </a:pPr>
             <a:r>
-              <a:rPr b="0" lang="de-DE" sz="2000" spc="-1" strike="noStrike">
+              <a:rPr lang="de-DE" sz="2000" b="0" strike="noStrike" spc="-1">
                 <a:solidFill>
                   <a:srgbClr val="000000"/>
                 </a:solidFill>
@@ -4785,15 +5069,9 @@
               </a:rPr>
               <a:t>Sixth Outline Level</a:t>
             </a:r>
-            <a:endParaRPr b="0" lang="de-DE" sz="2000" spc="-1" strike="noStrike">
-              <a:solidFill>
-                <a:srgbClr val="000000"/>
-              </a:solidFill>
-              <a:latin typeface="Calibri"/>
-            </a:endParaRPr>
-          </a:p>
-          <a:p>
-            <a:pPr lvl="6" marL="3024000" indent="-216000">
+          </a:p>
+          <a:p>
+            <a:pPr marL="3024000" lvl="6" indent="-216000">
               <a:spcBef>
                 <a:spcPts val="283"/>
               </a:spcBef>
@@ -4805,7 +5083,7 @@
               <a:buChar char=""/>
             </a:pPr>
             <a:r>
-              <a:rPr b="0" lang="de-DE" sz="2000" spc="-1" strike="noStrike">
+              <a:rPr lang="de-DE" sz="2000" b="0" strike="noStrike" spc="-1">
                 <a:solidFill>
                   <a:srgbClr val="000000"/>
                 </a:solidFill>
@@ -4813,43 +5091,318 @@
               </a:rPr>
               <a:t>Seventh Outline Level</a:t>
             </a:r>
-            <a:endParaRPr b="0" lang="de-DE" sz="2000" spc="-1" strike="noStrike">
-              <a:solidFill>
-                <a:srgbClr val="000000"/>
-              </a:solidFill>
-              <a:latin typeface="Calibri"/>
-            </a:endParaRPr>
           </a:p>
         </p:txBody>
       </p:sp>
     </p:spTree>
   </p:cSld>
-  <p:clrMap bg1="lt1" bg2="lt2" tx1="dk1" tx2="dk2" accent1="accent1" accent2="accent2" accent3="accent3" accent4="accent4" accent5="accent5" accent6="accent6" hlink="hlink" folHlink="folHlink"/>
+  <p:clrMap bg1="lt1" tx1="dk1" bg2="lt2" tx2="dk2" accent1="accent1" accent2="accent2" accent3="accent3" accent4="accent4" accent5="accent5" accent6="accent6" hlink="hlink" folHlink="folHlink"/>
   <p:sldLayoutIdLst>
-    <p:sldLayoutId id="2147483649" r:id="rId2"/>
-    <p:sldLayoutId id="2147483650" r:id="rId3"/>
-    <p:sldLayoutId id="2147483651" r:id="rId4"/>
-    <p:sldLayoutId id="2147483652" r:id="rId5"/>
-    <p:sldLayoutId id="2147483653" r:id="rId6"/>
-    <p:sldLayoutId id="2147483654" r:id="rId7"/>
-    <p:sldLayoutId id="2147483655" r:id="rId8"/>
-    <p:sldLayoutId id="2147483656" r:id="rId9"/>
-    <p:sldLayoutId id="2147483657" r:id="rId10"/>
-    <p:sldLayoutId id="2147483658" r:id="rId11"/>
-    <p:sldLayoutId id="2147483659" r:id="rId12"/>
-    <p:sldLayoutId id="2147483660" r:id="rId13"/>
+    <p:sldLayoutId id="2147483649" r:id="rId1"/>
+    <p:sldLayoutId id="2147483650" r:id="rId2"/>
+    <p:sldLayoutId id="2147483651" r:id="rId3"/>
+    <p:sldLayoutId id="2147483652" r:id="rId4"/>
+    <p:sldLayoutId id="2147483653" r:id="rId5"/>
+    <p:sldLayoutId id="2147483654" r:id="rId6"/>
+    <p:sldLayoutId id="2147483655" r:id="rId7"/>
+    <p:sldLayoutId id="2147483656" r:id="rId8"/>
+    <p:sldLayoutId id="2147483657" r:id="rId9"/>
+    <p:sldLayoutId id="2147483658" r:id="rId10"/>
+    <p:sldLayoutId id="2147483659" r:id="rId11"/>
+    <p:sldLayoutId id="2147483660" r:id="rId12"/>
   </p:sldLayoutIdLst>
+  <p:txStyles>
+    <p:titleStyle>
+      <a:lvl1pPr algn="l" defTabSz="914400" rtl="0" eaLnBrk="1" latinLnBrk="0" hangingPunct="1">
+        <a:lnSpc>
+          <a:spcPct val="90000"/>
+        </a:lnSpc>
+        <a:spcBef>
+          <a:spcPct val="0"/>
+        </a:spcBef>
+        <a:buNone/>
+        <a:defRPr sz="4400" kern="1200">
+          <a:solidFill>
+            <a:schemeClr val="tx1"/>
+          </a:solidFill>
+          <a:latin typeface="+mj-lt"/>
+          <a:ea typeface="+mj-ea"/>
+          <a:cs typeface="+mj-cs"/>
+        </a:defRPr>
+      </a:lvl1pPr>
+    </p:titleStyle>
+    <p:bodyStyle>
+      <a:lvl1pPr marL="228600" indent="-228600" algn="l" defTabSz="914400" rtl="0" eaLnBrk="1" latinLnBrk="0" hangingPunct="1">
+        <a:lnSpc>
+          <a:spcPct val="90000"/>
+        </a:lnSpc>
+        <a:spcBef>
+          <a:spcPts val="1000"/>
+        </a:spcBef>
+        <a:buFont typeface="Arial" panose="020B0604020202020204" pitchFamily="34" charset="0"/>
+        <a:buChar char="•"/>
+        <a:defRPr sz="2800" kern="1200">
+          <a:solidFill>
+            <a:schemeClr val="tx1"/>
+          </a:solidFill>
+          <a:latin typeface="+mn-lt"/>
+          <a:ea typeface="+mn-ea"/>
+          <a:cs typeface="+mn-cs"/>
+        </a:defRPr>
+      </a:lvl1pPr>
+      <a:lvl2pPr marL="685800" indent="-228600" algn="l" defTabSz="914400" rtl="0" eaLnBrk="1" latinLnBrk="0" hangingPunct="1">
+        <a:lnSpc>
+          <a:spcPct val="90000"/>
+        </a:lnSpc>
+        <a:spcBef>
+          <a:spcPts val="500"/>
+        </a:spcBef>
+        <a:buFont typeface="Arial" panose="020B0604020202020204" pitchFamily="34" charset="0"/>
+        <a:buChar char="•"/>
+        <a:defRPr sz="2400" kern="1200">
+          <a:solidFill>
+            <a:schemeClr val="tx1"/>
+          </a:solidFill>
+          <a:latin typeface="+mn-lt"/>
+          <a:ea typeface="+mn-ea"/>
+          <a:cs typeface="+mn-cs"/>
+        </a:defRPr>
+      </a:lvl2pPr>
+      <a:lvl3pPr marL="1143000" indent="-228600" algn="l" defTabSz="914400" rtl="0" eaLnBrk="1" latinLnBrk="0" hangingPunct="1">
+        <a:lnSpc>
+          <a:spcPct val="90000"/>
+        </a:lnSpc>
+        <a:spcBef>
+          <a:spcPts val="500"/>
+        </a:spcBef>
+        <a:buFont typeface="Arial" panose="020B0604020202020204" pitchFamily="34" charset="0"/>
+        <a:buChar char="•"/>
+        <a:defRPr sz="2000" kern="1200">
+          <a:solidFill>
+            <a:schemeClr val="tx1"/>
+          </a:solidFill>
+          <a:latin typeface="+mn-lt"/>
+          <a:ea typeface="+mn-ea"/>
+          <a:cs typeface="+mn-cs"/>
+        </a:defRPr>
+      </a:lvl3pPr>
+      <a:lvl4pPr marL="1600200" indent="-228600" algn="l" defTabSz="914400" rtl="0" eaLnBrk="1" latinLnBrk="0" hangingPunct="1">
+        <a:lnSpc>
+          <a:spcPct val="90000"/>
+        </a:lnSpc>
+        <a:spcBef>
+          <a:spcPts val="500"/>
+        </a:spcBef>
+        <a:buFont typeface="Arial" panose="020B0604020202020204" pitchFamily="34" charset="0"/>
+        <a:buChar char="•"/>
+        <a:defRPr sz="1800" kern="1200">
+          <a:solidFill>
+            <a:schemeClr val="tx1"/>
+          </a:solidFill>
+          <a:latin typeface="+mn-lt"/>
+          <a:ea typeface="+mn-ea"/>
+          <a:cs typeface="+mn-cs"/>
+        </a:defRPr>
+      </a:lvl4pPr>
+      <a:lvl5pPr marL="2057400" indent="-228600" algn="l" defTabSz="914400" rtl="0" eaLnBrk="1" latinLnBrk="0" hangingPunct="1">
+        <a:lnSpc>
+          <a:spcPct val="90000"/>
+        </a:lnSpc>
+        <a:spcBef>
+          <a:spcPts val="500"/>
+        </a:spcBef>
+        <a:buFont typeface="Arial" panose="020B0604020202020204" pitchFamily="34" charset="0"/>
+        <a:buChar char="•"/>
+        <a:defRPr sz="1800" kern="1200">
+          <a:solidFill>
+            <a:schemeClr val="tx1"/>
+          </a:solidFill>
+          <a:latin typeface="+mn-lt"/>
+          <a:ea typeface="+mn-ea"/>
+          <a:cs typeface="+mn-cs"/>
+        </a:defRPr>
+      </a:lvl5pPr>
+      <a:lvl6pPr marL="2514600" indent="-228600" algn="l" defTabSz="914400" rtl="0" eaLnBrk="1" latinLnBrk="0" hangingPunct="1">
+        <a:lnSpc>
+          <a:spcPct val="90000"/>
+        </a:lnSpc>
+        <a:spcBef>
+          <a:spcPts val="500"/>
+        </a:spcBef>
+        <a:buFont typeface="Arial" panose="020B0604020202020204" pitchFamily="34" charset="0"/>
+        <a:buChar char="•"/>
+        <a:defRPr sz="1800" kern="1200">
+          <a:solidFill>
+            <a:schemeClr val="tx1"/>
+          </a:solidFill>
+          <a:latin typeface="+mn-lt"/>
+          <a:ea typeface="+mn-ea"/>
+          <a:cs typeface="+mn-cs"/>
+        </a:defRPr>
+      </a:lvl6pPr>
+      <a:lvl7pPr marL="2971800" indent="-228600" algn="l" defTabSz="914400" rtl="0" eaLnBrk="1" latinLnBrk="0" hangingPunct="1">
+        <a:lnSpc>
+          <a:spcPct val="90000"/>
+        </a:lnSpc>
+        <a:spcBef>
+          <a:spcPts val="500"/>
+        </a:spcBef>
+        <a:buFont typeface="Arial" panose="020B0604020202020204" pitchFamily="34" charset="0"/>
+        <a:buChar char="•"/>
+        <a:defRPr sz="1800" kern="1200">
+          <a:solidFill>
+            <a:schemeClr val="tx1"/>
+          </a:solidFill>
+          <a:latin typeface="+mn-lt"/>
+          <a:ea typeface="+mn-ea"/>
+          <a:cs typeface="+mn-cs"/>
+        </a:defRPr>
+      </a:lvl7pPr>
+      <a:lvl8pPr marL="3429000" indent="-228600" algn="l" defTabSz="914400" rtl="0" eaLnBrk="1" latinLnBrk="0" hangingPunct="1">
+        <a:lnSpc>
+          <a:spcPct val="90000"/>
+        </a:lnSpc>
+        <a:spcBef>
+          <a:spcPts val="500"/>
+        </a:spcBef>
+        <a:buFont typeface="Arial" panose="020B0604020202020204" pitchFamily="34" charset="0"/>
+        <a:buChar char="•"/>
+        <a:defRPr sz="1800" kern="1200">
+          <a:solidFill>
+            <a:schemeClr val="tx1"/>
+          </a:solidFill>
+          <a:latin typeface="+mn-lt"/>
+          <a:ea typeface="+mn-ea"/>
+          <a:cs typeface="+mn-cs"/>
+        </a:defRPr>
+      </a:lvl8pPr>
+      <a:lvl9pPr marL="3886200" indent="-228600" algn="l" defTabSz="914400" rtl="0" eaLnBrk="1" latinLnBrk="0" hangingPunct="1">
+        <a:lnSpc>
+          <a:spcPct val="90000"/>
+        </a:lnSpc>
+        <a:spcBef>
+          <a:spcPts val="500"/>
+        </a:spcBef>
+        <a:buFont typeface="Arial" panose="020B0604020202020204" pitchFamily="34" charset="0"/>
+        <a:buChar char="•"/>
+        <a:defRPr sz="1800" kern="1200">
+          <a:solidFill>
+            <a:schemeClr val="tx1"/>
+          </a:solidFill>
+          <a:latin typeface="+mn-lt"/>
+          <a:ea typeface="+mn-ea"/>
+          <a:cs typeface="+mn-cs"/>
+        </a:defRPr>
+      </a:lvl9pPr>
+    </p:bodyStyle>
+    <p:otherStyle>
+      <a:defPPr>
+        <a:defRPr lang="de-DE"/>
+      </a:defPPr>
+      <a:lvl1pPr marL="0" algn="l" defTabSz="914400" rtl="0" eaLnBrk="1" latinLnBrk="0" hangingPunct="1">
+        <a:defRPr sz="1800" kern="1200">
+          <a:solidFill>
+            <a:schemeClr val="tx1"/>
+          </a:solidFill>
+          <a:latin typeface="+mn-lt"/>
+          <a:ea typeface="+mn-ea"/>
+          <a:cs typeface="+mn-cs"/>
+        </a:defRPr>
+      </a:lvl1pPr>
+      <a:lvl2pPr marL="457200" algn="l" defTabSz="914400" rtl="0" eaLnBrk="1" latinLnBrk="0" hangingPunct="1">
+        <a:defRPr sz="1800" kern="1200">
+          <a:solidFill>
+            <a:schemeClr val="tx1"/>
+          </a:solidFill>
+          <a:latin typeface="+mn-lt"/>
+          <a:ea typeface="+mn-ea"/>
+          <a:cs typeface="+mn-cs"/>
+        </a:defRPr>
+      </a:lvl2pPr>
+      <a:lvl3pPr marL="914400" algn="l" defTabSz="914400" rtl="0" eaLnBrk="1" latinLnBrk="0" hangingPunct="1">
+        <a:defRPr sz="1800" kern="1200">
+          <a:solidFill>
+            <a:schemeClr val="tx1"/>
+          </a:solidFill>
+          <a:latin typeface="+mn-lt"/>
+          <a:ea typeface="+mn-ea"/>
+          <a:cs typeface="+mn-cs"/>
+        </a:defRPr>
+      </a:lvl3pPr>
+      <a:lvl4pPr marL="1371600" algn="l" defTabSz="914400" rtl="0" eaLnBrk="1" latinLnBrk="0" hangingPunct="1">
+        <a:defRPr sz="1800" kern="1200">
+          <a:solidFill>
+            <a:schemeClr val="tx1"/>
+          </a:solidFill>
+          <a:latin typeface="+mn-lt"/>
+          <a:ea typeface="+mn-ea"/>
+          <a:cs typeface="+mn-cs"/>
+        </a:defRPr>
+      </a:lvl4pPr>
+      <a:lvl5pPr marL="1828800" algn="l" defTabSz="914400" rtl="0" eaLnBrk="1" latinLnBrk="0" hangingPunct="1">
+        <a:defRPr sz="1800" kern="1200">
+          <a:solidFill>
+            <a:schemeClr val="tx1"/>
+          </a:solidFill>
+          <a:latin typeface="+mn-lt"/>
+          <a:ea typeface="+mn-ea"/>
+          <a:cs typeface="+mn-cs"/>
+        </a:defRPr>
+      </a:lvl5pPr>
+      <a:lvl6pPr marL="2286000" algn="l" defTabSz="914400" rtl="0" eaLnBrk="1" latinLnBrk="0" hangingPunct="1">
+        <a:defRPr sz="1800" kern="1200">
+          <a:solidFill>
+            <a:schemeClr val="tx1"/>
+          </a:solidFill>
+          <a:latin typeface="+mn-lt"/>
+          <a:ea typeface="+mn-ea"/>
+          <a:cs typeface="+mn-cs"/>
+        </a:defRPr>
+      </a:lvl6pPr>
+      <a:lvl7pPr marL="2743200" algn="l" defTabSz="914400" rtl="0" eaLnBrk="1" latinLnBrk="0" hangingPunct="1">
+        <a:defRPr sz="1800" kern="1200">
+          <a:solidFill>
+            <a:schemeClr val="tx1"/>
+          </a:solidFill>
+          <a:latin typeface="+mn-lt"/>
+          <a:ea typeface="+mn-ea"/>
+          <a:cs typeface="+mn-cs"/>
+        </a:defRPr>
+      </a:lvl7pPr>
+      <a:lvl8pPr marL="3200400" algn="l" defTabSz="914400" rtl="0" eaLnBrk="1" latinLnBrk="0" hangingPunct="1">
+        <a:defRPr sz="1800" kern="1200">
+          <a:solidFill>
+            <a:schemeClr val="tx1"/>
+          </a:solidFill>
+          <a:latin typeface="+mn-lt"/>
+          <a:ea typeface="+mn-ea"/>
+          <a:cs typeface="+mn-cs"/>
+        </a:defRPr>
+      </a:lvl8pPr>
+      <a:lvl9pPr marL="3657600" algn="l" defTabSz="914400" rtl="0" eaLnBrk="1" latinLnBrk="0" hangingPunct="1">
+        <a:defRPr sz="1800" kern="1200">
+          <a:solidFill>
+            <a:schemeClr val="tx1"/>
+          </a:solidFill>
+          <a:latin typeface="+mn-lt"/>
+          <a:ea typeface="+mn-ea"/>
+          <a:cs typeface="+mn-cs"/>
+        </a:defRPr>
+      </a:lvl9pPr>
+    </p:otherStyle>
+  </p:txStyles>
 </p:sldMaster>
 </file>
 
 <file path=ppt/slideMasters/slideMaster2.xml><?xml version="1.0" encoding="utf-8"?>
-<p:sldMaster xmlns:a="http://schemas.openxmlformats.org/drawingml/2006/main" xmlns:p="http://schemas.openxmlformats.org/presentationml/2006/main" xmlns:r="http://schemas.openxmlformats.org/officeDocument/2006/relationships" xmlns:p14="http://schemas.microsoft.com/office/powerpoint/2010/main" xmlns:p15="http://schemas.microsoft.com/office/powerpoint/2012/main" xmlns:mc="http://schemas.openxmlformats.org/markup-compatibility/2006">
+<p:sldMaster xmlns:a="http://schemas.openxmlformats.org/drawingml/2006/main" xmlns:r="http://schemas.openxmlformats.org/officeDocument/2006/relationships" xmlns:p="http://schemas.openxmlformats.org/presentationml/2006/main">
   <p:cSld>
     <p:bg>
       <p:bgPr>
         <a:solidFill>
-          <a:srgbClr val="ffffff"/>
+          <a:srgbClr val="FFFFFF"/>
         </a:solidFill>
+        <a:effectLst/>
       </p:bgPr>
     </p:bg>
     <p:spTree>
@@ -4881,19 +5434,25 @@
             <a:avLst/>
           </a:prstGeom>
           <a:solidFill>
-            <a:srgbClr val="dce9f8"/>
+            <a:srgbClr val="DCE9F8"/>
           </a:solidFill>
           <a:ln w="9525">
             <a:solidFill>
-              <a:srgbClr val="dce9f8"/>
+              <a:srgbClr val="DCE9F8"/>
             </a:solidFill>
             <a:round/>
           </a:ln>
         </p:spPr>
         <p:style>
-          <a:lnRef idx="0"/>
-          <a:fillRef idx="0"/>
-          <a:effectRef idx="0"/>
+          <a:lnRef idx="0">
+            <a:scrgbClr r="0" g="0" b="0"/>
+          </a:lnRef>
+          <a:fillRef idx="0">
+            <a:scrgbClr r="0" g="0" b="0"/>
+          </a:fillRef>
+          <a:effectRef idx="0">
+            <a:scrgbClr r="0" g="0" b="0"/>
+          </a:effectRef>
           <a:fontRef idx="minor"/>
         </p:style>
       </p:sp>
@@ -4920,6 +5479,7 @@
           <a:bodyPr anchor="ctr">
             <a:noAutofit/>
           </a:bodyPr>
+          <a:lstStyle/>
           <a:p>
             <a:pPr>
               <a:lnSpc>
@@ -4927,7 +5487,7 @@
               </a:lnSpc>
             </a:pPr>
             <a:r>
-              <a:rPr b="0" lang="de-DE" sz="4400" spc="-1" strike="noStrike">
+              <a:rPr lang="de-DE" sz="4400" b="0" strike="noStrike" spc="-1">
                 <a:solidFill>
                   <a:srgbClr val="000000"/>
                 </a:solidFill>
@@ -4935,7 +5495,7 @@
               </a:rPr>
               <a:t>Mastertitelformat bearbeiten</a:t>
             </a:r>
-            <a:endParaRPr b="0" lang="de-DE" sz="4400" spc="-1" strike="noStrike">
+            <a:endParaRPr lang="de-DE" sz="4400" b="0" strike="noStrike" spc="-1">
               <a:solidFill>
                 <a:srgbClr val="000000"/>
               </a:solidFill>
@@ -4967,6 +5527,7 @@
           <a:bodyPr>
             <a:noAutofit/>
           </a:bodyPr>
+          <a:lstStyle/>
           <a:p>
             <a:pPr marL="228600" indent="-228240">
               <a:lnSpc>
@@ -4982,7 +5543,7 @@
               <a:buChar char="•"/>
             </a:pPr>
             <a:r>
-              <a:rPr b="0" lang="de-DE" sz="2800" spc="-1" strike="noStrike">
+              <a:rPr lang="de-DE" sz="2800" b="0" strike="noStrike" spc="-1">
                 <a:solidFill>
                   <a:srgbClr val="000000"/>
                 </a:solidFill>
@@ -4990,15 +5551,9 @@
               </a:rPr>
               <a:t>Mastertextformat bearbeiten</a:t>
             </a:r>
-            <a:endParaRPr b="0" lang="de-DE" sz="2800" spc="-1" strike="noStrike">
-              <a:solidFill>
-                <a:srgbClr val="000000"/>
-              </a:solidFill>
-              <a:latin typeface="Calibri"/>
-            </a:endParaRPr>
-          </a:p>
-          <a:p>
-            <a:pPr lvl="1" marL="685800" indent="-228240">
+          </a:p>
+          <a:p>
+            <a:pPr marL="685800" lvl="1" indent="-228240">
               <a:lnSpc>
                 <a:spcPct val="90000"/>
               </a:lnSpc>
@@ -5012,7 +5567,7 @@
               <a:buChar char="•"/>
             </a:pPr>
             <a:r>
-              <a:rPr b="0" lang="de-DE" sz="2400" spc="-1" strike="noStrike">
+              <a:rPr lang="de-DE" sz="2400" b="0" strike="noStrike" spc="-1">
                 <a:solidFill>
                   <a:srgbClr val="000000"/>
                 </a:solidFill>
@@ -5020,15 +5575,9 @@
               </a:rPr>
               <a:t>Zweite Ebene</a:t>
             </a:r>
-            <a:endParaRPr b="0" lang="de-DE" sz="2400" spc="-1" strike="noStrike">
-              <a:solidFill>
-                <a:srgbClr val="000000"/>
-              </a:solidFill>
-              <a:latin typeface="Calibri"/>
-            </a:endParaRPr>
-          </a:p>
-          <a:p>
-            <a:pPr lvl="2" marL="1143000" indent="-228240">
+          </a:p>
+          <a:p>
+            <a:pPr marL="1143000" lvl="2" indent="-228240">
               <a:lnSpc>
                 <a:spcPct val="90000"/>
               </a:lnSpc>
@@ -5042,7 +5591,7 @@
               <a:buChar char="•"/>
             </a:pPr>
             <a:r>
-              <a:rPr b="0" lang="de-DE" sz="2000" spc="-1" strike="noStrike">
+              <a:rPr lang="de-DE" sz="2000" b="0" strike="noStrike" spc="-1">
                 <a:solidFill>
                   <a:srgbClr val="000000"/>
                 </a:solidFill>
@@ -5050,15 +5599,9 @@
               </a:rPr>
               <a:t>Dritte Ebene</a:t>
             </a:r>
-            <a:endParaRPr b="0" lang="de-DE" sz="2000" spc="-1" strike="noStrike">
-              <a:solidFill>
-                <a:srgbClr val="000000"/>
-              </a:solidFill>
-              <a:latin typeface="Calibri"/>
-            </a:endParaRPr>
-          </a:p>
-          <a:p>
-            <a:pPr lvl="3" marL="1600200" indent="-228240">
+          </a:p>
+          <a:p>
+            <a:pPr marL="1600200" lvl="3" indent="-228240">
               <a:lnSpc>
                 <a:spcPct val="90000"/>
               </a:lnSpc>
@@ -5072,7 +5615,7 @@
               <a:buChar char="•"/>
             </a:pPr>
             <a:r>
-              <a:rPr b="0" lang="de-DE" sz="1800" spc="-1" strike="noStrike">
+              <a:rPr lang="de-DE" sz="1800" b="0" strike="noStrike" spc="-1">
                 <a:solidFill>
                   <a:srgbClr val="000000"/>
                 </a:solidFill>
@@ -5080,15 +5623,9 @@
               </a:rPr>
               <a:t>Vierte Ebene</a:t>
             </a:r>
-            <a:endParaRPr b="0" lang="de-DE" sz="1800" spc="-1" strike="noStrike">
-              <a:solidFill>
-                <a:srgbClr val="000000"/>
-              </a:solidFill>
-              <a:latin typeface="Calibri"/>
-            </a:endParaRPr>
-          </a:p>
-          <a:p>
-            <a:pPr lvl="4" marL="2057400" indent="-228240">
+          </a:p>
+          <a:p>
+            <a:pPr marL="2057400" lvl="4" indent="-228240">
               <a:lnSpc>
                 <a:spcPct val="90000"/>
               </a:lnSpc>
@@ -5102,7 +5639,7 @@
               <a:buChar char="•"/>
             </a:pPr>
             <a:r>
-              <a:rPr b="0" lang="de-DE" sz="1800" spc="-1" strike="noStrike">
+              <a:rPr lang="de-DE" sz="1800" b="0" strike="noStrike" spc="-1">
                 <a:solidFill>
                   <a:srgbClr val="000000"/>
                 </a:solidFill>
@@ -5110,12 +5647,6 @@
               </a:rPr>
               <a:t>Fünfte Ebene</a:t>
             </a:r>
-            <a:endParaRPr b="0" lang="de-DE" sz="1800" spc="-1" strike="noStrike">
-              <a:solidFill>
-                <a:srgbClr val="000000"/>
-              </a:solidFill>
-              <a:latin typeface="Calibri"/>
-            </a:endParaRPr>
           </a:p>
         </p:txBody>
       </p:sp>
@@ -5142,6 +5673,7 @@
           <a:bodyPr anchor="ctr">
             <a:noAutofit/>
           </a:bodyPr>
+          <a:lstStyle/>
           <a:p>
             <a:pPr>
               <a:lnSpc>
@@ -5149,15 +5681,15 @@
               </a:lnSpc>
             </a:pPr>
             <a:fld id="{CBB33106-BB74-4517-9922-4F8DEECEA6FD}" type="datetime">
-              <a:rPr b="0" lang="de-DE" sz="1200" spc="-1" strike="noStrike">
+              <a:rPr lang="de-DE" sz="1200" b="0" strike="noStrike" spc="-1">
                 <a:solidFill>
-                  <a:srgbClr val="8b8b8b"/>
+                  <a:srgbClr val="8B8B8B"/>
                 </a:solidFill>
                 <a:latin typeface="Calibri"/>
               </a:rPr>
-              <a:t>22.03.21</a:t>
+              <a:t>11.04.21</a:t>
             </a:fld>
-            <a:endParaRPr b="0" lang="de-CH" sz="1200" spc="-1" strike="noStrike">
+            <a:endParaRPr lang="de-CH" sz="1200" b="0" strike="noStrike" spc="-1">
               <a:latin typeface="Times New Roman"/>
             </a:endParaRPr>
           </a:p>
@@ -5186,8 +5718,9 @@
           <a:bodyPr anchor="ctr">
             <a:noAutofit/>
           </a:bodyPr>
-          <a:p>
-            <a:endParaRPr b="0" lang="de-CH" sz="2400" spc="-1" strike="noStrike">
+          <a:lstStyle/>
+          <a:p>
+            <a:endParaRPr lang="de-CH" sz="2400" b="0" strike="noStrike" spc="-1">
               <a:latin typeface="Times New Roman"/>
             </a:endParaRPr>
           </a:p>
@@ -5216,6 +5749,7 @@
           <a:bodyPr anchor="ctr">
             <a:noAutofit/>
           </a:bodyPr>
+          <a:lstStyle/>
           <a:p>
             <a:pPr algn="r">
               <a:lnSpc>
@@ -5223,15 +5757,15 @@
               </a:lnSpc>
             </a:pPr>
             <a:fld id="{FFAE8A1C-A79D-4D77-BFC0-442C9D7E2E1F}" type="slidenum">
-              <a:rPr b="0" lang="de-DE" sz="1200" spc="-1" strike="noStrike">
+              <a:rPr lang="de-DE" sz="1200" b="0" strike="noStrike" spc="-1">
                 <a:solidFill>
-                  <a:srgbClr val="8b8b8b"/>
+                  <a:srgbClr val="8B8B8B"/>
                 </a:solidFill>
                 <a:latin typeface="Calibri"/>
               </a:rPr>
-              <a:t>&lt;number&gt;</a:t>
+              <a:t>‹Nr.›</a:t>
             </a:fld>
-            <a:endParaRPr b="0" lang="de-CH" sz="1200" spc="-1" strike="noStrike">
+            <a:endParaRPr lang="de-CH" sz="1200" b="0" strike="noStrike" spc="-1">
               <a:latin typeface="Times New Roman"/>
             </a:endParaRPr>
           </a:p>
@@ -5239,12 +5773,12 @@
       </p:sp>
       <p:pic>
         <p:nvPicPr>
-          <p:cNvPr id="48" name="Google Shape;20;p4" descr=""/>
+          <p:cNvPr id="48" name="Google Shape;20;p4"/>
           <p:cNvPicPr/>
           <p:nvPr/>
         </p:nvPicPr>
         <p:blipFill>
-          <a:blip r:embed="rId2"/>
+          <a:blip r:embed="rId14"/>
           <a:stretch/>
         </p:blipFill>
         <p:spPr>
@@ -5262,32 +5796,313 @@
       </p:pic>
     </p:spTree>
   </p:cSld>
-  <p:clrMap bg1="lt1" bg2="lt2" tx1="dk1" tx2="dk2" accent1="accent1" accent2="accent2" accent3="accent3" accent4="accent4" accent5="accent5" accent6="accent6" hlink="hlink" folHlink="folHlink"/>
+  <p:clrMap bg1="lt1" tx1="dk1" bg2="lt2" tx2="dk2" accent1="accent1" accent2="accent2" accent3="accent3" accent4="accent4" accent5="accent5" accent6="accent6" hlink="hlink" folHlink="folHlink"/>
   <p:sldLayoutIdLst>
-    <p:sldLayoutId id="2147483662" r:id="rId3"/>
-    <p:sldLayoutId id="2147483663" r:id="rId4"/>
-    <p:sldLayoutId id="2147483664" r:id="rId5"/>
-    <p:sldLayoutId id="2147483665" r:id="rId6"/>
-    <p:sldLayoutId id="2147483666" r:id="rId7"/>
-    <p:sldLayoutId id="2147483667" r:id="rId8"/>
-    <p:sldLayoutId id="2147483668" r:id="rId9"/>
-    <p:sldLayoutId id="2147483669" r:id="rId10"/>
-    <p:sldLayoutId id="2147483670" r:id="rId11"/>
-    <p:sldLayoutId id="2147483671" r:id="rId12"/>
-    <p:sldLayoutId id="2147483672" r:id="rId13"/>
-    <p:sldLayoutId id="2147483673" r:id="rId14"/>
+    <p:sldLayoutId id="2147483662" r:id="rId1"/>
+    <p:sldLayoutId id="2147483663" r:id="rId2"/>
+    <p:sldLayoutId id="2147483664" r:id="rId3"/>
+    <p:sldLayoutId id="2147483665" r:id="rId4"/>
+    <p:sldLayoutId id="2147483666" r:id="rId5"/>
+    <p:sldLayoutId id="2147483667" r:id="rId6"/>
+    <p:sldLayoutId id="2147483668" r:id="rId7"/>
+    <p:sldLayoutId id="2147483669" r:id="rId8"/>
+    <p:sldLayoutId id="2147483670" r:id="rId9"/>
+    <p:sldLayoutId id="2147483671" r:id="rId10"/>
+    <p:sldLayoutId id="2147483672" r:id="rId11"/>
+    <p:sldLayoutId id="2147483673" r:id="rId12"/>
   </p:sldLayoutIdLst>
+  <p:txStyles>
+    <p:titleStyle>
+      <a:lvl1pPr algn="l" defTabSz="914400" rtl="0" eaLnBrk="1" latinLnBrk="0" hangingPunct="1">
+        <a:lnSpc>
+          <a:spcPct val="90000"/>
+        </a:lnSpc>
+        <a:spcBef>
+          <a:spcPct val="0"/>
+        </a:spcBef>
+        <a:buNone/>
+        <a:defRPr sz="4400" kern="1200">
+          <a:solidFill>
+            <a:schemeClr val="tx1"/>
+          </a:solidFill>
+          <a:latin typeface="+mj-lt"/>
+          <a:ea typeface="+mj-ea"/>
+          <a:cs typeface="+mj-cs"/>
+        </a:defRPr>
+      </a:lvl1pPr>
+    </p:titleStyle>
+    <p:bodyStyle>
+      <a:lvl1pPr marL="228600" indent="-228600" algn="l" defTabSz="914400" rtl="0" eaLnBrk="1" latinLnBrk="0" hangingPunct="1">
+        <a:lnSpc>
+          <a:spcPct val="90000"/>
+        </a:lnSpc>
+        <a:spcBef>
+          <a:spcPts val="1000"/>
+        </a:spcBef>
+        <a:buFont typeface="Arial" panose="020B0604020202020204" pitchFamily="34" charset="0"/>
+        <a:buChar char="•"/>
+        <a:defRPr sz="2800" kern="1200">
+          <a:solidFill>
+            <a:schemeClr val="tx1"/>
+          </a:solidFill>
+          <a:latin typeface="+mn-lt"/>
+          <a:ea typeface="+mn-ea"/>
+          <a:cs typeface="+mn-cs"/>
+        </a:defRPr>
+      </a:lvl1pPr>
+      <a:lvl2pPr marL="685800" indent="-228600" algn="l" defTabSz="914400" rtl="0" eaLnBrk="1" latinLnBrk="0" hangingPunct="1">
+        <a:lnSpc>
+          <a:spcPct val="90000"/>
+        </a:lnSpc>
+        <a:spcBef>
+          <a:spcPts val="500"/>
+        </a:spcBef>
+        <a:buFont typeface="Arial" panose="020B0604020202020204" pitchFamily="34" charset="0"/>
+        <a:buChar char="•"/>
+        <a:defRPr sz="2400" kern="1200">
+          <a:solidFill>
+            <a:schemeClr val="tx1"/>
+          </a:solidFill>
+          <a:latin typeface="+mn-lt"/>
+          <a:ea typeface="+mn-ea"/>
+          <a:cs typeface="+mn-cs"/>
+        </a:defRPr>
+      </a:lvl2pPr>
+      <a:lvl3pPr marL="1143000" indent="-228600" algn="l" defTabSz="914400" rtl="0" eaLnBrk="1" latinLnBrk="0" hangingPunct="1">
+        <a:lnSpc>
+          <a:spcPct val="90000"/>
+        </a:lnSpc>
+        <a:spcBef>
+          <a:spcPts val="500"/>
+        </a:spcBef>
+        <a:buFont typeface="Arial" panose="020B0604020202020204" pitchFamily="34" charset="0"/>
+        <a:buChar char="•"/>
+        <a:defRPr sz="2000" kern="1200">
+          <a:solidFill>
+            <a:schemeClr val="tx1"/>
+          </a:solidFill>
+          <a:latin typeface="+mn-lt"/>
+          <a:ea typeface="+mn-ea"/>
+          <a:cs typeface="+mn-cs"/>
+        </a:defRPr>
+      </a:lvl3pPr>
+      <a:lvl4pPr marL="1600200" indent="-228600" algn="l" defTabSz="914400" rtl="0" eaLnBrk="1" latinLnBrk="0" hangingPunct="1">
+        <a:lnSpc>
+          <a:spcPct val="90000"/>
+        </a:lnSpc>
+        <a:spcBef>
+          <a:spcPts val="500"/>
+        </a:spcBef>
+        <a:buFont typeface="Arial" panose="020B0604020202020204" pitchFamily="34" charset="0"/>
+        <a:buChar char="•"/>
+        <a:defRPr sz="1800" kern="1200">
+          <a:solidFill>
+            <a:schemeClr val="tx1"/>
+          </a:solidFill>
+          <a:latin typeface="+mn-lt"/>
+          <a:ea typeface="+mn-ea"/>
+          <a:cs typeface="+mn-cs"/>
+        </a:defRPr>
+      </a:lvl4pPr>
+      <a:lvl5pPr marL="2057400" indent="-228600" algn="l" defTabSz="914400" rtl="0" eaLnBrk="1" latinLnBrk="0" hangingPunct="1">
+        <a:lnSpc>
+          <a:spcPct val="90000"/>
+        </a:lnSpc>
+        <a:spcBef>
+          <a:spcPts val="500"/>
+        </a:spcBef>
+        <a:buFont typeface="Arial" panose="020B0604020202020204" pitchFamily="34" charset="0"/>
+        <a:buChar char="•"/>
+        <a:defRPr sz="1800" kern="1200">
+          <a:solidFill>
+            <a:schemeClr val="tx1"/>
+          </a:solidFill>
+          <a:latin typeface="+mn-lt"/>
+          <a:ea typeface="+mn-ea"/>
+          <a:cs typeface="+mn-cs"/>
+        </a:defRPr>
+      </a:lvl5pPr>
+      <a:lvl6pPr marL="2514600" indent="-228600" algn="l" defTabSz="914400" rtl="0" eaLnBrk="1" latinLnBrk="0" hangingPunct="1">
+        <a:lnSpc>
+          <a:spcPct val="90000"/>
+        </a:lnSpc>
+        <a:spcBef>
+          <a:spcPts val="500"/>
+        </a:spcBef>
+        <a:buFont typeface="Arial" panose="020B0604020202020204" pitchFamily="34" charset="0"/>
+        <a:buChar char="•"/>
+        <a:defRPr sz="1800" kern="1200">
+          <a:solidFill>
+            <a:schemeClr val="tx1"/>
+          </a:solidFill>
+          <a:latin typeface="+mn-lt"/>
+          <a:ea typeface="+mn-ea"/>
+          <a:cs typeface="+mn-cs"/>
+        </a:defRPr>
+      </a:lvl6pPr>
+      <a:lvl7pPr marL="2971800" indent="-228600" algn="l" defTabSz="914400" rtl="0" eaLnBrk="1" latinLnBrk="0" hangingPunct="1">
+        <a:lnSpc>
+          <a:spcPct val="90000"/>
+        </a:lnSpc>
+        <a:spcBef>
+          <a:spcPts val="500"/>
+        </a:spcBef>
+        <a:buFont typeface="Arial" panose="020B0604020202020204" pitchFamily="34" charset="0"/>
+        <a:buChar char="•"/>
+        <a:defRPr sz="1800" kern="1200">
+          <a:solidFill>
+            <a:schemeClr val="tx1"/>
+          </a:solidFill>
+          <a:latin typeface="+mn-lt"/>
+          <a:ea typeface="+mn-ea"/>
+          <a:cs typeface="+mn-cs"/>
+        </a:defRPr>
+      </a:lvl7pPr>
+      <a:lvl8pPr marL="3429000" indent="-228600" algn="l" defTabSz="914400" rtl="0" eaLnBrk="1" latinLnBrk="0" hangingPunct="1">
+        <a:lnSpc>
+          <a:spcPct val="90000"/>
+        </a:lnSpc>
+        <a:spcBef>
+          <a:spcPts val="500"/>
+        </a:spcBef>
+        <a:buFont typeface="Arial" panose="020B0604020202020204" pitchFamily="34" charset="0"/>
+        <a:buChar char="•"/>
+        <a:defRPr sz="1800" kern="1200">
+          <a:solidFill>
+            <a:schemeClr val="tx1"/>
+          </a:solidFill>
+          <a:latin typeface="+mn-lt"/>
+          <a:ea typeface="+mn-ea"/>
+          <a:cs typeface="+mn-cs"/>
+        </a:defRPr>
+      </a:lvl8pPr>
+      <a:lvl9pPr marL="3886200" indent="-228600" algn="l" defTabSz="914400" rtl="0" eaLnBrk="1" latinLnBrk="0" hangingPunct="1">
+        <a:lnSpc>
+          <a:spcPct val="90000"/>
+        </a:lnSpc>
+        <a:spcBef>
+          <a:spcPts val="500"/>
+        </a:spcBef>
+        <a:buFont typeface="Arial" panose="020B0604020202020204" pitchFamily="34" charset="0"/>
+        <a:buChar char="•"/>
+        <a:defRPr sz="1800" kern="1200">
+          <a:solidFill>
+            <a:schemeClr val="tx1"/>
+          </a:solidFill>
+          <a:latin typeface="+mn-lt"/>
+          <a:ea typeface="+mn-ea"/>
+          <a:cs typeface="+mn-cs"/>
+        </a:defRPr>
+      </a:lvl9pPr>
+    </p:bodyStyle>
+    <p:otherStyle>
+      <a:defPPr>
+        <a:defRPr lang="de-DE"/>
+      </a:defPPr>
+      <a:lvl1pPr marL="0" algn="l" defTabSz="914400" rtl="0" eaLnBrk="1" latinLnBrk="0" hangingPunct="1">
+        <a:defRPr sz="1800" kern="1200">
+          <a:solidFill>
+            <a:schemeClr val="tx1"/>
+          </a:solidFill>
+          <a:latin typeface="+mn-lt"/>
+          <a:ea typeface="+mn-ea"/>
+          <a:cs typeface="+mn-cs"/>
+        </a:defRPr>
+      </a:lvl1pPr>
+      <a:lvl2pPr marL="457200" algn="l" defTabSz="914400" rtl="0" eaLnBrk="1" latinLnBrk="0" hangingPunct="1">
+        <a:defRPr sz="1800" kern="1200">
+          <a:solidFill>
+            <a:schemeClr val="tx1"/>
+          </a:solidFill>
+          <a:latin typeface="+mn-lt"/>
+          <a:ea typeface="+mn-ea"/>
+          <a:cs typeface="+mn-cs"/>
+        </a:defRPr>
+      </a:lvl2pPr>
+      <a:lvl3pPr marL="914400" algn="l" defTabSz="914400" rtl="0" eaLnBrk="1" latinLnBrk="0" hangingPunct="1">
+        <a:defRPr sz="1800" kern="1200">
+          <a:solidFill>
+            <a:schemeClr val="tx1"/>
+          </a:solidFill>
+          <a:latin typeface="+mn-lt"/>
+          <a:ea typeface="+mn-ea"/>
+          <a:cs typeface="+mn-cs"/>
+        </a:defRPr>
+      </a:lvl3pPr>
+      <a:lvl4pPr marL="1371600" algn="l" defTabSz="914400" rtl="0" eaLnBrk="1" latinLnBrk="0" hangingPunct="1">
+        <a:defRPr sz="1800" kern="1200">
+          <a:solidFill>
+            <a:schemeClr val="tx1"/>
+          </a:solidFill>
+          <a:latin typeface="+mn-lt"/>
+          <a:ea typeface="+mn-ea"/>
+          <a:cs typeface="+mn-cs"/>
+        </a:defRPr>
+      </a:lvl4pPr>
+      <a:lvl5pPr marL="1828800" algn="l" defTabSz="914400" rtl="0" eaLnBrk="1" latinLnBrk="0" hangingPunct="1">
+        <a:defRPr sz="1800" kern="1200">
+          <a:solidFill>
+            <a:schemeClr val="tx1"/>
+          </a:solidFill>
+          <a:latin typeface="+mn-lt"/>
+          <a:ea typeface="+mn-ea"/>
+          <a:cs typeface="+mn-cs"/>
+        </a:defRPr>
+      </a:lvl5pPr>
+      <a:lvl6pPr marL="2286000" algn="l" defTabSz="914400" rtl="0" eaLnBrk="1" latinLnBrk="0" hangingPunct="1">
+        <a:defRPr sz="1800" kern="1200">
+          <a:solidFill>
+            <a:schemeClr val="tx1"/>
+          </a:solidFill>
+          <a:latin typeface="+mn-lt"/>
+          <a:ea typeface="+mn-ea"/>
+          <a:cs typeface="+mn-cs"/>
+        </a:defRPr>
+      </a:lvl6pPr>
+      <a:lvl7pPr marL="2743200" algn="l" defTabSz="914400" rtl="0" eaLnBrk="1" latinLnBrk="0" hangingPunct="1">
+        <a:defRPr sz="1800" kern="1200">
+          <a:solidFill>
+            <a:schemeClr val="tx1"/>
+          </a:solidFill>
+          <a:latin typeface="+mn-lt"/>
+          <a:ea typeface="+mn-ea"/>
+          <a:cs typeface="+mn-cs"/>
+        </a:defRPr>
+      </a:lvl7pPr>
+      <a:lvl8pPr marL="3200400" algn="l" defTabSz="914400" rtl="0" eaLnBrk="1" latinLnBrk="0" hangingPunct="1">
+        <a:defRPr sz="1800" kern="1200">
+          <a:solidFill>
+            <a:schemeClr val="tx1"/>
+          </a:solidFill>
+          <a:latin typeface="+mn-lt"/>
+          <a:ea typeface="+mn-ea"/>
+          <a:cs typeface="+mn-cs"/>
+        </a:defRPr>
+      </a:lvl8pPr>
+      <a:lvl9pPr marL="3657600" algn="l" defTabSz="914400" rtl="0" eaLnBrk="1" latinLnBrk="0" hangingPunct="1">
+        <a:defRPr sz="1800" kern="1200">
+          <a:solidFill>
+            <a:schemeClr val="tx1"/>
+          </a:solidFill>
+          <a:latin typeface="+mn-lt"/>
+          <a:ea typeface="+mn-ea"/>
+          <a:cs typeface="+mn-cs"/>
+        </a:defRPr>
+      </a:lvl9pPr>
+    </p:otherStyle>
+  </p:txStyles>
 </p:sldMaster>
 </file>
 
 <file path=ppt/slideMasters/slideMaster3.xml><?xml version="1.0" encoding="utf-8"?>
-<p:sldMaster xmlns:a="http://schemas.openxmlformats.org/drawingml/2006/main" xmlns:p="http://schemas.openxmlformats.org/presentationml/2006/main" xmlns:r="http://schemas.openxmlformats.org/officeDocument/2006/relationships" xmlns:p14="http://schemas.microsoft.com/office/powerpoint/2010/main" xmlns:p15="http://schemas.microsoft.com/office/powerpoint/2012/main" xmlns:mc="http://schemas.openxmlformats.org/markup-compatibility/2006">
+<p:sldMaster xmlns:a="http://schemas.openxmlformats.org/drawingml/2006/main" xmlns:r="http://schemas.openxmlformats.org/officeDocument/2006/relationships" xmlns:p="http://schemas.openxmlformats.org/presentationml/2006/main">
   <p:cSld>
     <p:bg>
       <p:bgPr>
         <a:solidFill>
-          <a:srgbClr val="ffffff"/>
+          <a:srgbClr val="FFFFFF"/>
         </a:solidFill>
+        <a:effectLst/>
       </p:bgPr>
     </p:bg>
     <p:spTree>
@@ -5319,19 +6134,25 @@
             <a:avLst/>
           </a:prstGeom>
           <a:solidFill>
-            <a:srgbClr val="dce9f8"/>
+            <a:srgbClr val="DCE9F8"/>
           </a:solidFill>
           <a:ln w="9525">
             <a:solidFill>
-              <a:srgbClr val="dce9f8"/>
+              <a:srgbClr val="DCE9F8"/>
             </a:solidFill>
             <a:round/>
           </a:ln>
         </p:spPr>
         <p:style>
-          <a:lnRef idx="0"/>
-          <a:fillRef idx="0"/>
-          <a:effectRef idx="0"/>
+          <a:lnRef idx="0">
+            <a:scrgbClr r="0" g="0" b="0"/>
+          </a:lnRef>
+          <a:fillRef idx="0">
+            <a:scrgbClr r="0" g="0" b="0"/>
+          </a:fillRef>
+          <a:effectRef idx="0">
+            <a:scrgbClr r="0" g="0" b="0"/>
+          </a:effectRef>
           <a:fontRef idx="minor"/>
         </p:style>
       </p:sp>
@@ -5358,6 +6179,7 @@
           <a:bodyPr anchor="ctr">
             <a:noAutofit/>
           </a:bodyPr>
+          <a:lstStyle/>
           <a:p>
             <a:pPr>
               <a:lnSpc>
@@ -5365,7 +6187,7 @@
               </a:lnSpc>
             </a:pPr>
             <a:r>
-              <a:rPr b="0" lang="de-DE" sz="4400" spc="-1" strike="noStrike">
+              <a:rPr lang="de-DE" sz="4400" b="0" strike="noStrike" spc="-1">
                 <a:solidFill>
                   <a:srgbClr val="000000"/>
                 </a:solidFill>
@@ -5373,7 +6195,7 @@
               </a:rPr>
               <a:t>Mastertitelformat bearbeiten</a:t>
             </a:r>
-            <a:endParaRPr b="0" lang="de-DE" sz="4400" spc="-1" strike="noStrike">
+            <a:endParaRPr lang="de-DE" sz="4400" b="0" strike="noStrike" spc="-1">
               <a:solidFill>
                 <a:srgbClr val="000000"/>
               </a:solidFill>
@@ -5405,6 +6227,7 @@
           <a:bodyPr>
             <a:noAutofit/>
           </a:bodyPr>
+          <a:lstStyle/>
           <a:p>
             <a:pPr marL="228600" indent="-228240">
               <a:lnSpc>
@@ -5420,7 +6243,7 @@
               <a:buChar char="•"/>
             </a:pPr>
             <a:r>
-              <a:rPr b="0" lang="de-DE" sz="2800" spc="-1" strike="noStrike">
+              <a:rPr lang="de-DE" sz="2800" b="0" strike="noStrike" spc="-1">
                 <a:solidFill>
                   <a:srgbClr val="000000"/>
                 </a:solidFill>
@@ -5428,15 +6251,9 @@
               </a:rPr>
               <a:t>Mastertextformat bearbeiten</a:t>
             </a:r>
-            <a:endParaRPr b="0" lang="de-DE" sz="2800" spc="-1" strike="noStrike">
-              <a:solidFill>
-                <a:srgbClr val="000000"/>
-              </a:solidFill>
-              <a:latin typeface="Calibri"/>
-            </a:endParaRPr>
-          </a:p>
-          <a:p>
-            <a:pPr lvl="1" marL="685800" indent="-228240">
+          </a:p>
+          <a:p>
+            <a:pPr marL="685800" lvl="1" indent="-228240">
               <a:lnSpc>
                 <a:spcPct val="90000"/>
               </a:lnSpc>
@@ -5450,7 +6267,7 @@
               <a:buChar char="•"/>
             </a:pPr>
             <a:r>
-              <a:rPr b="0" lang="de-DE" sz="2400" spc="-1" strike="noStrike">
+              <a:rPr lang="de-DE" sz="2400" b="0" strike="noStrike" spc="-1">
                 <a:solidFill>
                   <a:srgbClr val="000000"/>
                 </a:solidFill>
@@ -5458,15 +6275,9 @@
               </a:rPr>
               <a:t>Zweite Ebene</a:t>
             </a:r>
-            <a:endParaRPr b="0" lang="de-DE" sz="2400" spc="-1" strike="noStrike">
-              <a:solidFill>
-                <a:srgbClr val="000000"/>
-              </a:solidFill>
-              <a:latin typeface="Calibri"/>
-            </a:endParaRPr>
-          </a:p>
-          <a:p>
-            <a:pPr lvl="2" marL="1143000" indent="-228240">
+          </a:p>
+          <a:p>
+            <a:pPr marL="1143000" lvl="2" indent="-228240">
               <a:lnSpc>
                 <a:spcPct val="90000"/>
               </a:lnSpc>
@@ -5480,7 +6291,7 @@
               <a:buChar char="•"/>
             </a:pPr>
             <a:r>
-              <a:rPr b="0" lang="de-DE" sz="2000" spc="-1" strike="noStrike">
+              <a:rPr lang="de-DE" sz="2000" b="0" strike="noStrike" spc="-1">
                 <a:solidFill>
                   <a:srgbClr val="000000"/>
                 </a:solidFill>
@@ -5488,15 +6299,9 @@
               </a:rPr>
               <a:t>Dritte Ebene</a:t>
             </a:r>
-            <a:endParaRPr b="0" lang="de-DE" sz="2000" spc="-1" strike="noStrike">
-              <a:solidFill>
-                <a:srgbClr val="000000"/>
-              </a:solidFill>
-              <a:latin typeface="Calibri"/>
-            </a:endParaRPr>
-          </a:p>
-          <a:p>
-            <a:pPr lvl="3" marL="1600200" indent="-228240">
+          </a:p>
+          <a:p>
+            <a:pPr marL="1600200" lvl="3" indent="-228240">
               <a:lnSpc>
                 <a:spcPct val="90000"/>
               </a:lnSpc>
@@ -5510,7 +6315,7 @@
               <a:buChar char="•"/>
             </a:pPr>
             <a:r>
-              <a:rPr b="0" lang="de-DE" sz="1800" spc="-1" strike="noStrike">
+              <a:rPr lang="de-DE" sz="1800" b="0" strike="noStrike" spc="-1">
                 <a:solidFill>
                   <a:srgbClr val="000000"/>
                 </a:solidFill>
@@ -5518,15 +6323,9 @@
               </a:rPr>
               <a:t>Vierte Ebene</a:t>
             </a:r>
-            <a:endParaRPr b="0" lang="de-DE" sz="1800" spc="-1" strike="noStrike">
-              <a:solidFill>
-                <a:srgbClr val="000000"/>
-              </a:solidFill>
-              <a:latin typeface="Calibri"/>
-            </a:endParaRPr>
-          </a:p>
-          <a:p>
-            <a:pPr lvl="4" marL="2057400" indent="-228240">
+          </a:p>
+          <a:p>
+            <a:pPr marL="2057400" lvl="4" indent="-228240">
               <a:lnSpc>
                 <a:spcPct val="90000"/>
               </a:lnSpc>
@@ -5540,7 +6339,7 @@
               <a:buChar char="•"/>
             </a:pPr>
             <a:r>
-              <a:rPr b="0" lang="de-DE" sz="1800" spc="-1" strike="noStrike">
+              <a:rPr lang="de-DE" sz="1800" b="0" strike="noStrike" spc="-1">
                 <a:solidFill>
                   <a:srgbClr val="000000"/>
                 </a:solidFill>
@@ -5548,12 +6347,6 @@
               </a:rPr>
               <a:t>Fünfte Ebene</a:t>
             </a:r>
-            <a:endParaRPr b="0" lang="de-DE" sz="1800" spc="-1" strike="noStrike">
-              <a:solidFill>
-                <a:srgbClr val="000000"/>
-              </a:solidFill>
-              <a:latin typeface="Calibri"/>
-            </a:endParaRPr>
           </a:p>
         </p:txBody>
       </p:sp>
@@ -5580,6 +6373,7 @@
           <a:bodyPr anchor="ctr">
             <a:noAutofit/>
           </a:bodyPr>
+          <a:lstStyle/>
           <a:p>
             <a:pPr>
               <a:lnSpc>
@@ -5587,15 +6381,15 @@
               </a:lnSpc>
             </a:pPr>
             <a:fld id="{59FF4671-81CF-460A-9B1A-E6864B14EAAA}" type="datetime">
-              <a:rPr b="0" lang="de-DE" sz="1200" spc="-1" strike="noStrike">
+              <a:rPr lang="de-DE" sz="1200" b="0" strike="noStrike" spc="-1">
                 <a:solidFill>
-                  <a:srgbClr val="8b8b8b"/>
+                  <a:srgbClr val="8B8B8B"/>
                 </a:solidFill>
                 <a:latin typeface="Calibri"/>
               </a:rPr>
-              <a:t>22.03.21</a:t>
+              <a:t>11.04.21</a:t>
             </a:fld>
-            <a:endParaRPr b="0" lang="de-CH" sz="1200" spc="-1" strike="noStrike">
+            <a:endParaRPr lang="de-CH" sz="1200" b="0" strike="noStrike" spc="-1">
               <a:latin typeface="Times New Roman"/>
             </a:endParaRPr>
           </a:p>
@@ -5624,8 +6418,9 @@
           <a:bodyPr anchor="ctr">
             <a:noAutofit/>
           </a:bodyPr>
-          <a:p>
-            <a:endParaRPr b="0" lang="de-CH" sz="2400" spc="-1" strike="noStrike">
+          <a:lstStyle/>
+          <a:p>
+            <a:endParaRPr lang="de-CH" sz="2400" b="0" strike="noStrike" spc="-1">
               <a:latin typeface="Times New Roman"/>
             </a:endParaRPr>
           </a:p>
@@ -5654,6 +6449,7 @@
           <a:bodyPr anchor="ctr">
             <a:noAutofit/>
           </a:bodyPr>
+          <a:lstStyle/>
           <a:p>
             <a:pPr algn="r">
               <a:lnSpc>
@@ -5661,15 +6457,15 @@
               </a:lnSpc>
             </a:pPr>
             <a:fld id="{4E87C081-CA78-4E55-8EE8-41ED6FE47FF5}" type="slidenum">
-              <a:rPr b="0" lang="de-DE" sz="1200" spc="-1" strike="noStrike">
+              <a:rPr lang="de-DE" sz="1200" b="0" strike="noStrike" spc="-1">
                 <a:solidFill>
-                  <a:srgbClr val="8b8b8b"/>
+                  <a:srgbClr val="8B8B8B"/>
                 </a:solidFill>
                 <a:latin typeface="Calibri"/>
               </a:rPr>
-              <a:t>&lt;number&gt;</a:t>
+              <a:t>‹Nr.›</a:t>
             </a:fld>
-            <a:endParaRPr b="0" lang="de-CH" sz="1200" spc="-1" strike="noStrike">
+            <a:endParaRPr lang="de-CH" sz="1200" b="0" strike="noStrike" spc="-1">
               <a:latin typeface="Times New Roman"/>
             </a:endParaRPr>
           </a:p>
@@ -5677,12 +6473,12 @@
       </p:sp>
       <p:pic>
         <p:nvPicPr>
-          <p:cNvPr id="91" name="Google Shape;20;p4" descr=""/>
+          <p:cNvPr id="91" name="Google Shape;20;p4"/>
           <p:cNvPicPr/>
           <p:nvPr/>
         </p:nvPicPr>
         <p:blipFill>
-          <a:blip r:embed="rId2"/>
+          <a:blip r:embed="rId14"/>
           <a:stretch/>
         </p:blipFill>
         <p:spPr>
@@ -5700,26 +6496,306 @@
       </p:pic>
     </p:spTree>
   </p:cSld>
-  <p:clrMap bg1="lt1" bg2="lt2" tx1="dk1" tx2="dk2" accent1="accent1" accent2="accent2" accent3="accent3" accent4="accent4" accent5="accent5" accent6="accent6" hlink="hlink" folHlink="folHlink"/>
+  <p:clrMap bg1="lt1" tx1="dk1" bg2="lt2" tx2="dk2" accent1="accent1" accent2="accent2" accent3="accent3" accent4="accent4" accent5="accent5" accent6="accent6" hlink="hlink" folHlink="folHlink"/>
   <p:sldLayoutIdLst>
-    <p:sldLayoutId id="2147483675" r:id="rId3"/>
-    <p:sldLayoutId id="2147483676" r:id="rId4"/>
-    <p:sldLayoutId id="2147483677" r:id="rId5"/>
-    <p:sldLayoutId id="2147483678" r:id="rId6"/>
-    <p:sldLayoutId id="2147483679" r:id="rId7"/>
-    <p:sldLayoutId id="2147483680" r:id="rId8"/>
-    <p:sldLayoutId id="2147483681" r:id="rId9"/>
-    <p:sldLayoutId id="2147483682" r:id="rId10"/>
-    <p:sldLayoutId id="2147483683" r:id="rId11"/>
-    <p:sldLayoutId id="2147483684" r:id="rId12"/>
-    <p:sldLayoutId id="2147483685" r:id="rId13"/>
-    <p:sldLayoutId id="2147483686" r:id="rId14"/>
+    <p:sldLayoutId id="2147483675" r:id="rId1"/>
+    <p:sldLayoutId id="2147483676" r:id="rId2"/>
+    <p:sldLayoutId id="2147483677" r:id="rId3"/>
+    <p:sldLayoutId id="2147483678" r:id="rId4"/>
+    <p:sldLayoutId id="2147483679" r:id="rId5"/>
+    <p:sldLayoutId id="2147483680" r:id="rId6"/>
+    <p:sldLayoutId id="2147483681" r:id="rId7"/>
+    <p:sldLayoutId id="2147483682" r:id="rId8"/>
+    <p:sldLayoutId id="2147483683" r:id="rId9"/>
+    <p:sldLayoutId id="2147483684" r:id="rId10"/>
+    <p:sldLayoutId id="2147483685" r:id="rId11"/>
+    <p:sldLayoutId id="2147483686" r:id="rId12"/>
   </p:sldLayoutIdLst>
+  <p:txStyles>
+    <p:titleStyle>
+      <a:lvl1pPr algn="l" defTabSz="914400" rtl="0" eaLnBrk="1" latinLnBrk="0" hangingPunct="1">
+        <a:lnSpc>
+          <a:spcPct val="90000"/>
+        </a:lnSpc>
+        <a:spcBef>
+          <a:spcPct val="0"/>
+        </a:spcBef>
+        <a:buNone/>
+        <a:defRPr sz="4400" kern="1200">
+          <a:solidFill>
+            <a:schemeClr val="tx1"/>
+          </a:solidFill>
+          <a:latin typeface="+mj-lt"/>
+          <a:ea typeface="+mj-ea"/>
+          <a:cs typeface="+mj-cs"/>
+        </a:defRPr>
+      </a:lvl1pPr>
+    </p:titleStyle>
+    <p:bodyStyle>
+      <a:lvl1pPr marL="228600" indent="-228600" algn="l" defTabSz="914400" rtl="0" eaLnBrk="1" latinLnBrk="0" hangingPunct="1">
+        <a:lnSpc>
+          <a:spcPct val="90000"/>
+        </a:lnSpc>
+        <a:spcBef>
+          <a:spcPts val="1000"/>
+        </a:spcBef>
+        <a:buFont typeface="Arial" panose="020B0604020202020204" pitchFamily="34" charset="0"/>
+        <a:buChar char="•"/>
+        <a:defRPr sz="2800" kern="1200">
+          <a:solidFill>
+            <a:schemeClr val="tx1"/>
+          </a:solidFill>
+          <a:latin typeface="+mn-lt"/>
+          <a:ea typeface="+mn-ea"/>
+          <a:cs typeface="+mn-cs"/>
+        </a:defRPr>
+      </a:lvl1pPr>
+      <a:lvl2pPr marL="685800" indent="-228600" algn="l" defTabSz="914400" rtl="0" eaLnBrk="1" latinLnBrk="0" hangingPunct="1">
+        <a:lnSpc>
+          <a:spcPct val="90000"/>
+        </a:lnSpc>
+        <a:spcBef>
+          <a:spcPts val="500"/>
+        </a:spcBef>
+        <a:buFont typeface="Arial" panose="020B0604020202020204" pitchFamily="34" charset="0"/>
+        <a:buChar char="•"/>
+        <a:defRPr sz="2400" kern="1200">
+          <a:solidFill>
+            <a:schemeClr val="tx1"/>
+          </a:solidFill>
+          <a:latin typeface="+mn-lt"/>
+          <a:ea typeface="+mn-ea"/>
+          <a:cs typeface="+mn-cs"/>
+        </a:defRPr>
+      </a:lvl2pPr>
+      <a:lvl3pPr marL="1143000" indent="-228600" algn="l" defTabSz="914400" rtl="0" eaLnBrk="1" latinLnBrk="0" hangingPunct="1">
+        <a:lnSpc>
+          <a:spcPct val="90000"/>
+        </a:lnSpc>
+        <a:spcBef>
+          <a:spcPts val="500"/>
+        </a:spcBef>
+        <a:buFont typeface="Arial" panose="020B0604020202020204" pitchFamily="34" charset="0"/>
+        <a:buChar char="•"/>
+        <a:defRPr sz="2000" kern="1200">
+          <a:solidFill>
+            <a:schemeClr val="tx1"/>
+          </a:solidFill>
+          <a:latin typeface="+mn-lt"/>
+          <a:ea typeface="+mn-ea"/>
+          <a:cs typeface="+mn-cs"/>
+        </a:defRPr>
+      </a:lvl3pPr>
+      <a:lvl4pPr marL="1600200" indent="-228600" algn="l" defTabSz="914400" rtl="0" eaLnBrk="1" latinLnBrk="0" hangingPunct="1">
+        <a:lnSpc>
+          <a:spcPct val="90000"/>
+        </a:lnSpc>
+        <a:spcBef>
+          <a:spcPts val="500"/>
+        </a:spcBef>
+        <a:buFont typeface="Arial" panose="020B0604020202020204" pitchFamily="34" charset="0"/>
+        <a:buChar char="•"/>
+        <a:defRPr sz="1800" kern="1200">
+          <a:solidFill>
+            <a:schemeClr val="tx1"/>
+          </a:solidFill>
+          <a:latin typeface="+mn-lt"/>
+          <a:ea typeface="+mn-ea"/>
+          <a:cs typeface="+mn-cs"/>
+        </a:defRPr>
+      </a:lvl4pPr>
+      <a:lvl5pPr marL="2057400" indent="-228600" algn="l" defTabSz="914400" rtl="0" eaLnBrk="1" latinLnBrk="0" hangingPunct="1">
+        <a:lnSpc>
+          <a:spcPct val="90000"/>
+        </a:lnSpc>
+        <a:spcBef>
+          <a:spcPts val="500"/>
+        </a:spcBef>
+        <a:buFont typeface="Arial" panose="020B0604020202020204" pitchFamily="34" charset="0"/>
+        <a:buChar char="•"/>
+        <a:defRPr sz="1800" kern="1200">
+          <a:solidFill>
+            <a:schemeClr val="tx1"/>
+          </a:solidFill>
+          <a:latin typeface="+mn-lt"/>
+          <a:ea typeface="+mn-ea"/>
+          <a:cs typeface="+mn-cs"/>
+        </a:defRPr>
+      </a:lvl5pPr>
+      <a:lvl6pPr marL="2514600" indent="-228600" algn="l" defTabSz="914400" rtl="0" eaLnBrk="1" latinLnBrk="0" hangingPunct="1">
+        <a:lnSpc>
+          <a:spcPct val="90000"/>
+        </a:lnSpc>
+        <a:spcBef>
+          <a:spcPts val="500"/>
+        </a:spcBef>
+        <a:buFont typeface="Arial" panose="020B0604020202020204" pitchFamily="34" charset="0"/>
+        <a:buChar char="•"/>
+        <a:defRPr sz="1800" kern="1200">
+          <a:solidFill>
+            <a:schemeClr val="tx1"/>
+          </a:solidFill>
+          <a:latin typeface="+mn-lt"/>
+          <a:ea typeface="+mn-ea"/>
+          <a:cs typeface="+mn-cs"/>
+        </a:defRPr>
+      </a:lvl6pPr>
+      <a:lvl7pPr marL="2971800" indent="-228600" algn="l" defTabSz="914400" rtl="0" eaLnBrk="1" latinLnBrk="0" hangingPunct="1">
+        <a:lnSpc>
+          <a:spcPct val="90000"/>
+        </a:lnSpc>
+        <a:spcBef>
+          <a:spcPts val="500"/>
+        </a:spcBef>
+        <a:buFont typeface="Arial" panose="020B0604020202020204" pitchFamily="34" charset="0"/>
+        <a:buChar char="•"/>
+        <a:defRPr sz="1800" kern="1200">
+          <a:solidFill>
+            <a:schemeClr val="tx1"/>
+          </a:solidFill>
+          <a:latin typeface="+mn-lt"/>
+          <a:ea typeface="+mn-ea"/>
+          <a:cs typeface="+mn-cs"/>
+        </a:defRPr>
+      </a:lvl7pPr>
+      <a:lvl8pPr marL="3429000" indent="-228600" algn="l" defTabSz="914400" rtl="0" eaLnBrk="1" latinLnBrk="0" hangingPunct="1">
+        <a:lnSpc>
+          <a:spcPct val="90000"/>
+        </a:lnSpc>
+        <a:spcBef>
+          <a:spcPts val="500"/>
+        </a:spcBef>
+        <a:buFont typeface="Arial" panose="020B0604020202020204" pitchFamily="34" charset="0"/>
+        <a:buChar char="•"/>
+        <a:defRPr sz="1800" kern="1200">
+          <a:solidFill>
+            <a:schemeClr val="tx1"/>
+          </a:solidFill>
+          <a:latin typeface="+mn-lt"/>
+          <a:ea typeface="+mn-ea"/>
+          <a:cs typeface="+mn-cs"/>
+        </a:defRPr>
+      </a:lvl8pPr>
+      <a:lvl9pPr marL="3886200" indent="-228600" algn="l" defTabSz="914400" rtl="0" eaLnBrk="1" latinLnBrk="0" hangingPunct="1">
+        <a:lnSpc>
+          <a:spcPct val="90000"/>
+        </a:lnSpc>
+        <a:spcBef>
+          <a:spcPts val="500"/>
+        </a:spcBef>
+        <a:buFont typeface="Arial" panose="020B0604020202020204" pitchFamily="34" charset="0"/>
+        <a:buChar char="•"/>
+        <a:defRPr sz="1800" kern="1200">
+          <a:solidFill>
+            <a:schemeClr val="tx1"/>
+          </a:solidFill>
+          <a:latin typeface="+mn-lt"/>
+          <a:ea typeface="+mn-ea"/>
+          <a:cs typeface="+mn-cs"/>
+        </a:defRPr>
+      </a:lvl9pPr>
+    </p:bodyStyle>
+    <p:otherStyle>
+      <a:defPPr>
+        <a:defRPr lang="de-DE"/>
+      </a:defPPr>
+      <a:lvl1pPr marL="0" algn="l" defTabSz="914400" rtl="0" eaLnBrk="1" latinLnBrk="0" hangingPunct="1">
+        <a:defRPr sz="1800" kern="1200">
+          <a:solidFill>
+            <a:schemeClr val="tx1"/>
+          </a:solidFill>
+          <a:latin typeface="+mn-lt"/>
+          <a:ea typeface="+mn-ea"/>
+          <a:cs typeface="+mn-cs"/>
+        </a:defRPr>
+      </a:lvl1pPr>
+      <a:lvl2pPr marL="457200" algn="l" defTabSz="914400" rtl="0" eaLnBrk="1" latinLnBrk="0" hangingPunct="1">
+        <a:defRPr sz="1800" kern="1200">
+          <a:solidFill>
+            <a:schemeClr val="tx1"/>
+          </a:solidFill>
+          <a:latin typeface="+mn-lt"/>
+          <a:ea typeface="+mn-ea"/>
+          <a:cs typeface="+mn-cs"/>
+        </a:defRPr>
+      </a:lvl2pPr>
+      <a:lvl3pPr marL="914400" algn="l" defTabSz="914400" rtl="0" eaLnBrk="1" latinLnBrk="0" hangingPunct="1">
+        <a:defRPr sz="1800" kern="1200">
+          <a:solidFill>
+            <a:schemeClr val="tx1"/>
+          </a:solidFill>
+          <a:latin typeface="+mn-lt"/>
+          <a:ea typeface="+mn-ea"/>
+          <a:cs typeface="+mn-cs"/>
+        </a:defRPr>
+      </a:lvl3pPr>
+      <a:lvl4pPr marL="1371600" algn="l" defTabSz="914400" rtl="0" eaLnBrk="1" latinLnBrk="0" hangingPunct="1">
+        <a:defRPr sz="1800" kern="1200">
+          <a:solidFill>
+            <a:schemeClr val="tx1"/>
+          </a:solidFill>
+          <a:latin typeface="+mn-lt"/>
+          <a:ea typeface="+mn-ea"/>
+          <a:cs typeface="+mn-cs"/>
+        </a:defRPr>
+      </a:lvl4pPr>
+      <a:lvl5pPr marL="1828800" algn="l" defTabSz="914400" rtl="0" eaLnBrk="1" latinLnBrk="0" hangingPunct="1">
+        <a:defRPr sz="1800" kern="1200">
+          <a:solidFill>
+            <a:schemeClr val="tx1"/>
+          </a:solidFill>
+          <a:latin typeface="+mn-lt"/>
+          <a:ea typeface="+mn-ea"/>
+          <a:cs typeface="+mn-cs"/>
+        </a:defRPr>
+      </a:lvl5pPr>
+      <a:lvl6pPr marL="2286000" algn="l" defTabSz="914400" rtl="0" eaLnBrk="1" latinLnBrk="0" hangingPunct="1">
+        <a:defRPr sz="1800" kern="1200">
+          <a:solidFill>
+            <a:schemeClr val="tx1"/>
+          </a:solidFill>
+          <a:latin typeface="+mn-lt"/>
+          <a:ea typeface="+mn-ea"/>
+          <a:cs typeface="+mn-cs"/>
+        </a:defRPr>
+      </a:lvl6pPr>
+      <a:lvl7pPr marL="2743200" algn="l" defTabSz="914400" rtl="0" eaLnBrk="1" latinLnBrk="0" hangingPunct="1">
+        <a:defRPr sz="1800" kern="1200">
+          <a:solidFill>
+            <a:schemeClr val="tx1"/>
+          </a:solidFill>
+          <a:latin typeface="+mn-lt"/>
+          <a:ea typeface="+mn-ea"/>
+          <a:cs typeface="+mn-cs"/>
+        </a:defRPr>
+      </a:lvl7pPr>
+      <a:lvl8pPr marL="3200400" algn="l" defTabSz="914400" rtl="0" eaLnBrk="1" latinLnBrk="0" hangingPunct="1">
+        <a:defRPr sz="1800" kern="1200">
+          <a:solidFill>
+            <a:schemeClr val="tx1"/>
+          </a:solidFill>
+          <a:latin typeface="+mn-lt"/>
+          <a:ea typeface="+mn-ea"/>
+          <a:cs typeface="+mn-cs"/>
+        </a:defRPr>
+      </a:lvl8pPr>
+      <a:lvl9pPr marL="3657600" algn="l" defTabSz="914400" rtl="0" eaLnBrk="1" latinLnBrk="0" hangingPunct="1">
+        <a:defRPr sz="1800" kern="1200">
+          <a:solidFill>
+            <a:schemeClr val="tx1"/>
+          </a:solidFill>
+          <a:latin typeface="+mn-lt"/>
+          <a:ea typeface="+mn-ea"/>
+          <a:cs typeface="+mn-cs"/>
+        </a:defRPr>
+      </a:lvl9pPr>
+    </p:otherStyle>
+  </p:txStyles>
 </p:sldMaster>
 </file>
 
 <file path=ppt/slides/slide1.xml><?xml version="1.0" encoding="utf-8"?>
-<p:sld xmlns:a="http://schemas.openxmlformats.org/drawingml/2006/main" xmlns:p="http://schemas.openxmlformats.org/presentationml/2006/main" xmlns:r="http://schemas.openxmlformats.org/officeDocument/2006/relationships" xmlns:p14="http://schemas.microsoft.com/office/powerpoint/2010/main" xmlns:p15="http://schemas.microsoft.com/office/powerpoint/2012/main" xmlns:mc="http://schemas.openxmlformats.org/markup-compatibility/2006">
+<p:sld xmlns:a="http://schemas.openxmlformats.org/drawingml/2006/main" xmlns:r="http://schemas.openxmlformats.org/officeDocument/2006/relationships" xmlns:p="http://schemas.openxmlformats.org/presentationml/2006/main">
   <p:cSld>
     <p:spTree>
       <p:nvGrpSpPr>
@@ -5758,6 +6834,7 @@
           <a:bodyPr anchor="b">
             <a:noAutofit/>
           </a:bodyPr>
+          <a:lstStyle/>
           <a:p>
             <a:pPr algn="ctr">
               <a:lnSpc>
@@ -5765,7 +6842,7 @@
               </a:lnSpc>
             </a:pPr>
             <a:r>
-              <a:rPr b="0" lang="de-DE" sz="6000" spc="-1" strike="noStrike">
+              <a:rPr lang="de-DE" sz="6000" b="0" strike="noStrike" spc="-1">
                 <a:solidFill>
                   <a:srgbClr val="000000"/>
                 </a:solidFill>
@@ -5775,7 +6852,7 @@
             </a:r>
             <a:br/>
             <a:r>
-              <a:rPr b="0" lang="de-DE" sz="6000" spc="-1" strike="noStrike">
+              <a:rPr lang="de-DE" sz="6000" b="0" strike="noStrike" spc="-1">
                 <a:solidFill>
                   <a:srgbClr val="000000"/>
                 </a:solidFill>
@@ -5783,7 +6860,7 @@
               </a:rPr>
               <a:t>PSE 2021</a:t>
             </a:r>
-            <a:endParaRPr b="0" lang="de-DE" sz="6000" spc="-1" strike="noStrike">
+            <a:endParaRPr lang="de-DE" sz="6000" b="0" strike="noStrike" spc="-1">
               <a:solidFill>
                 <a:srgbClr val="000000"/>
               </a:solidFill>
@@ -5794,12 +6871,12 @@
       </p:sp>
       <p:pic>
         <p:nvPicPr>
-          <p:cNvPr id="129" name="Google Shape;60;p13" descr=""/>
+          <p:cNvPr id="129" name="Google Shape;60;p13"/>
           <p:cNvPicPr/>
           <p:nvPr/>
         </p:nvPicPr>
         <p:blipFill>
-          <a:blip r:embed="rId1"/>
+          <a:blip r:embed="rId2"/>
           <a:stretch/>
         </p:blipFill>
         <p:spPr>
@@ -5817,19 +6894,14 @@
       </p:pic>
     </p:spTree>
   </p:cSld>
-  <mc:AlternateContent>
-    <mc:Choice Requires="p14">
-      <p:transition spd="slow" p14:dur="2000"/>
-    </mc:Choice>
-    <mc:Fallback>
-      <p:transition spd="slow"/>
-    </mc:Fallback>
-  </mc:AlternateContent>
+  <p:clrMapOvr>
+    <a:masterClrMapping/>
+  </p:clrMapOvr>
 </p:sld>
 </file>
 
 <file path=ppt/slides/slide10.xml><?xml version="1.0" encoding="utf-8"?>
-<p:sld xmlns:a="http://schemas.openxmlformats.org/drawingml/2006/main" xmlns:p="http://schemas.openxmlformats.org/presentationml/2006/main" xmlns:r="http://schemas.openxmlformats.org/officeDocument/2006/relationships" xmlns:p14="http://schemas.microsoft.com/office/powerpoint/2010/main" xmlns:p15="http://schemas.microsoft.com/office/powerpoint/2012/main" xmlns:mc="http://schemas.openxmlformats.org/markup-compatibility/2006">
+<p:sld xmlns:a="http://schemas.openxmlformats.org/drawingml/2006/main" xmlns:r="http://schemas.openxmlformats.org/officeDocument/2006/relationships" xmlns:p="http://schemas.openxmlformats.org/presentationml/2006/main">
   <p:cSld>
     <p:spTree>
       <p:nvGrpSpPr>
@@ -5868,6 +6940,7 @@
           <a:bodyPr anchor="ctr">
             <a:noAutofit/>
           </a:bodyPr>
+          <a:lstStyle/>
           <a:p>
             <a:pPr>
               <a:lnSpc>
@@ -5875,7 +6948,7 @@
               </a:lnSpc>
             </a:pPr>
             <a:r>
-              <a:rPr b="0" lang="de-DE" sz="4400" spc="-1" strike="noStrike">
+              <a:rPr lang="de-DE" sz="4400" b="0" strike="noStrike" spc="-1">
                 <a:solidFill>
                   <a:srgbClr val="000000"/>
                 </a:solidFill>
@@ -5883,7 +6956,7 @@
               </a:rPr>
               <a:t>Lösungsdokument -FE Handbuch 1</a:t>
             </a:r>
-            <a:endParaRPr b="0" lang="de-DE" sz="4400" spc="-1" strike="noStrike">
+            <a:endParaRPr lang="de-DE" sz="4400" b="0" strike="noStrike" spc="-1">
               <a:solidFill>
                 <a:srgbClr val="000000"/>
               </a:solidFill>
@@ -5894,30 +6967,7 @@
       </p:sp>
       <p:pic>
         <p:nvPicPr>
-          <p:cNvPr id="149" name="" descr=""/>
-          <p:cNvPicPr/>
-          <p:nvPr/>
-        </p:nvPicPr>
-        <p:blipFill>
-          <a:blip r:embed="rId1"/>
-          <a:stretch/>
-        </p:blipFill>
-        <p:spPr>
-          <a:xfrm>
-            <a:off x="622080" y="1440000"/>
-            <a:ext cx="3337920" cy="4686840"/>
-          </a:xfrm>
-          <a:prstGeom prst="rect">
-            <a:avLst/>
-          </a:prstGeom>
-          <a:ln w="0">
-            <a:noFill/>
-          </a:ln>
-        </p:spPr>
-      </p:pic>
-      <p:pic>
-        <p:nvPicPr>
-          <p:cNvPr id="150" name="" descr=""/>
+          <p:cNvPr id="149" name="Grafik 148"/>
           <p:cNvPicPr/>
           <p:nvPr/>
         </p:nvPicPr>
@@ -5927,8 +6977,8 @@
         </p:blipFill>
         <p:spPr>
           <a:xfrm>
-            <a:off x="3732120" y="1800000"/>
-            <a:ext cx="3467880" cy="4690800"/>
+            <a:off x="622080" y="1440000"/>
+            <a:ext cx="3337920" cy="4686840"/>
           </a:xfrm>
           <a:prstGeom prst="rect">
             <a:avLst/>
@@ -5940,7 +6990,7 @@
       </p:pic>
       <p:pic>
         <p:nvPicPr>
-          <p:cNvPr id="151" name="" descr=""/>
+          <p:cNvPr id="150" name="Grafik 149"/>
           <p:cNvPicPr/>
           <p:nvPr/>
         </p:nvPicPr>
@@ -5950,8 +7000,8 @@
         </p:blipFill>
         <p:spPr>
           <a:xfrm>
-            <a:off x="360000" y="4276440"/>
-            <a:ext cx="2717280" cy="2383560"/>
+            <a:off x="3732120" y="1800000"/>
+            <a:ext cx="3467880" cy="4690800"/>
           </a:xfrm>
           <a:prstGeom prst="rect">
             <a:avLst/>
@@ -5963,7 +7013,7 @@
       </p:pic>
       <p:pic>
         <p:nvPicPr>
-          <p:cNvPr id="152" name="" descr=""/>
+          <p:cNvPr id="151" name="Grafik 150"/>
           <p:cNvPicPr/>
           <p:nvPr/>
         </p:nvPicPr>
@@ -5973,8 +7023,8 @@
         </p:blipFill>
         <p:spPr>
           <a:xfrm>
-            <a:off x="5760000" y="1440000"/>
-            <a:ext cx="3263040" cy="4680000"/>
+            <a:off x="360000" y="4276440"/>
+            <a:ext cx="2717280" cy="2383560"/>
           </a:xfrm>
           <a:prstGeom prst="rect">
             <a:avLst/>
@@ -5986,7 +7036,7 @@
       </p:pic>
       <p:pic>
         <p:nvPicPr>
-          <p:cNvPr id="153" name="" descr=""/>
+          <p:cNvPr id="152" name="Grafik 151"/>
           <p:cNvPicPr/>
           <p:nvPr/>
         </p:nvPicPr>
@@ -5996,8 +7046,8 @@
         </p:blipFill>
         <p:spPr>
           <a:xfrm>
-            <a:off x="8838360" y="1440000"/>
-            <a:ext cx="3041640" cy="4320000"/>
+            <a:off x="5760000" y="1440000"/>
+            <a:ext cx="3263040" cy="4680000"/>
           </a:xfrm>
           <a:prstGeom prst="rect">
             <a:avLst/>
@@ -6009,7 +7059,7 @@
       </p:pic>
       <p:pic>
         <p:nvPicPr>
-          <p:cNvPr id="154" name="" descr=""/>
+          <p:cNvPr id="153" name="Grafik 152"/>
           <p:cNvPicPr/>
           <p:nvPr/>
         </p:nvPicPr>
@@ -6019,8 +7069,8 @@
         </p:blipFill>
         <p:spPr>
           <a:xfrm>
-            <a:off x="7380000" y="5518080"/>
-            <a:ext cx="4680000" cy="1141920"/>
+            <a:off x="8838360" y="1440000"/>
+            <a:ext cx="3041640" cy="4320000"/>
           </a:xfrm>
           <a:prstGeom prst="rect">
             <a:avLst/>
@@ -6030,21 +7080,39 @@
           </a:ln>
         </p:spPr>
       </p:pic>
+      <p:pic>
+        <p:nvPicPr>
+          <p:cNvPr id="154" name="Grafik 153"/>
+          <p:cNvPicPr/>
+          <p:nvPr/>
+        </p:nvPicPr>
+        <p:blipFill>
+          <a:blip r:embed="rId7"/>
+          <a:stretch/>
+        </p:blipFill>
+        <p:spPr>
+          <a:xfrm>
+            <a:off x="7380000" y="5518080"/>
+            <a:ext cx="4680000" cy="1141920"/>
+          </a:xfrm>
+          <a:prstGeom prst="rect">
+            <a:avLst/>
+          </a:prstGeom>
+          <a:ln w="0">
+            <a:noFill/>
+          </a:ln>
+        </p:spPr>
+      </p:pic>
     </p:spTree>
   </p:cSld>
-  <mc:AlternateContent>
-    <mc:Choice Requires="p14">
-      <p:transition spd="slow" p14:dur="2000"/>
-    </mc:Choice>
-    <mc:Fallback>
-      <p:transition spd="slow"/>
-    </mc:Fallback>
-  </mc:AlternateContent>
+  <p:clrMapOvr>
+    <a:masterClrMapping/>
+  </p:clrMapOvr>
 </p:sld>
 </file>
 
 <file path=ppt/slides/slide11.xml><?xml version="1.0" encoding="utf-8"?>
-<p:sld xmlns:a="http://schemas.openxmlformats.org/drawingml/2006/main" xmlns:p="http://schemas.openxmlformats.org/presentationml/2006/main" xmlns:r="http://schemas.openxmlformats.org/officeDocument/2006/relationships" xmlns:p14="http://schemas.microsoft.com/office/powerpoint/2010/main" xmlns:p15="http://schemas.microsoft.com/office/powerpoint/2012/main" xmlns:mc="http://schemas.openxmlformats.org/markup-compatibility/2006">
+<p:sld xmlns:a="http://schemas.openxmlformats.org/drawingml/2006/main" xmlns:r="http://schemas.openxmlformats.org/officeDocument/2006/relationships" xmlns:p="http://schemas.openxmlformats.org/presentationml/2006/main">
   <p:cSld>
     <p:spTree>
       <p:nvGrpSpPr>
@@ -6083,6 +7151,7 @@
           <a:bodyPr anchor="ctr">
             <a:noAutofit/>
           </a:bodyPr>
+          <a:lstStyle/>
           <a:p>
             <a:pPr>
               <a:lnSpc>
@@ -6090,7 +7159,7 @@
               </a:lnSpc>
             </a:pPr>
             <a:r>
-              <a:rPr b="0" lang="de-DE" sz="4400" spc="-1" strike="noStrike">
+              <a:rPr lang="de-DE" sz="4400" b="0" strike="noStrike" spc="-1">
                 <a:solidFill>
                   <a:srgbClr val="000000"/>
                 </a:solidFill>
@@ -6098,7 +7167,7 @@
               </a:rPr>
               <a:t>Lösungsdokument -FE Handbuch 2</a:t>
             </a:r>
-            <a:endParaRPr b="0" lang="de-DE" sz="4400" spc="-1" strike="noStrike">
+            <a:endParaRPr lang="de-DE" sz="4400" b="0" strike="noStrike" spc="-1">
               <a:solidFill>
                 <a:srgbClr val="000000"/>
               </a:solidFill>
@@ -6109,30 +7178,7 @@
       </p:sp>
       <p:pic>
         <p:nvPicPr>
-          <p:cNvPr id="156" name="" descr=""/>
-          <p:cNvPicPr/>
-          <p:nvPr/>
-        </p:nvPicPr>
-        <p:blipFill>
-          <a:blip r:embed="rId1"/>
-          <a:stretch/>
-        </p:blipFill>
-        <p:spPr>
-          <a:xfrm>
-            <a:off x="1800000" y="1620000"/>
-            <a:ext cx="3609000" cy="4860000"/>
-          </a:xfrm>
-          <a:prstGeom prst="rect">
-            <a:avLst/>
-          </a:prstGeom>
-          <a:ln w="0">
-            <a:noFill/>
-          </a:ln>
-        </p:spPr>
-      </p:pic>
-      <p:pic>
-        <p:nvPicPr>
-          <p:cNvPr id="157" name="" descr=""/>
+          <p:cNvPr id="156" name="Grafik 155"/>
           <p:cNvPicPr/>
           <p:nvPr/>
         </p:nvPicPr>
@@ -6142,8 +7188,8 @@
         </p:blipFill>
         <p:spPr>
           <a:xfrm>
-            <a:off x="6642000" y="1620000"/>
-            <a:ext cx="3438000" cy="4860000"/>
+            <a:off x="1800000" y="1620000"/>
+            <a:ext cx="3609000" cy="4860000"/>
           </a:xfrm>
           <a:prstGeom prst="rect">
             <a:avLst/>
@@ -6153,21 +7199,39 @@
           </a:ln>
         </p:spPr>
       </p:pic>
+      <p:pic>
+        <p:nvPicPr>
+          <p:cNvPr id="157" name="Grafik 156"/>
+          <p:cNvPicPr/>
+          <p:nvPr/>
+        </p:nvPicPr>
+        <p:blipFill>
+          <a:blip r:embed="rId3"/>
+          <a:stretch/>
+        </p:blipFill>
+        <p:spPr>
+          <a:xfrm>
+            <a:off x="6642000" y="1620000"/>
+            <a:ext cx="3438000" cy="4860000"/>
+          </a:xfrm>
+          <a:prstGeom prst="rect">
+            <a:avLst/>
+          </a:prstGeom>
+          <a:ln w="0">
+            <a:noFill/>
+          </a:ln>
+        </p:spPr>
+      </p:pic>
     </p:spTree>
   </p:cSld>
-  <mc:AlternateContent>
-    <mc:Choice Requires="p14">
-      <p:transition spd="slow" p14:dur="2000"/>
-    </mc:Choice>
-    <mc:Fallback>
-      <p:transition spd="slow"/>
-    </mc:Fallback>
-  </mc:AlternateContent>
+  <p:clrMapOvr>
+    <a:masterClrMapping/>
+  </p:clrMapOvr>
 </p:sld>
 </file>
 
 <file path=ppt/slides/slide12.xml><?xml version="1.0" encoding="utf-8"?>
-<p:sld xmlns:a="http://schemas.openxmlformats.org/drawingml/2006/main" xmlns:p="http://schemas.openxmlformats.org/presentationml/2006/main" xmlns:r="http://schemas.openxmlformats.org/officeDocument/2006/relationships" xmlns:p14="http://schemas.microsoft.com/office/powerpoint/2010/main" xmlns:p15="http://schemas.microsoft.com/office/powerpoint/2012/main" xmlns:mc="http://schemas.openxmlformats.org/markup-compatibility/2006">
+<p:sld xmlns:a="http://schemas.openxmlformats.org/drawingml/2006/main" xmlns:r="http://schemas.openxmlformats.org/officeDocument/2006/relationships" xmlns:p="http://schemas.openxmlformats.org/presentationml/2006/main">
   <p:cSld>
     <p:spTree>
       <p:nvGrpSpPr>
@@ -6206,6 +7270,7 @@
           <a:bodyPr anchor="ctr">
             <a:noAutofit/>
           </a:bodyPr>
+          <a:lstStyle/>
           <a:p>
             <a:pPr>
               <a:lnSpc>
@@ -6213,7 +7278,7 @@
               </a:lnSpc>
             </a:pPr>
             <a:r>
-              <a:rPr b="0" lang="de-DE" sz="4400" spc="-1" strike="noStrike">
+              <a:rPr lang="de-DE" sz="4400" b="0" strike="noStrike" spc="-1">
                 <a:solidFill>
                   <a:srgbClr val="000000"/>
                 </a:solidFill>
@@ -6221,7 +7286,7 @@
               </a:rPr>
               <a:t>Lösungsdokument -FE KLV 1</a:t>
             </a:r>
-            <a:endParaRPr b="0" lang="de-DE" sz="4400" spc="-1" strike="noStrike">
+            <a:endParaRPr lang="de-DE" sz="4400" b="0" strike="noStrike" spc="-1">
               <a:solidFill>
                 <a:srgbClr val="000000"/>
               </a:solidFill>
@@ -6232,30 +7297,7 @@
       </p:sp>
       <p:pic>
         <p:nvPicPr>
-          <p:cNvPr id="159" name="" descr=""/>
-          <p:cNvPicPr/>
-          <p:nvPr/>
-        </p:nvPicPr>
-        <p:blipFill>
-          <a:blip r:embed="rId1"/>
-          <a:stretch/>
-        </p:blipFill>
-        <p:spPr>
-          <a:xfrm>
-            <a:off x="7432560" y="2160000"/>
-            <a:ext cx="3907440" cy="720000"/>
-          </a:xfrm>
-          <a:prstGeom prst="rect">
-            <a:avLst/>
-          </a:prstGeom>
-          <a:ln w="0">
-            <a:noFill/>
-          </a:ln>
-        </p:spPr>
-      </p:pic>
-      <p:pic>
-        <p:nvPicPr>
-          <p:cNvPr id="160" name="" descr=""/>
+          <p:cNvPr id="159" name="Grafik 158"/>
           <p:cNvPicPr/>
           <p:nvPr/>
         </p:nvPicPr>
@@ -6265,8 +7307,8 @@
         </p:blipFill>
         <p:spPr>
           <a:xfrm>
-            <a:off x="3930480" y="1620000"/>
-            <a:ext cx="3269520" cy="4680000"/>
+            <a:off x="7432560" y="2160000"/>
+            <a:ext cx="3907440" cy="720000"/>
           </a:xfrm>
           <a:prstGeom prst="rect">
             <a:avLst/>
@@ -6278,7 +7320,7 @@
       </p:pic>
       <p:pic>
         <p:nvPicPr>
-          <p:cNvPr id="161" name="" descr=""/>
+          <p:cNvPr id="160" name="Grafik 159"/>
           <p:cNvPicPr/>
           <p:nvPr/>
         </p:nvPicPr>
@@ -6288,8 +7330,8 @@
         </p:blipFill>
         <p:spPr>
           <a:xfrm>
-            <a:off x="452880" y="1620000"/>
-            <a:ext cx="3327120" cy="4690800"/>
+            <a:off x="3930480" y="1620000"/>
+            <a:ext cx="3269520" cy="4680000"/>
           </a:xfrm>
           <a:prstGeom prst="rect">
             <a:avLst/>
@@ -6301,7 +7343,7 @@
       </p:pic>
       <p:pic>
         <p:nvPicPr>
-          <p:cNvPr id="162" name="" descr=""/>
+          <p:cNvPr id="161" name="Grafik 160"/>
           <p:cNvPicPr/>
           <p:nvPr/>
         </p:nvPicPr>
@@ -6311,8 +7353,8 @@
         </p:blipFill>
         <p:spPr>
           <a:xfrm>
-            <a:off x="7349760" y="3925080"/>
-            <a:ext cx="4350240" cy="1654920"/>
+            <a:off x="452880" y="1620000"/>
+            <a:ext cx="3327120" cy="4690800"/>
           </a:xfrm>
           <a:prstGeom prst="rect">
             <a:avLst/>
@@ -6322,21 +7364,39 @@
           </a:ln>
         </p:spPr>
       </p:pic>
+      <p:pic>
+        <p:nvPicPr>
+          <p:cNvPr id="162" name="Grafik 161"/>
+          <p:cNvPicPr/>
+          <p:nvPr/>
+        </p:nvPicPr>
+        <p:blipFill>
+          <a:blip r:embed="rId5"/>
+          <a:stretch/>
+        </p:blipFill>
+        <p:spPr>
+          <a:xfrm>
+            <a:off x="7349760" y="3925080"/>
+            <a:ext cx="4350240" cy="1654920"/>
+          </a:xfrm>
+          <a:prstGeom prst="rect">
+            <a:avLst/>
+          </a:prstGeom>
+          <a:ln w="0">
+            <a:noFill/>
+          </a:ln>
+        </p:spPr>
+      </p:pic>
     </p:spTree>
   </p:cSld>
-  <mc:AlternateContent>
-    <mc:Choice Requires="p14">
-      <p:transition spd="slow" p14:dur="2000"/>
-    </mc:Choice>
-    <mc:Fallback>
-      <p:transition spd="slow"/>
-    </mc:Fallback>
-  </mc:AlternateContent>
+  <p:clrMapOvr>
+    <a:masterClrMapping/>
+  </p:clrMapOvr>
 </p:sld>
 </file>
 
 <file path=ppt/slides/slide13.xml><?xml version="1.0" encoding="utf-8"?>
-<p:sld xmlns:a="http://schemas.openxmlformats.org/drawingml/2006/main" xmlns:p="http://schemas.openxmlformats.org/presentationml/2006/main" xmlns:r="http://schemas.openxmlformats.org/officeDocument/2006/relationships" xmlns:p14="http://schemas.microsoft.com/office/powerpoint/2010/main" xmlns:p15="http://schemas.microsoft.com/office/powerpoint/2012/main" xmlns:mc="http://schemas.openxmlformats.org/markup-compatibility/2006">
+<p:sld xmlns:a="http://schemas.openxmlformats.org/drawingml/2006/main" xmlns:r="http://schemas.openxmlformats.org/officeDocument/2006/relationships" xmlns:p="http://schemas.openxmlformats.org/presentationml/2006/main">
   <p:cSld>
     <p:spTree>
       <p:nvGrpSpPr>
@@ -6375,6 +7435,7 @@
           <a:bodyPr anchor="ctr">
             <a:noAutofit/>
           </a:bodyPr>
+          <a:lstStyle/>
           <a:p>
             <a:pPr>
               <a:lnSpc>
@@ -6382,7 +7443,7 @@
               </a:lnSpc>
             </a:pPr>
             <a:r>
-              <a:rPr b="0" lang="de-DE" sz="4400" spc="-1" strike="noStrike">
+              <a:rPr lang="de-DE" sz="4400" b="0" strike="noStrike" spc="-1">
                 <a:solidFill>
                   <a:srgbClr val="000000"/>
                 </a:solidFill>
@@ -6390,7 +7451,7 @@
               </a:rPr>
               <a:t>Lösungsdokument -FE KLV 1a, Kap. I</a:t>
             </a:r>
-            <a:endParaRPr b="0" lang="de-DE" sz="4400" spc="-1" strike="noStrike">
+            <a:endParaRPr lang="de-DE" sz="4400" b="0" strike="noStrike" spc="-1">
               <a:solidFill>
                 <a:srgbClr val="000000"/>
               </a:solidFill>
@@ -6401,30 +7462,7 @@
       </p:sp>
       <p:pic>
         <p:nvPicPr>
-          <p:cNvPr id="164" name="" descr=""/>
-          <p:cNvPicPr/>
-          <p:nvPr/>
-        </p:nvPicPr>
-        <p:blipFill>
-          <a:blip r:embed="rId1"/>
-          <a:stretch/>
-        </p:blipFill>
-        <p:spPr>
-          <a:xfrm>
-            <a:off x="540000" y="1800000"/>
-            <a:ext cx="5973840" cy="1261440"/>
-          </a:xfrm>
-          <a:prstGeom prst="rect">
-            <a:avLst/>
-          </a:prstGeom>
-          <a:ln w="0">
-            <a:noFill/>
-          </a:ln>
-        </p:spPr>
-      </p:pic>
-      <p:pic>
-        <p:nvPicPr>
-          <p:cNvPr id="165" name="" descr=""/>
+          <p:cNvPr id="164" name="Grafik 163"/>
           <p:cNvPicPr/>
           <p:nvPr/>
         </p:nvPicPr>
@@ -6434,8 +7472,8 @@
         </p:blipFill>
         <p:spPr>
           <a:xfrm>
-            <a:off x="1080000" y="3225600"/>
-            <a:ext cx="4860000" cy="3434400"/>
+            <a:off x="540000" y="1800000"/>
+            <a:ext cx="5973840" cy="1261440"/>
           </a:xfrm>
           <a:prstGeom prst="rect">
             <a:avLst/>
@@ -6447,7 +7485,7 @@
       </p:pic>
       <p:pic>
         <p:nvPicPr>
-          <p:cNvPr id="166" name="" descr=""/>
+          <p:cNvPr id="165" name="Grafik 164"/>
           <p:cNvPicPr/>
           <p:nvPr/>
         </p:nvPicPr>
@@ -6457,8 +7495,8 @@
         </p:blipFill>
         <p:spPr>
           <a:xfrm>
-            <a:off x="6660000" y="1800000"/>
-            <a:ext cx="5040000" cy="4599360"/>
+            <a:off x="1080000" y="3225600"/>
+            <a:ext cx="4860000" cy="3434400"/>
           </a:xfrm>
           <a:prstGeom prst="rect">
             <a:avLst/>
@@ -6468,21 +7506,39 @@
           </a:ln>
         </p:spPr>
       </p:pic>
+      <p:pic>
+        <p:nvPicPr>
+          <p:cNvPr id="166" name="Grafik 165"/>
+          <p:cNvPicPr/>
+          <p:nvPr/>
+        </p:nvPicPr>
+        <p:blipFill>
+          <a:blip r:embed="rId4"/>
+          <a:stretch/>
+        </p:blipFill>
+        <p:spPr>
+          <a:xfrm>
+            <a:off x="6660000" y="1800000"/>
+            <a:ext cx="5040000" cy="4599360"/>
+          </a:xfrm>
+          <a:prstGeom prst="rect">
+            <a:avLst/>
+          </a:prstGeom>
+          <a:ln w="0">
+            <a:noFill/>
+          </a:ln>
+        </p:spPr>
+      </p:pic>
     </p:spTree>
   </p:cSld>
-  <mc:AlternateContent>
-    <mc:Choice Requires="p14">
-      <p:transition spd="slow" p14:dur="2000"/>
-    </mc:Choice>
-    <mc:Fallback>
-      <p:transition spd="slow"/>
-    </mc:Fallback>
-  </mc:AlternateContent>
+  <p:clrMapOvr>
+    <a:masterClrMapping/>
+  </p:clrMapOvr>
 </p:sld>
 </file>
 
 <file path=ppt/slides/slide14.xml><?xml version="1.0" encoding="utf-8"?>
-<p:sld xmlns:a="http://schemas.openxmlformats.org/drawingml/2006/main" xmlns:p="http://schemas.openxmlformats.org/presentationml/2006/main" xmlns:r="http://schemas.openxmlformats.org/officeDocument/2006/relationships" xmlns:p14="http://schemas.microsoft.com/office/powerpoint/2010/main" xmlns:p15="http://schemas.microsoft.com/office/powerpoint/2012/main" xmlns:mc="http://schemas.openxmlformats.org/markup-compatibility/2006">
+<p:sld xmlns:a="http://schemas.openxmlformats.org/drawingml/2006/main" xmlns:r="http://schemas.openxmlformats.org/officeDocument/2006/relationships" xmlns:p="http://schemas.openxmlformats.org/presentationml/2006/main">
   <p:cSld>
     <p:spTree>
       <p:nvGrpSpPr>
@@ -6521,6 +7577,7 @@
           <a:bodyPr anchor="ctr">
             <a:noAutofit/>
           </a:bodyPr>
+          <a:lstStyle/>
           <a:p>
             <a:pPr>
               <a:lnSpc>
@@ -6528,7 +7585,7 @@
               </a:lnSpc>
             </a:pPr>
             <a:r>
-              <a:rPr b="0" lang="de-DE" sz="4400" spc="-1" strike="noStrike">
+              <a:rPr lang="de-DE" sz="4400" b="0" strike="noStrike" spc="-1">
                 <a:solidFill>
                   <a:srgbClr val="000000"/>
                 </a:solidFill>
@@ -6536,7 +7593,7 @@
               </a:rPr>
               <a:t>Lösungsdokument -FE KLV 1a, Kap. II</a:t>
             </a:r>
-            <a:endParaRPr b="0" lang="de-DE" sz="4400" spc="-1" strike="noStrike">
+            <a:endParaRPr lang="de-DE" sz="4400" b="0" strike="noStrike" spc="-1">
               <a:solidFill>
                 <a:srgbClr val="000000"/>
               </a:solidFill>
@@ -6547,30 +7604,7 @@
       </p:sp>
       <p:pic>
         <p:nvPicPr>
-          <p:cNvPr id="168" name="" descr=""/>
-          <p:cNvPicPr/>
-          <p:nvPr/>
-        </p:nvPicPr>
-        <p:blipFill>
-          <a:blip r:embed="rId1"/>
-          <a:stretch/>
-        </p:blipFill>
-        <p:spPr>
-          <a:xfrm>
-            <a:off x="2520000" y="2700000"/>
-            <a:ext cx="5500800" cy="3960000"/>
-          </a:xfrm>
-          <a:prstGeom prst="rect">
-            <a:avLst/>
-          </a:prstGeom>
-          <a:ln w="0">
-            <a:noFill/>
-          </a:ln>
-        </p:spPr>
-      </p:pic>
-      <p:pic>
-        <p:nvPicPr>
-          <p:cNvPr id="169" name="" descr=""/>
+          <p:cNvPr id="168" name="Grafik 167"/>
           <p:cNvPicPr/>
           <p:nvPr/>
         </p:nvPicPr>
@@ -6580,8 +7614,8 @@
         </p:blipFill>
         <p:spPr>
           <a:xfrm>
-            <a:off x="720000" y="1502640"/>
-            <a:ext cx="4902480" cy="1017360"/>
+            <a:off x="2520000" y="2700000"/>
+            <a:ext cx="5500800" cy="3960000"/>
           </a:xfrm>
           <a:prstGeom prst="rect">
             <a:avLst/>
@@ -6593,7 +7627,7 @@
       </p:pic>
       <p:pic>
         <p:nvPicPr>
-          <p:cNvPr id="170" name="" descr=""/>
+          <p:cNvPr id="169" name="Grafik 168"/>
           <p:cNvPicPr/>
           <p:nvPr/>
         </p:nvPicPr>
@@ -6603,8 +7637,8 @@
         </p:blipFill>
         <p:spPr>
           <a:xfrm>
-            <a:off x="8727120" y="1440000"/>
-            <a:ext cx="2072880" cy="5220000"/>
+            <a:off x="720000" y="1502640"/>
+            <a:ext cx="4902480" cy="1017360"/>
           </a:xfrm>
           <a:prstGeom prst="rect">
             <a:avLst/>
@@ -6614,21 +7648,39 @@
           </a:ln>
         </p:spPr>
       </p:pic>
+      <p:pic>
+        <p:nvPicPr>
+          <p:cNvPr id="170" name="Grafik 169"/>
+          <p:cNvPicPr/>
+          <p:nvPr/>
+        </p:nvPicPr>
+        <p:blipFill>
+          <a:blip r:embed="rId4"/>
+          <a:stretch/>
+        </p:blipFill>
+        <p:spPr>
+          <a:xfrm>
+            <a:off x="8727120" y="1440000"/>
+            <a:ext cx="2072880" cy="5220000"/>
+          </a:xfrm>
+          <a:prstGeom prst="rect">
+            <a:avLst/>
+          </a:prstGeom>
+          <a:ln w="0">
+            <a:noFill/>
+          </a:ln>
+        </p:spPr>
+      </p:pic>
     </p:spTree>
   </p:cSld>
-  <mc:AlternateContent>
-    <mc:Choice Requires="p14">
-      <p:transition spd="slow" p14:dur="2000"/>
-    </mc:Choice>
-    <mc:Fallback>
-      <p:transition spd="slow"/>
-    </mc:Fallback>
-  </mc:AlternateContent>
+  <p:clrMapOvr>
+    <a:masterClrMapping/>
+  </p:clrMapOvr>
 </p:sld>
 </file>
 
 <file path=ppt/slides/slide15.xml><?xml version="1.0" encoding="utf-8"?>
-<p:sld xmlns:a="http://schemas.openxmlformats.org/drawingml/2006/main" xmlns:p="http://schemas.openxmlformats.org/presentationml/2006/main" xmlns:r="http://schemas.openxmlformats.org/officeDocument/2006/relationships" xmlns:p14="http://schemas.microsoft.com/office/powerpoint/2010/main" xmlns:p15="http://schemas.microsoft.com/office/powerpoint/2012/main" xmlns:mc="http://schemas.openxmlformats.org/markup-compatibility/2006">
+<p:sld xmlns:a="http://schemas.openxmlformats.org/drawingml/2006/main" xmlns:r="http://schemas.openxmlformats.org/officeDocument/2006/relationships" xmlns:p="http://schemas.openxmlformats.org/presentationml/2006/main">
   <p:cSld>
     <p:spTree>
       <p:nvGrpSpPr>
@@ -6667,6 +7719,7 @@
           <a:bodyPr anchor="ctr">
             <a:noAutofit/>
           </a:bodyPr>
+          <a:lstStyle/>
           <a:p>
             <a:pPr>
               <a:lnSpc>
@@ -6674,7 +7727,7 @@
               </a:lnSpc>
             </a:pPr>
             <a:r>
-              <a:rPr b="0" lang="de-DE" sz="4400" spc="-1" strike="noStrike">
+              <a:rPr lang="de-DE" sz="4400" b="0" strike="noStrike" spc="-1">
                 <a:solidFill>
                   <a:srgbClr val="000000"/>
                 </a:solidFill>
@@ -6682,7 +7735,7 @@
               </a:rPr>
               <a:t>2. Iteration</a:t>
             </a:r>
-            <a:endParaRPr b="0" lang="de-DE" sz="4400" spc="-1" strike="noStrike">
+            <a:endParaRPr lang="de-DE" sz="4400" b="0" strike="noStrike" spc="-1">
               <a:solidFill>
                 <a:srgbClr val="000000"/>
               </a:solidFill>
@@ -6714,6 +7767,7 @@
           <a:bodyPr>
             <a:noAutofit/>
           </a:bodyPr>
+          <a:lstStyle/>
           <a:p>
             <a:pPr marL="432000" indent="-324000">
               <a:spcBef>
@@ -6727,7 +7781,7 @@
               <a:buChar char=""/>
             </a:pPr>
             <a:r>
-              <a:rPr b="0" lang="de-DE" sz="2800" spc="-1" strike="noStrike">
+              <a:rPr lang="de-DE" sz="2800" b="0" strike="noStrike" spc="-1">
                 <a:solidFill>
                   <a:srgbClr val="000000"/>
                 </a:solidFill>
@@ -6735,30 +7789,19 @@
               </a:rPr>
               <a:t>Vorschlag Task für 2. Iteration</a:t>
             </a:r>
-            <a:endParaRPr b="0" lang="de-DE" sz="2800" spc="-1" strike="noStrike">
-              <a:solidFill>
-                <a:srgbClr val="000000"/>
-              </a:solidFill>
-              <a:latin typeface="Calibri"/>
-            </a:endParaRPr>
           </a:p>
         </p:txBody>
       </p:sp>
     </p:spTree>
   </p:cSld>
-  <mc:AlternateContent>
-    <mc:Choice Requires="p14">
-      <p:transition spd="slow" p14:dur="2000"/>
-    </mc:Choice>
-    <mc:Fallback>
-      <p:transition spd="slow"/>
-    </mc:Fallback>
-  </mc:AlternateContent>
+  <p:clrMapOvr>
+    <a:masterClrMapping/>
+  </p:clrMapOvr>
 </p:sld>
 </file>
 
 <file path=ppt/slides/slide2.xml><?xml version="1.0" encoding="utf-8"?>
-<p:sld xmlns:a="http://schemas.openxmlformats.org/drawingml/2006/main" xmlns:p="http://schemas.openxmlformats.org/presentationml/2006/main" xmlns:r="http://schemas.openxmlformats.org/officeDocument/2006/relationships" xmlns:p14="http://schemas.microsoft.com/office/powerpoint/2010/main" xmlns:p15="http://schemas.microsoft.com/office/powerpoint/2012/main" xmlns:mc="http://schemas.openxmlformats.org/markup-compatibility/2006">
+<p:sld xmlns:a="http://schemas.openxmlformats.org/drawingml/2006/main" xmlns:r="http://schemas.openxmlformats.org/officeDocument/2006/relationships" xmlns:p="http://schemas.openxmlformats.org/presentationml/2006/main">
   <p:cSld>
     <p:spTree>
       <p:nvGrpSpPr>
@@ -6797,6 +7840,7 @@
           <a:bodyPr anchor="ctr">
             <a:noAutofit/>
           </a:bodyPr>
+          <a:lstStyle/>
           <a:p>
             <a:pPr>
               <a:lnSpc>
@@ -6804,7 +7848,7 @@
               </a:lnSpc>
             </a:pPr>
             <a:r>
-              <a:rPr b="0" lang="de-DE" sz="4400" spc="-1" strike="noStrike">
+              <a:rPr lang="de-DE" sz="4400" b="0" strike="noStrike" spc="-1">
                 <a:solidFill>
                   <a:srgbClr val="000000"/>
                 </a:solidFill>
@@ -6812,7 +7856,7 @@
               </a:rPr>
               <a:t>Traktanden</a:t>
             </a:r>
-            <a:endParaRPr b="0" lang="de-DE" sz="4400" spc="-1" strike="noStrike">
+            <a:endParaRPr lang="de-DE" sz="4400" b="0" strike="noStrike" spc="-1">
               <a:solidFill>
                 <a:srgbClr val="000000"/>
               </a:solidFill>
@@ -6844,6 +7888,7 @@
           <a:bodyPr>
             <a:noAutofit/>
           </a:bodyPr>
+          <a:lstStyle/>
           <a:p>
             <a:pPr marL="228600" indent="-228240" algn="just">
               <a:lnSpc>
@@ -6862,15 +7907,15 @@
               <a:buChar char="•"/>
             </a:pPr>
             <a:r>
-              <a:rPr b="0" lang="de-DE" sz="2800" spc="-1" strike="noStrike">
+              <a:rPr lang="de-DE" sz="2800" b="0" strike="noStrike" spc="-1" dirty="0">
                 <a:solidFill>
                   <a:srgbClr val="000000"/>
                 </a:solidFill>
                 <a:latin typeface="Calibri"/>
               </a:rPr>
-              <a:t>Stand der Einarbeitung</a:t>
+              <a:t>Milestone 1</a:t>
             </a:r>
-            <a:endParaRPr b="0" lang="de-DE" sz="2800" spc="-1" strike="noStrike">
+            <a:endParaRPr lang="de-DE" sz="2800" b="0" strike="noStrike" spc="-1" dirty="0">
               <a:solidFill>
                 <a:srgbClr val="000000"/>
               </a:solidFill>
@@ -6896,21 +7941,14 @@
               <a:buChar char="•"/>
             </a:pPr>
             <a:r>
-              <a:rPr b="0" lang="de-DE" sz="2800" spc="-1" strike="noStrike">
+              <a:rPr lang="de-DE" sz="2800" b="0" strike="noStrike" spc="-1" dirty="0">
                 <a:solidFill>
                   <a:srgbClr val="000000"/>
                 </a:solidFill>
                 <a:latin typeface="Calibri"/>
               </a:rPr>
-              <a:t>Lösungsdokument und Fragen</a:t>
+              <a:t>Demo</a:t>
             </a:r>
-            <a:endParaRPr b="0" lang="de-DE" sz="2800" spc="-1" strike="noStrike">
-              <a:solidFill>
-                <a:srgbClr val="000000"/>
-              </a:solidFill>
-              <a:latin typeface="Calibri"/>
-              <a:ea typeface="Noto Sans CJK SC"/>
-            </a:endParaRPr>
           </a:p>
           <a:p>
             <a:pPr marL="228600" indent="-228240" algn="just">
@@ -6930,15 +7968,49 @@
               <a:buChar char="•"/>
             </a:pPr>
             <a:r>
-              <a:rPr b="0" lang="de-DE" sz="2800" spc="-1" strike="noStrike">
+              <a:rPr lang="de-DE" sz="2800" spc="-1" dirty="0">
                 <a:solidFill>
                   <a:srgbClr val="000000"/>
                 </a:solidFill>
                 <a:latin typeface="Calibri"/>
               </a:rPr>
-              <a:t>2. Iteration</a:t>
+              <a:t>Fragen und Rückmeldungen </a:t>
             </a:r>
-            <a:endParaRPr b="0" lang="de-DE" sz="2800" spc="-1" strike="noStrike">
+            <a:endParaRPr lang="de-DE" sz="2800" b="0" strike="noStrike" spc="-1" dirty="0">
+              <a:solidFill>
+                <a:srgbClr val="000000"/>
+              </a:solidFill>
+              <a:latin typeface="Calibri"/>
+            </a:endParaRPr>
+          </a:p>
+          <a:p>
+            <a:pPr marL="228600" indent="-228240" algn="just">
+              <a:lnSpc>
+                <a:spcPct val="90000"/>
+              </a:lnSpc>
+              <a:spcBef>
+                <a:spcPts val="1568"/>
+              </a:spcBef>
+              <a:spcAft>
+                <a:spcPts val="567"/>
+              </a:spcAft>
+              <a:buClr>
+                <a:srgbClr val="000000"/>
+              </a:buClr>
+              <a:buFont typeface="Arial"/>
+              <a:buChar char="•"/>
+            </a:pPr>
+            <a:r>
+              <a:rPr lang="de-DE" sz="2800" spc="-1" dirty="0">
+                <a:solidFill>
+                  <a:srgbClr val="000000"/>
+                </a:solidFill>
+                <a:latin typeface="Calibri"/>
+                <a:ea typeface="Noto Sans CJK SC"/>
+              </a:rPr>
+              <a:t>Milestone 2</a:t>
+            </a:r>
+            <a:endParaRPr lang="de-DE" sz="2800" b="0" strike="noStrike" spc="-1" dirty="0">
               <a:solidFill>
                 <a:srgbClr val="000000"/>
               </a:solidFill>
@@ -6950,19 +8022,14 @@
       </p:sp>
     </p:spTree>
   </p:cSld>
-  <mc:AlternateContent>
-    <mc:Choice Requires="p14">
-      <p:transition spd="slow" p14:dur="2000"/>
-    </mc:Choice>
-    <mc:Fallback>
-      <p:transition spd="slow"/>
-    </mc:Fallback>
-  </mc:AlternateContent>
+  <p:clrMapOvr>
+    <a:masterClrMapping/>
+  </p:clrMapOvr>
 </p:sld>
 </file>
 
 <file path=ppt/slides/slide3.xml><?xml version="1.0" encoding="utf-8"?>
-<p:sld xmlns:a="http://schemas.openxmlformats.org/drawingml/2006/main" xmlns:p="http://schemas.openxmlformats.org/presentationml/2006/main" xmlns:r="http://schemas.openxmlformats.org/officeDocument/2006/relationships" xmlns:p14="http://schemas.microsoft.com/office/powerpoint/2010/main" xmlns:p15="http://schemas.microsoft.com/office/powerpoint/2012/main" xmlns:mc="http://schemas.openxmlformats.org/markup-compatibility/2006">
+<p:sld xmlns:a="http://schemas.openxmlformats.org/drawingml/2006/main" xmlns:r="http://schemas.openxmlformats.org/officeDocument/2006/relationships" xmlns:p="http://schemas.openxmlformats.org/presentationml/2006/main">
   <p:cSld>
     <p:spTree>
       <p:nvGrpSpPr>
@@ -7001,6 +8068,7 @@
           <a:bodyPr anchor="ctr">
             <a:noAutofit/>
           </a:bodyPr>
+          <a:lstStyle/>
           <a:p>
             <a:pPr>
               <a:lnSpc>
@@ -7008,7 +8076,7 @@
               </a:lnSpc>
             </a:pPr>
             <a:r>
-              <a:rPr b="0" lang="de-DE" sz="4400" spc="-1" strike="noStrike">
+              <a:rPr lang="de-DE" sz="4400" b="0" strike="noStrike" spc="-1">
                 <a:solidFill>
                   <a:srgbClr val="000000"/>
                 </a:solidFill>
@@ -7016,7 +8084,7 @@
               </a:rPr>
               <a:t>Stand der Einarbeitung</a:t>
             </a:r>
-            <a:endParaRPr b="0" lang="de-DE" sz="4400" spc="-1" strike="noStrike">
+            <a:endParaRPr lang="de-DE" sz="4400" b="0" strike="noStrike" spc="-1">
               <a:solidFill>
                 <a:srgbClr val="000000"/>
               </a:solidFill>
@@ -7048,6 +8116,7 @@
           <a:bodyPr>
             <a:noAutofit/>
           </a:bodyPr>
+          <a:lstStyle/>
           <a:p>
             <a:pPr marL="228600" indent="-228240" algn="just">
               <a:lnSpc>
@@ -7066,7 +8135,7 @@
               <a:buChar char="•"/>
             </a:pPr>
             <a:r>
-              <a:rPr b="0" lang="de-DE" sz="2800" spc="-1" strike="noStrike">
+              <a:rPr lang="de-DE" sz="2800" b="0" strike="noStrike" spc="-1">
                 <a:solidFill>
                   <a:srgbClr val="000000"/>
                 </a:solidFill>
@@ -7074,7 +8143,7 @@
               </a:rPr>
               <a:t>Task zur Einarbeitung fast beendet</a:t>
             </a:r>
-            <a:endParaRPr b="0" lang="de-DE" sz="2800" spc="-1" strike="noStrike">
+            <a:endParaRPr lang="de-DE" sz="2800" b="0" strike="noStrike" spc="-1">
               <a:solidFill>
                 <a:srgbClr val="000000"/>
               </a:solidFill>
@@ -7100,7 +8169,7 @@
               <a:buChar char="•"/>
             </a:pPr>
             <a:r>
-              <a:rPr b="0" lang="de-DE" sz="2800" spc="-1" strike="noStrike">
+              <a:rPr lang="de-DE" sz="2800" b="0" strike="noStrike" spc="-1">
                 <a:solidFill>
                   <a:srgbClr val="000000"/>
                 </a:solidFill>
@@ -7108,7 +8177,7 @@
               </a:rPr>
               <a:t>Lösungsdokument erarbeited</a:t>
             </a:r>
-            <a:endParaRPr b="0" lang="de-DE" sz="2800" spc="-1" strike="noStrike">
+            <a:endParaRPr lang="de-DE" sz="2800" b="0" strike="noStrike" spc="-1">
               <a:solidFill>
                 <a:srgbClr val="000000"/>
               </a:solidFill>
@@ -7134,7 +8203,7 @@
               <a:buChar char="•"/>
             </a:pPr>
             <a:r>
-              <a:rPr b="0" lang="de-DE" sz="2800" spc="-1" strike="noStrike">
+              <a:rPr lang="de-DE" sz="2800" b="0" strike="noStrike" spc="-1">
                 <a:solidFill>
                   <a:srgbClr val="000000"/>
                 </a:solidFill>
@@ -7142,7 +8211,7 @@
               </a:rPr>
               <a:t>Task zu den User Stories definiert</a:t>
             </a:r>
-            <a:endParaRPr b="0" lang="de-DE" sz="2800" spc="-1" strike="noStrike">
+            <a:endParaRPr lang="de-DE" sz="2800" b="0" strike="noStrike" spc="-1">
               <a:solidFill>
                 <a:srgbClr val="000000"/>
               </a:solidFill>
@@ -7167,7 +8236,7 @@
               <a:buFont typeface="Arial"/>
               <a:buChar char="•"/>
             </a:pPr>
-            <a:endParaRPr b="0" lang="de-DE" sz="2800" spc="-1" strike="noStrike">
+            <a:endParaRPr lang="de-DE" sz="2800" b="0" strike="noStrike" spc="-1">
               <a:solidFill>
                 <a:srgbClr val="000000"/>
               </a:solidFill>
@@ -7179,19 +8248,14 @@
       </p:sp>
     </p:spTree>
   </p:cSld>
-  <mc:AlternateContent>
-    <mc:Choice Requires="p14">
-      <p:transition spd="slow" p14:dur="2000"/>
-    </mc:Choice>
-    <mc:Fallback>
-      <p:transition spd="slow"/>
-    </mc:Fallback>
-  </mc:AlternateContent>
+  <p:clrMapOvr>
+    <a:masterClrMapping/>
+  </p:clrMapOvr>
 </p:sld>
 </file>
 
 <file path=ppt/slides/slide4.xml><?xml version="1.0" encoding="utf-8"?>
-<p:sld xmlns:a="http://schemas.openxmlformats.org/drawingml/2006/main" xmlns:p="http://schemas.openxmlformats.org/presentationml/2006/main" xmlns:r="http://schemas.openxmlformats.org/officeDocument/2006/relationships" xmlns:p14="http://schemas.microsoft.com/office/powerpoint/2010/main" xmlns:p15="http://schemas.microsoft.com/office/powerpoint/2012/main" xmlns:mc="http://schemas.openxmlformats.org/markup-compatibility/2006">
+<p:sld xmlns:a="http://schemas.openxmlformats.org/drawingml/2006/main" xmlns:r="http://schemas.openxmlformats.org/officeDocument/2006/relationships" xmlns:p="http://schemas.openxmlformats.org/presentationml/2006/main">
   <p:cSld>
     <p:spTree>
       <p:nvGrpSpPr>
@@ -7230,6 +8294,7 @@
           <a:bodyPr anchor="ctr">
             <a:noAutofit/>
           </a:bodyPr>
+          <a:lstStyle/>
           <a:p>
             <a:pPr>
               <a:lnSpc>
@@ -7237,7 +8302,7 @@
               </a:lnSpc>
             </a:pPr>
             <a:r>
-              <a:rPr b="0" lang="de-DE" sz="4400" spc="-1" strike="noStrike">
+              <a:rPr lang="de-DE" sz="4400" b="0" strike="noStrike" spc="-1">
                 <a:solidFill>
                   <a:srgbClr val="000000"/>
                 </a:solidFill>
@@ -7245,7 +8310,7 @@
               </a:rPr>
               <a:t>Lösungsdokument -Webcrawler</a:t>
             </a:r>
-            <a:endParaRPr b="0" lang="de-DE" sz="4400" spc="-1" strike="noStrike">
+            <a:endParaRPr lang="de-DE" sz="4400" b="0" strike="noStrike" spc="-1">
               <a:solidFill>
                 <a:srgbClr val="000000"/>
               </a:solidFill>
@@ -7256,19 +8321,14 @@
       </p:sp>
     </p:spTree>
   </p:cSld>
-  <mc:AlternateContent>
-    <mc:Choice Requires="p14">
-      <p:transition spd="slow" p14:dur="2000"/>
-    </mc:Choice>
-    <mc:Fallback>
-      <p:transition spd="slow"/>
-    </mc:Fallback>
-  </mc:AlternateContent>
+  <p:clrMapOvr>
+    <a:masterClrMapping/>
+  </p:clrMapOvr>
 </p:sld>
 </file>
 
 <file path=ppt/slides/slide5.xml><?xml version="1.0" encoding="utf-8"?>
-<p:sld xmlns:a="http://schemas.openxmlformats.org/drawingml/2006/main" xmlns:p="http://schemas.openxmlformats.org/presentationml/2006/main" xmlns:r="http://schemas.openxmlformats.org/officeDocument/2006/relationships" xmlns:p14="http://schemas.microsoft.com/office/powerpoint/2010/main" xmlns:p15="http://schemas.microsoft.com/office/powerpoint/2012/main" xmlns:mc="http://schemas.openxmlformats.org/markup-compatibility/2006">
+<p:sld xmlns:a="http://schemas.openxmlformats.org/drawingml/2006/main" xmlns:r="http://schemas.openxmlformats.org/officeDocument/2006/relationships" xmlns:p="http://schemas.openxmlformats.org/presentationml/2006/main">
   <p:cSld>
     <p:spTree>
       <p:nvGrpSpPr>
@@ -7307,6 +8367,7 @@
           <a:bodyPr anchor="ctr">
             <a:noAutofit/>
           </a:bodyPr>
+          <a:lstStyle/>
           <a:p>
             <a:pPr>
               <a:lnSpc>
@@ -7314,7 +8375,7 @@
               </a:lnSpc>
             </a:pPr>
             <a:r>
-              <a:rPr b="0" lang="de-DE" sz="4400" spc="-1" strike="noStrike">
+              <a:rPr lang="de-DE" sz="4400" b="0" strike="noStrike" spc="-1">
                 <a:solidFill>
                   <a:srgbClr val="000000"/>
                 </a:solidFill>
@@ -7322,7 +8383,7 @@
               </a:rPr>
               <a:t>Lösungsdokument -Parser</a:t>
             </a:r>
-            <a:endParaRPr b="0" lang="de-DE" sz="4400" spc="-1" strike="noStrike">
+            <a:endParaRPr lang="de-DE" sz="4400" b="0" strike="noStrike" spc="-1">
               <a:solidFill>
                 <a:srgbClr val="000000"/>
               </a:solidFill>
@@ -7333,19 +8394,14 @@
       </p:sp>
     </p:spTree>
   </p:cSld>
-  <mc:AlternateContent>
-    <mc:Choice Requires="p14">
-      <p:transition spd="slow" p14:dur="2000"/>
-    </mc:Choice>
-    <mc:Fallback>
-      <p:transition spd="slow"/>
-    </mc:Fallback>
-  </mc:AlternateContent>
+  <p:clrMapOvr>
+    <a:masterClrMapping/>
+  </p:clrMapOvr>
 </p:sld>
 </file>
 
 <file path=ppt/slides/slide6.xml><?xml version="1.0" encoding="utf-8"?>
-<p:sld xmlns:a="http://schemas.openxmlformats.org/drawingml/2006/main" xmlns:p="http://schemas.openxmlformats.org/presentationml/2006/main" xmlns:r="http://schemas.openxmlformats.org/officeDocument/2006/relationships" xmlns:p14="http://schemas.microsoft.com/office/powerpoint/2010/main" xmlns:p15="http://schemas.microsoft.com/office/powerpoint/2012/main" xmlns:mc="http://schemas.openxmlformats.org/markup-compatibility/2006">
+<p:sld xmlns:a="http://schemas.openxmlformats.org/drawingml/2006/main" xmlns:r="http://schemas.openxmlformats.org/officeDocument/2006/relationships" xmlns:p="http://schemas.openxmlformats.org/presentationml/2006/main">
   <p:cSld>
     <p:spTree>
       <p:nvGrpSpPr>
@@ -7384,6 +8440,7 @@
           <a:bodyPr anchor="ctr">
             <a:noAutofit/>
           </a:bodyPr>
+          <a:lstStyle/>
           <a:p>
             <a:pPr>
               <a:lnSpc>
@@ -7391,7 +8448,7 @@
               </a:lnSpc>
             </a:pPr>
             <a:r>
-              <a:rPr b="0" lang="de-DE" sz="4400" spc="-1" strike="noStrike">
+              <a:rPr lang="de-DE" sz="4400" b="0" strike="noStrike" spc="-1">
                 <a:solidFill>
                   <a:srgbClr val="000000"/>
                 </a:solidFill>
@@ -7399,7 +8456,7 @@
               </a:rPr>
               <a:t>Lösungsdokument -DB Schema</a:t>
             </a:r>
-            <a:endParaRPr b="0" lang="de-DE" sz="4400" spc="-1" strike="noStrike">
+            <a:endParaRPr lang="de-DE" sz="4400" b="0" strike="noStrike" spc="-1">
               <a:solidFill>
                 <a:srgbClr val="000000"/>
               </a:solidFill>
@@ -7410,12 +8467,12 @@
       </p:sp>
       <p:pic>
         <p:nvPicPr>
-          <p:cNvPr id="137" name="" descr=""/>
+          <p:cNvPr id="137" name="Grafik 136"/>
           <p:cNvPicPr/>
           <p:nvPr/>
         </p:nvPicPr>
         <p:blipFill>
-          <a:blip r:embed="rId1"/>
+          <a:blip r:embed="rId2"/>
           <a:stretch/>
         </p:blipFill>
         <p:spPr>
@@ -7433,7 +8490,7 @@
       </p:pic>
       <p:sp>
         <p:nvSpPr>
-          <p:cNvPr id="138" name=""/>
+          <p:cNvPr id="138" name="Textfeld 137"/>
           <p:cNvSpPr txBox="1"/>
           <p:nvPr/>
         </p:nvSpPr>
@@ -7451,44 +8508,37 @@
           </a:ln>
         </p:spPr>
         <p:txBody>
-          <a:bodyPr lIns="90000" rIns="90000" tIns="45000" bIns="45000">
+          <a:bodyPr lIns="90000" tIns="45000" rIns="90000" bIns="45000">
             <a:noAutofit/>
           </a:bodyPr>
+          <a:lstStyle/>
           <a:p>
             <a:r>
-              <a:rPr b="0" lang="de-CH" sz="1800" spc="-1" strike="noStrike">
+              <a:rPr lang="de-CH" sz="1800" b="0" strike="noStrike" spc="-1">
                 <a:latin typeface="Arial"/>
-                <a:hlinkClick r:id="rId2"/>
+                <a:hlinkClick r:id="rId3"/>
               </a:rPr>
               <a:t>Link</a:t>
             </a:r>
             <a:r>
-              <a:rPr b="0" lang="de-CH" sz="1800" spc="-1" strike="noStrike">
+              <a:rPr lang="de-CH" sz="1800" b="0" strike="noStrike" spc="-1">
                 <a:latin typeface="Arial"/>
               </a:rPr>
               <a:t> Datenbank Schema</a:t>
             </a:r>
-            <a:endParaRPr b="0" lang="de-CH" sz="1800" spc="-1" strike="noStrike">
-              <a:latin typeface="Arial"/>
-            </a:endParaRPr>
           </a:p>
         </p:txBody>
       </p:sp>
     </p:spTree>
   </p:cSld>
-  <mc:AlternateContent>
-    <mc:Choice Requires="p14">
-      <p:transition spd="slow" p14:dur="2000"/>
-    </mc:Choice>
-    <mc:Fallback>
-      <p:transition spd="slow"/>
-    </mc:Fallback>
-  </mc:AlternateContent>
+  <p:clrMapOvr>
+    <a:masterClrMapping/>
+  </p:clrMapOvr>
 </p:sld>
 </file>
 
 <file path=ppt/slides/slide7.xml><?xml version="1.0" encoding="utf-8"?>
-<p:sld xmlns:a="http://schemas.openxmlformats.org/drawingml/2006/main" xmlns:p="http://schemas.openxmlformats.org/presentationml/2006/main" xmlns:r="http://schemas.openxmlformats.org/officeDocument/2006/relationships" xmlns:p14="http://schemas.microsoft.com/office/powerpoint/2010/main" xmlns:p15="http://schemas.microsoft.com/office/powerpoint/2012/main" xmlns:mc="http://schemas.openxmlformats.org/markup-compatibility/2006">
+<p:sld xmlns:a="http://schemas.openxmlformats.org/drawingml/2006/main" xmlns:r="http://schemas.openxmlformats.org/officeDocument/2006/relationships" xmlns:p="http://schemas.openxmlformats.org/presentationml/2006/main">
   <p:cSld>
     <p:spTree>
       <p:nvGrpSpPr>
@@ -7527,6 +8577,7 @@
           <a:bodyPr anchor="ctr">
             <a:noAutofit/>
           </a:bodyPr>
+          <a:lstStyle/>
           <a:p>
             <a:pPr>
               <a:lnSpc>
@@ -7534,7 +8585,7 @@
               </a:lnSpc>
             </a:pPr>
             <a:r>
-              <a:rPr b="0" lang="de-DE" sz="4400" spc="-1" strike="noStrike">
+              <a:rPr lang="de-DE" sz="4400" b="0" strike="noStrike" spc="-1">
                 <a:solidFill>
                   <a:srgbClr val="000000"/>
                 </a:solidFill>
@@ -7542,7 +8593,7 @@
               </a:rPr>
               <a:t>Lösungsdokument -DB Schema</a:t>
             </a:r>
-            <a:endParaRPr b="0" lang="de-DE" sz="4400" spc="-1" strike="noStrike">
+            <a:endParaRPr lang="de-DE" sz="4400" b="0" strike="noStrike" spc="-1">
               <a:solidFill>
                 <a:srgbClr val="000000"/>
               </a:solidFill>
@@ -7553,12 +8604,12 @@
       </p:sp>
       <p:pic>
         <p:nvPicPr>
-          <p:cNvPr id="140" name="" descr=""/>
+          <p:cNvPr id="140" name="Grafik 139"/>
           <p:cNvPicPr/>
           <p:nvPr/>
         </p:nvPicPr>
         <p:blipFill>
-          <a:blip r:embed="rId1"/>
+          <a:blip r:embed="rId2"/>
           <a:stretch/>
         </p:blipFill>
         <p:spPr>
@@ -7576,19 +8627,14 @@
       </p:pic>
     </p:spTree>
   </p:cSld>
-  <mc:AlternateContent>
-    <mc:Choice Requires="p14">
-      <p:transition spd="slow" p14:dur="2000"/>
-    </mc:Choice>
-    <mc:Fallback>
-      <p:transition spd="slow"/>
-    </mc:Fallback>
-  </mc:AlternateContent>
+  <p:clrMapOvr>
+    <a:masterClrMapping/>
+  </p:clrMapOvr>
 </p:sld>
 </file>
 
 <file path=ppt/slides/slide8.xml><?xml version="1.0" encoding="utf-8"?>
-<p:sld xmlns:a="http://schemas.openxmlformats.org/drawingml/2006/main" xmlns:p="http://schemas.openxmlformats.org/presentationml/2006/main" xmlns:r="http://schemas.openxmlformats.org/officeDocument/2006/relationships" xmlns:p14="http://schemas.microsoft.com/office/powerpoint/2010/main" xmlns:p15="http://schemas.microsoft.com/office/powerpoint/2012/main" xmlns:mc="http://schemas.openxmlformats.org/markup-compatibility/2006">
+<p:sld xmlns:a="http://schemas.openxmlformats.org/drawingml/2006/main" xmlns:r="http://schemas.openxmlformats.org/officeDocument/2006/relationships" xmlns:p="http://schemas.openxmlformats.org/presentationml/2006/main">
   <p:cSld>
     <p:spTree>
       <p:nvGrpSpPr>
@@ -7627,6 +8673,7 @@
           <a:bodyPr anchor="ctr">
             <a:noAutofit/>
           </a:bodyPr>
+          <a:lstStyle/>
           <a:p>
             <a:pPr>
               <a:lnSpc>
@@ -7634,7 +8681,7 @@
               </a:lnSpc>
             </a:pPr>
             <a:r>
-              <a:rPr b="0" lang="de-DE" sz="4400" spc="-1" strike="noStrike">
+              <a:rPr lang="de-DE" sz="4400" b="0" strike="noStrike" spc="-1">
                 <a:solidFill>
                   <a:srgbClr val="000000"/>
                 </a:solidFill>
@@ -7642,7 +8689,7 @@
               </a:rPr>
               <a:t>Lösungsdokument -FE Allgemein</a:t>
             </a:r>
-            <a:endParaRPr b="0" lang="de-DE" sz="4400" spc="-1" strike="noStrike">
+            <a:endParaRPr lang="de-DE" sz="4400" b="0" strike="noStrike" spc="-1">
               <a:solidFill>
                 <a:srgbClr val="000000"/>
               </a:solidFill>
@@ -7653,30 +8700,7 @@
       </p:sp>
       <p:pic>
         <p:nvPicPr>
-          <p:cNvPr id="142" name="" descr=""/>
-          <p:cNvPicPr/>
-          <p:nvPr/>
-        </p:nvPicPr>
-        <p:blipFill>
-          <a:blip r:embed="rId1"/>
-          <a:stretch/>
-        </p:blipFill>
-        <p:spPr>
-          <a:xfrm>
-            <a:off x="1620000" y="1613160"/>
-            <a:ext cx="3315240" cy="4686840"/>
-          </a:xfrm>
-          <a:prstGeom prst="rect">
-            <a:avLst/>
-          </a:prstGeom>
-          <a:ln w="0">
-            <a:noFill/>
-          </a:ln>
-        </p:spPr>
-      </p:pic>
-      <p:pic>
-        <p:nvPicPr>
-          <p:cNvPr id="143" name="" descr=""/>
+          <p:cNvPr id="142" name="Grafik 141"/>
           <p:cNvPicPr/>
           <p:nvPr/>
         </p:nvPicPr>
@@ -7686,7 +8710,7 @@
         </p:blipFill>
         <p:spPr>
           <a:xfrm>
-            <a:off x="6224760" y="1613160"/>
+            <a:off x="1620000" y="1613160"/>
             <a:ext cx="3315240" cy="4686840"/>
           </a:xfrm>
           <a:prstGeom prst="rect">
@@ -7697,9 +8721,32 @@
           </a:ln>
         </p:spPr>
       </p:pic>
-      <p:sp>
-        <p:nvSpPr>
-          <p:cNvPr id="144" name=""/>
+      <p:pic>
+        <p:nvPicPr>
+          <p:cNvPr id="143" name="Grafik 142"/>
+          <p:cNvPicPr/>
+          <p:nvPr/>
+        </p:nvPicPr>
+        <p:blipFill>
+          <a:blip r:embed="rId3"/>
+          <a:stretch/>
+        </p:blipFill>
+        <p:spPr>
+          <a:xfrm>
+            <a:off x="6224760" y="1613160"/>
+            <a:ext cx="3315240" cy="4686840"/>
+          </a:xfrm>
+          <a:prstGeom prst="rect">
+            <a:avLst/>
+          </a:prstGeom>
+          <a:ln w="0">
+            <a:noFill/>
+          </a:ln>
+        </p:spPr>
+      </p:pic>
+      <p:sp>
+        <p:nvSpPr>
+          <p:cNvPr id="144" name="Textfeld 143"/>
           <p:cNvSpPr txBox="1"/>
           <p:nvPr/>
         </p:nvSpPr>
@@ -7717,44 +8764,37 @@
           </a:ln>
         </p:spPr>
         <p:txBody>
-          <a:bodyPr lIns="90000" rIns="90000" tIns="45000" bIns="45000">
+          <a:bodyPr lIns="90000" tIns="45000" rIns="90000" bIns="45000">
             <a:noAutofit/>
           </a:bodyPr>
+          <a:lstStyle/>
           <a:p>
             <a:r>
-              <a:rPr b="0" lang="de-CH" sz="1800" spc="-1" strike="noStrike">
+              <a:rPr lang="de-CH" sz="1800" b="0" strike="noStrike" spc="-1">
                 <a:latin typeface="Arial"/>
-                <a:hlinkClick r:id="rId3"/>
+                <a:hlinkClick r:id="rId4"/>
               </a:rPr>
               <a:t>Link</a:t>
             </a:r>
             <a:r>
-              <a:rPr b="0" lang="de-CH" sz="1800" spc="-1" strike="noStrike">
+              <a:rPr lang="de-CH" sz="1800" b="0" strike="noStrike" spc="-1">
                 <a:latin typeface="Arial"/>
               </a:rPr>
               <a:t> zu Frontend Design Mockup</a:t>
             </a:r>
-            <a:endParaRPr b="0" lang="de-CH" sz="1800" spc="-1" strike="noStrike">
-              <a:latin typeface="Arial"/>
-            </a:endParaRPr>
           </a:p>
         </p:txBody>
       </p:sp>
     </p:spTree>
   </p:cSld>
-  <mc:AlternateContent>
-    <mc:Choice Requires="p14">
-      <p:transition spd="slow" p14:dur="2000"/>
-    </mc:Choice>
-    <mc:Fallback>
-      <p:transition spd="slow"/>
-    </mc:Fallback>
-  </mc:AlternateContent>
+  <p:clrMapOvr>
+    <a:masterClrMapping/>
+  </p:clrMapOvr>
 </p:sld>
 </file>
 
 <file path=ppt/slides/slide9.xml><?xml version="1.0" encoding="utf-8"?>
-<p:sld xmlns:a="http://schemas.openxmlformats.org/drawingml/2006/main" xmlns:p="http://schemas.openxmlformats.org/presentationml/2006/main" xmlns:r="http://schemas.openxmlformats.org/officeDocument/2006/relationships" xmlns:p14="http://schemas.microsoft.com/office/powerpoint/2010/main" xmlns:p15="http://schemas.microsoft.com/office/powerpoint/2012/main" xmlns:mc="http://schemas.openxmlformats.org/markup-compatibility/2006">
+<p:sld xmlns:a="http://schemas.openxmlformats.org/drawingml/2006/main" xmlns:r="http://schemas.openxmlformats.org/officeDocument/2006/relationships" xmlns:p="http://schemas.openxmlformats.org/presentationml/2006/main">
   <p:cSld>
     <p:spTree>
       <p:nvGrpSpPr>
@@ -7793,6 +8833,7 @@
           <a:bodyPr anchor="ctr">
             <a:noAutofit/>
           </a:bodyPr>
+          <a:lstStyle/>
           <a:p>
             <a:pPr>
               <a:lnSpc>
@@ -7800,7 +8841,7 @@
               </a:lnSpc>
             </a:pPr>
             <a:r>
-              <a:rPr b="0" lang="de-DE" sz="4400" spc="-1" strike="noStrike">
+              <a:rPr lang="de-DE" sz="4400" b="0" strike="noStrike" spc="-1">
                 <a:solidFill>
                   <a:srgbClr val="000000"/>
                 </a:solidFill>
@@ -7808,7 +8849,7 @@
               </a:rPr>
               <a:t>Lösungsdokument -FE Navigation</a:t>
             </a:r>
-            <a:endParaRPr b="0" lang="de-DE" sz="4400" spc="-1" strike="noStrike">
+            <a:endParaRPr lang="de-DE" sz="4400" b="0" strike="noStrike" spc="-1">
               <a:solidFill>
                 <a:srgbClr val="000000"/>
               </a:solidFill>
@@ -7819,30 +8860,7 @@
       </p:sp>
       <p:pic>
         <p:nvPicPr>
-          <p:cNvPr id="146" name="" descr=""/>
-          <p:cNvPicPr/>
-          <p:nvPr/>
-        </p:nvPicPr>
-        <p:blipFill>
-          <a:blip r:embed="rId1"/>
-          <a:stretch/>
-        </p:blipFill>
-        <p:spPr>
-          <a:xfrm>
-            <a:off x="1800000" y="1690200"/>
-            <a:ext cx="3191040" cy="4510800"/>
-          </a:xfrm>
-          <a:prstGeom prst="rect">
-            <a:avLst/>
-          </a:prstGeom>
-          <a:ln w="0">
-            <a:noFill/>
-          </a:ln>
-        </p:spPr>
-      </p:pic>
-      <p:pic>
-        <p:nvPicPr>
-          <p:cNvPr id="147" name="" descr=""/>
+          <p:cNvPr id="146" name="Grafik 145"/>
           <p:cNvPicPr/>
           <p:nvPr/>
         </p:nvPicPr>
@@ -7852,8 +8870,8 @@
         </p:blipFill>
         <p:spPr>
           <a:xfrm>
-            <a:off x="6120000" y="1690200"/>
-            <a:ext cx="3240000" cy="4579920"/>
+            <a:off x="1800000" y="1690200"/>
+            <a:ext cx="3191040" cy="4510800"/>
           </a:xfrm>
           <a:prstGeom prst="rect">
             <a:avLst/>
@@ -7863,16 +8881,34 @@
           </a:ln>
         </p:spPr>
       </p:pic>
+      <p:pic>
+        <p:nvPicPr>
+          <p:cNvPr id="147" name="Grafik 146"/>
+          <p:cNvPicPr/>
+          <p:nvPr/>
+        </p:nvPicPr>
+        <p:blipFill>
+          <a:blip r:embed="rId3"/>
+          <a:stretch/>
+        </p:blipFill>
+        <p:spPr>
+          <a:xfrm>
+            <a:off x="6120000" y="1690200"/>
+            <a:ext cx="3240000" cy="4579920"/>
+          </a:xfrm>
+          <a:prstGeom prst="rect">
+            <a:avLst/>
+          </a:prstGeom>
+          <a:ln w="0">
+            <a:noFill/>
+          </a:ln>
+        </p:spPr>
+      </p:pic>
     </p:spTree>
   </p:cSld>
-  <mc:AlternateContent>
-    <mc:Choice Requires="p14">
-      <p:transition spd="slow" p14:dur="2000"/>
-    </mc:Choice>
-    <mc:Fallback>
-      <p:transition spd="slow"/>
-    </mc:Fallback>
-  </mc:AlternateContent>
+  <p:clrMapOvr>
+    <a:masterClrMapping/>
+  </p:clrMapOvr>
 </p:sld>
 </file>
 
@@ -7887,34 +8923,34 @@
         <a:sysClr val="window" lastClr="FFFFFF"/>
       </a:lt1>
       <a:dk2>
-        <a:srgbClr val="44546a"/>
+        <a:srgbClr val="44546A"/>
       </a:dk2>
       <a:lt2>
-        <a:srgbClr val="e7e6e6"/>
+        <a:srgbClr val="E7E6E6"/>
       </a:lt2>
       <a:accent1>
-        <a:srgbClr val="4472c4"/>
+        <a:srgbClr val="4472C4"/>
       </a:accent1>
       <a:accent2>
-        <a:srgbClr val="ed7d31"/>
+        <a:srgbClr val="ED7D31"/>
       </a:accent2>
       <a:accent3>
-        <a:srgbClr val="a5a5a5"/>
+        <a:srgbClr val="A5A5A5"/>
       </a:accent3>
       <a:accent4>
-        <a:srgbClr val="ffc000"/>
+        <a:srgbClr val="FFC000"/>
       </a:accent4>
       <a:accent5>
-        <a:srgbClr val="5b9bd5"/>
+        <a:srgbClr val="5B9BD5"/>
       </a:accent5>
       <a:accent6>
-        <a:srgbClr val="70ad47"/>
+        <a:srgbClr val="70AD47"/>
       </a:accent6>
       <a:hlink>
-        <a:srgbClr val="0563c1"/>
+        <a:srgbClr val="0563C1"/>
       </a:hlink>
       <a:folHlink>
-        <a:srgbClr val="954f72"/>
+        <a:srgbClr val="954F72"/>
       </a:folHlink>
     </a:clrScheme>
     <a:fontScheme name="Office">
@@ -8099,6 +9135,8 @@
       </a:bgFillStyleLst>
     </a:fmtScheme>
   </a:themeElements>
+  <a:objectDefaults/>
+  <a:extraClrSchemeLst/>
 </a:theme>
 </file>
 
@@ -8113,34 +9151,34 @@
         <a:sysClr val="window" lastClr="FFFFFF"/>
       </a:lt1>
       <a:dk2>
-        <a:srgbClr val="44546a"/>
+        <a:srgbClr val="44546A"/>
       </a:dk2>
       <a:lt2>
-        <a:srgbClr val="e7e6e6"/>
+        <a:srgbClr val="E7E6E6"/>
       </a:lt2>
       <a:accent1>
-        <a:srgbClr val="4472c4"/>
+        <a:srgbClr val="4472C4"/>
       </a:accent1>
       <a:accent2>
-        <a:srgbClr val="ed7d31"/>
+        <a:srgbClr val="ED7D31"/>
       </a:accent2>
       <a:accent3>
-        <a:srgbClr val="a5a5a5"/>
+        <a:srgbClr val="A5A5A5"/>
       </a:accent3>
       <a:accent4>
-        <a:srgbClr val="ffc000"/>
+        <a:srgbClr val="FFC000"/>
       </a:accent4>
       <a:accent5>
-        <a:srgbClr val="5b9bd5"/>
+        <a:srgbClr val="5B9BD5"/>
       </a:accent5>
       <a:accent6>
-        <a:srgbClr val="70ad47"/>
+        <a:srgbClr val="70AD47"/>
       </a:accent6>
       <a:hlink>
-        <a:srgbClr val="0563c1"/>
+        <a:srgbClr val="0563C1"/>
       </a:hlink>
       <a:folHlink>
-        <a:srgbClr val="954f72"/>
+        <a:srgbClr val="954F72"/>
       </a:folHlink>
     </a:clrScheme>
     <a:fontScheme name="Office">
@@ -8325,6 +9363,8 @@
       </a:bgFillStyleLst>
     </a:fmtScheme>
   </a:themeElements>
+  <a:objectDefaults/>
+  <a:extraClrSchemeLst/>
 </a:theme>
 </file>
 
@@ -8339,34 +9379,34 @@
         <a:sysClr val="window" lastClr="FFFFFF"/>
       </a:lt1>
       <a:dk2>
-        <a:srgbClr val="44546a"/>
+        <a:srgbClr val="44546A"/>
       </a:dk2>
       <a:lt2>
-        <a:srgbClr val="e7e6e6"/>
+        <a:srgbClr val="E7E6E6"/>
       </a:lt2>
       <a:accent1>
-        <a:srgbClr val="4472c4"/>
+        <a:srgbClr val="4472C4"/>
       </a:accent1>
       <a:accent2>
-        <a:srgbClr val="ed7d31"/>
+        <a:srgbClr val="ED7D31"/>
       </a:accent2>
       <a:accent3>
-        <a:srgbClr val="a5a5a5"/>
+        <a:srgbClr val="A5A5A5"/>
       </a:accent3>
       <a:accent4>
-        <a:srgbClr val="ffc000"/>
+        <a:srgbClr val="FFC000"/>
       </a:accent4>
       <a:accent5>
-        <a:srgbClr val="5b9bd5"/>
+        <a:srgbClr val="5B9BD5"/>
       </a:accent5>
       <a:accent6>
-        <a:srgbClr val="70ad47"/>
+        <a:srgbClr val="70AD47"/>
       </a:accent6>
       <a:hlink>
-        <a:srgbClr val="0563c1"/>
+        <a:srgbClr val="0563C1"/>
       </a:hlink>
       <a:folHlink>
-        <a:srgbClr val="954f72"/>
+        <a:srgbClr val="954F72"/>
       </a:folHlink>
     </a:clrScheme>
     <a:fontScheme name="Office">
@@ -8551,5 +9591,7 @@
       </a:bgFillStyleLst>
     </a:fmtScheme>
   </a:themeElements>
+  <a:objectDefaults/>
+  <a:extraClrSchemeLst/>
 </a:theme>
 </file>